--- a/21-svg-transform/21.pptx
+++ b/21-svg-transform/21.pptx
@@ -5,7 +5,7 @@
     <p:sldMasterId id="2147483648" r:id="rId1"/>
   </p:sldMasterIdLst>
   <p:notesMasterIdLst>
-    <p:notesMasterId r:id="rId21"/>
+    <p:notesMasterId r:id="rId29"/>
   </p:notesMasterIdLst>
   <p:sldIdLst>
     <p:sldId id="256" r:id="rId2"/>
@@ -21,12 +21,20 @@
     <p:sldId id="443" r:id="rId12"/>
     <p:sldId id="448" r:id="rId13"/>
     <p:sldId id="450" r:id="rId14"/>
-    <p:sldId id="451" r:id="rId15"/>
-    <p:sldId id="449" r:id="rId16"/>
-    <p:sldId id="452" r:id="rId17"/>
-    <p:sldId id="444" r:id="rId18"/>
-    <p:sldId id="445" r:id="rId19"/>
-    <p:sldId id="345" r:id="rId20"/>
+    <p:sldId id="454" r:id="rId15"/>
+    <p:sldId id="455" r:id="rId16"/>
+    <p:sldId id="456" r:id="rId17"/>
+    <p:sldId id="457" r:id="rId18"/>
+    <p:sldId id="453" r:id="rId19"/>
+    <p:sldId id="459" r:id="rId20"/>
+    <p:sldId id="458" r:id="rId21"/>
+    <p:sldId id="460" r:id="rId22"/>
+    <p:sldId id="451" r:id="rId23"/>
+    <p:sldId id="461" r:id="rId24"/>
+    <p:sldId id="463" r:id="rId25"/>
+    <p:sldId id="462" r:id="rId26"/>
+    <p:sldId id="449" r:id="rId27"/>
+    <p:sldId id="345" r:id="rId28"/>
   </p:sldIdLst>
   <p:sldSz cx="9144000" cy="6858000" type="screen4x3"/>
   <p:notesSz cx="6858000" cy="9144000"/>
@@ -127,7 +135,7 @@
   </p:defaultTextStyle>
   <p:extLst>
     <p:ext uri="{EFAFB233-063F-42B5-8137-9DF3F51BA10A}">
-      <p15:sldGuideLst xmlns:p15="http://schemas.microsoft.com/office/powerpoint/2012/main">
+      <p15:sldGuideLst xmlns:p15="http://schemas.microsoft.com/office/powerpoint/2012/main" xmlns="">
         <p15:guide id="1" orient="horz" pos="2160">
           <p15:clr>
             <a:srgbClr val="A4A3A4"/>
@@ -226,7 +234,7 @@
           <a:p>
             <a:fld id="{918C987C-5DAD-4601-B625-55A3208473B0}" type="datetimeFigureOut">
               <a:rPr lang="zh-CN" altLang="en-US" smtClean="0"/>
-              <a:t>2018/9/4</a:t>
+              <a:t>2018/9/5</a:t>
             </a:fld>
             <a:endParaRPr lang="zh-CN" altLang="en-US"/>
           </a:p>
@@ -675,7 +683,7 @@
           <a:p>
             <a:fld id="{17C7C8FB-1C37-4023-AA22-09D5A8E13DCF}" type="datetimeFigureOut">
               <a:rPr lang="zh-CN" altLang="en-US" smtClean="0"/>
-              <a:t>2018/9/4</a:t>
+              <a:t>2018/9/5</a:t>
             </a:fld>
             <a:endParaRPr lang="zh-CN" altLang="en-US"/>
           </a:p>
@@ -845,7 +853,7 @@
           <a:p>
             <a:fld id="{17C7C8FB-1C37-4023-AA22-09D5A8E13DCF}" type="datetimeFigureOut">
               <a:rPr lang="zh-CN" altLang="en-US" smtClean="0"/>
-              <a:t>2018/9/4</a:t>
+              <a:t>2018/9/5</a:t>
             </a:fld>
             <a:endParaRPr lang="zh-CN" altLang="en-US"/>
           </a:p>
@@ -1025,7 +1033,7 @@
           <a:p>
             <a:fld id="{17C7C8FB-1C37-4023-AA22-09D5A8E13DCF}" type="datetimeFigureOut">
               <a:rPr lang="zh-CN" altLang="en-US" smtClean="0"/>
-              <a:t>2018/9/4</a:t>
+              <a:t>2018/9/5</a:t>
             </a:fld>
             <a:endParaRPr lang="zh-CN" altLang="en-US"/>
           </a:p>
@@ -1195,7 +1203,7 @@
           <a:p>
             <a:fld id="{17C7C8FB-1C37-4023-AA22-09D5A8E13DCF}" type="datetimeFigureOut">
               <a:rPr lang="zh-CN" altLang="en-US" smtClean="0"/>
-              <a:t>2018/9/4</a:t>
+              <a:t>2018/9/5</a:t>
             </a:fld>
             <a:endParaRPr lang="zh-CN" altLang="en-US"/>
           </a:p>
@@ -1441,7 +1449,7 @@
           <a:p>
             <a:fld id="{17C7C8FB-1C37-4023-AA22-09D5A8E13DCF}" type="datetimeFigureOut">
               <a:rPr lang="zh-CN" altLang="en-US" smtClean="0"/>
-              <a:t>2018/9/4</a:t>
+              <a:t>2018/9/5</a:t>
             </a:fld>
             <a:endParaRPr lang="zh-CN" altLang="en-US"/>
           </a:p>
@@ -1729,7 +1737,7 @@
           <a:p>
             <a:fld id="{17C7C8FB-1C37-4023-AA22-09D5A8E13DCF}" type="datetimeFigureOut">
               <a:rPr lang="zh-CN" altLang="en-US" smtClean="0"/>
-              <a:t>2018/9/4</a:t>
+              <a:t>2018/9/5</a:t>
             </a:fld>
             <a:endParaRPr lang="zh-CN" altLang="en-US"/>
           </a:p>
@@ -2151,7 +2159,7 @@
           <a:p>
             <a:fld id="{17C7C8FB-1C37-4023-AA22-09D5A8E13DCF}" type="datetimeFigureOut">
               <a:rPr lang="zh-CN" altLang="en-US" smtClean="0"/>
-              <a:t>2018/9/4</a:t>
+              <a:t>2018/9/5</a:t>
             </a:fld>
             <a:endParaRPr lang="zh-CN" altLang="en-US"/>
           </a:p>
@@ -2269,7 +2277,7 @@
           <a:p>
             <a:fld id="{17C7C8FB-1C37-4023-AA22-09D5A8E13DCF}" type="datetimeFigureOut">
               <a:rPr lang="zh-CN" altLang="en-US" smtClean="0"/>
-              <a:t>2018/9/4</a:t>
+              <a:t>2018/9/5</a:t>
             </a:fld>
             <a:endParaRPr lang="zh-CN" altLang="en-US"/>
           </a:p>
@@ -2364,7 +2372,7 @@
           <a:p>
             <a:fld id="{17C7C8FB-1C37-4023-AA22-09D5A8E13DCF}" type="datetimeFigureOut">
               <a:rPr lang="zh-CN" altLang="en-US" smtClean="0"/>
-              <a:t>2018/9/4</a:t>
+              <a:t>2018/9/5</a:t>
             </a:fld>
             <a:endParaRPr lang="zh-CN" altLang="en-US"/>
           </a:p>
@@ -2641,7 +2649,7 @@
           <a:p>
             <a:fld id="{17C7C8FB-1C37-4023-AA22-09D5A8E13DCF}" type="datetimeFigureOut">
               <a:rPr lang="zh-CN" altLang="en-US" smtClean="0"/>
-              <a:t>2018/9/4</a:t>
+              <a:t>2018/9/5</a:t>
             </a:fld>
             <a:endParaRPr lang="zh-CN" altLang="en-US"/>
           </a:p>
@@ -2894,7 +2902,7 @@
           <a:p>
             <a:fld id="{17C7C8FB-1C37-4023-AA22-09D5A8E13DCF}" type="datetimeFigureOut">
               <a:rPr lang="zh-CN" altLang="en-US" smtClean="0"/>
-              <a:t>2018/9/4</a:t>
+              <a:t>2018/9/5</a:t>
             </a:fld>
             <a:endParaRPr lang="zh-CN" altLang="en-US"/>
           </a:p>
@@ -3107,7 +3115,7 @@
           <a:p>
             <a:fld id="{17C7C8FB-1C37-4023-AA22-09D5A8E13DCF}" type="datetimeFigureOut">
               <a:rPr lang="zh-CN" altLang="en-US" smtClean="0"/>
-              <a:t>2018/9/4</a:t>
+              <a:t>2018/9/5</a:t>
             </a:fld>
             <a:endParaRPr lang="zh-CN" altLang="en-US"/>
           </a:p>
@@ -3840,20 +3848,7 @@
                   <a:latin typeface="微软雅黑" pitchFamily="34" charset="-122"/>
                   <a:ea typeface="微软雅黑" pitchFamily="34" charset="-122"/>
                 </a:rPr>
-                <a:t>4</a:t>
-              </a:r>
-              <a:r>
-                <a:rPr lang="en-US" altLang="zh-CN" sz="2400" b="1" dirty="0" smtClean="0">
-                  <a:solidFill>
-                    <a:schemeClr val="tx1">
-                      <a:lumMod val="75000"/>
-                      <a:lumOff val="25000"/>
-                    </a:schemeClr>
-                  </a:solidFill>
-                  <a:latin typeface="微软雅黑" pitchFamily="34" charset="-122"/>
-                  <a:ea typeface="微软雅黑" pitchFamily="34" charset="-122"/>
-                </a:rPr>
-                <a:t>-a </a:t>
+                <a:t>4-a </a:t>
               </a:r>
               <a:r>
                 <a:rPr lang="zh-CN" altLang="en-US" sz="2400" b="1" dirty="0" smtClean="0">
@@ -4626,7 +4621,7 @@
         </p:nvSpPr>
         <p:spPr>
           <a:xfrm>
-            <a:off x="684000" y="260648"/>
+            <a:off x="684000" y="44624"/>
             <a:ext cx="7776000" cy="1292662"/>
           </a:xfrm>
           <a:prstGeom prst="rect">
@@ -4656,20 +4651,7 @@
                 <a:latin typeface="微软雅黑" pitchFamily="34" charset="-122"/>
                 <a:ea typeface="微软雅黑" pitchFamily="34" charset="-122"/>
               </a:rPr>
-              <a:t>5</a:t>
-            </a:r>
-            <a:r>
-              <a:rPr lang="en-US" altLang="zh-CN" sz="2800" b="1" dirty="0" smtClean="0">
-                <a:solidFill>
-                  <a:schemeClr val="tx1">
-                    <a:lumMod val="75000"/>
-                    <a:lumOff val="25000"/>
-                  </a:schemeClr>
-                </a:solidFill>
-                <a:latin typeface="微软雅黑" pitchFamily="34" charset="-122"/>
-                <a:ea typeface="微软雅黑" pitchFamily="34" charset="-122"/>
-              </a:rPr>
-              <a:t>.</a:t>
+              <a:t>5.</a:t>
             </a:r>
             <a:r>
               <a:rPr lang="zh-CN" altLang="en-US" sz="2800" b="1" dirty="0" smtClean="0">
@@ -4725,7 +4707,7 @@
                 <a:latin typeface="微软雅黑" pitchFamily="34" charset="-122"/>
                 <a:ea typeface="微软雅黑" pitchFamily="34" charset="-122"/>
               </a:rPr>
-              <a:t>解析路径</a:t>
+              <a:t>加载路径数据</a:t>
             </a:r>
             <a:endParaRPr lang="en-US" altLang="zh-CN" sz="2400" b="1" dirty="0">
               <a:solidFill>
@@ -4737,6 +4719,498 @@
               <a:latin typeface="微软雅黑" pitchFamily="34" charset="-122"/>
               <a:ea typeface="微软雅黑" pitchFamily="34" charset="-122"/>
             </a:endParaRPr>
+          </a:p>
+        </p:txBody>
+      </p:sp>
+      <p:pic>
+        <p:nvPicPr>
+          <p:cNvPr id="2" name="图片 1" descr="屏幕剪辑"/>
+          <p:cNvPicPr>
+            <a:picLocks noChangeAspect="1"/>
+          </p:cNvPicPr>
+          <p:nvPr/>
+        </p:nvPicPr>
+        <p:blipFill>
+          <a:blip r:embed="rId2">
+            <a:extLst>
+              <a:ext uri="{28A0092B-C50C-407E-A947-70E740481C1C}">
+                <a14:useLocalDpi xmlns:a14="http://schemas.microsoft.com/office/drawing/2010/main" val="0"/>
+              </a:ext>
+            </a:extLst>
+          </a:blip>
+          <a:stretch>
+            <a:fillRect/>
+          </a:stretch>
+        </p:blipFill>
+        <p:spPr>
+          <a:xfrm>
+            <a:off x="1043608" y="1268760"/>
+            <a:ext cx="2686425" cy="1438476"/>
+          </a:xfrm>
+          <a:prstGeom prst="rect">
+            <a:avLst/>
+          </a:prstGeom>
+          <a:ln>
+            <a:noFill/>
+          </a:ln>
+          <a:effectLst>
+            <a:outerShdw blurRad="292100" dist="139700" dir="2700000" algn="tl" rotWithShape="0">
+              <a:srgbClr val="333333">
+                <a:alpha val="65000"/>
+              </a:srgbClr>
+            </a:outerShdw>
+          </a:effectLst>
+        </p:spPr>
+      </p:pic>
+      <p:sp>
+        <p:nvSpPr>
+          <p:cNvPr id="5" name="圆角矩形标注 4"/>
+          <p:cNvSpPr/>
+          <p:nvPr/>
+        </p:nvSpPr>
+        <p:spPr>
+          <a:xfrm>
+            <a:off x="3748878" y="1318996"/>
+            <a:ext cx="2623322" cy="1388240"/>
+          </a:xfrm>
+          <a:prstGeom prst="wedgeRoundRectCallout">
+            <a:avLst>
+              <a:gd name="adj1" fmla="val -59793"/>
+              <a:gd name="adj2" fmla="val 23364"/>
+              <a:gd name="adj3" fmla="val 16667"/>
+            </a:avLst>
+          </a:prstGeom>
+        </p:spPr>
+        <p:style>
+          <a:lnRef idx="2">
+            <a:schemeClr val="accent5"/>
+          </a:lnRef>
+          <a:fillRef idx="1">
+            <a:schemeClr val="lt1"/>
+          </a:fillRef>
+          <a:effectRef idx="0">
+            <a:schemeClr val="accent5"/>
+          </a:effectRef>
+          <a:fontRef idx="minor">
+            <a:schemeClr val="dk1"/>
+          </a:fontRef>
+        </p:style>
+        <p:txBody>
+          <a:bodyPr rtlCol="0" anchor="ctr"/>
+          <a:lstStyle/>
+          <a:p>
+            <a:pPr>
+              <a:lnSpc>
+                <a:spcPct val="150000"/>
+              </a:lnSpc>
+            </a:pPr>
+            <a:r>
+              <a:rPr lang="zh-CN" altLang="en-US" sz="2000" dirty="0" smtClean="0">
+                <a:solidFill>
+                  <a:schemeClr val="tx1">
+                    <a:lumMod val="75000"/>
+                    <a:lumOff val="25000"/>
+                  </a:schemeClr>
+                </a:solidFill>
+                <a:latin typeface="微软雅黑" pitchFamily="34" charset="-122"/>
+                <a:ea typeface="微软雅黑" pitchFamily="34" charset="-122"/>
+              </a:rPr>
+              <a:t>保存路径数据的对象，包含一个最多路径数目，和最多指令数目</a:t>
+            </a:r>
+            <a:endParaRPr lang="en-US" altLang="zh-CN" sz="2000" dirty="0">
+              <a:solidFill>
+                <a:schemeClr val="tx1">
+                  <a:lumMod val="75000"/>
+                  <a:lumOff val="25000"/>
+                </a:schemeClr>
+              </a:solidFill>
+              <a:latin typeface="微软雅黑" pitchFamily="34" charset="-122"/>
+              <a:ea typeface="微软雅黑" pitchFamily="34" charset="-122"/>
+            </a:endParaRPr>
+          </a:p>
+        </p:txBody>
+      </p:sp>
+      <p:pic>
+        <p:nvPicPr>
+          <p:cNvPr id="6" name="图片 5" descr="屏幕剪辑"/>
+          <p:cNvPicPr>
+            <a:picLocks noChangeAspect="1"/>
+          </p:cNvPicPr>
+          <p:nvPr/>
+        </p:nvPicPr>
+        <p:blipFill>
+          <a:blip r:embed="rId3">
+            <a:extLst>
+              <a:ext uri="{28A0092B-C50C-407E-A947-70E740481C1C}">
+                <a14:useLocalDpi xmlns:a14="http://schemas.microsoft.com/office/drawing/2010/main" val="0"/>
+              </a:ext>
+            </a:extLst>
+          </a:blip>
+          <a:stretch>
+            <a:fillRect/>
+          </a:stretch>
+        </p:blipFill>
+        <p:spPr>
+          <a:xfrm>
+            <a:off x="1043608" y="2996952"/>
+            <a:ext cx="4696480" cy="3210373"/>
+          </a:xfrm>
+          <a:prstGeom prst="rect">
+            <a:avLst/>
+          </a:prstGeom>
+          <a:ln>
+            <a:noFill/>
+          </a:ln>
+          <a:effectLst>
+            <a:outerShdw blurRad="292100" dist="139700" dir="2700000" algn="tl" rotWithShape="0">
+              <a:srgbClr val="333333">
+                <a:alpha val="65000"/>
+              </a:srgbClr>
+            </a:outerShdw>
+          </a:effectLst>
+        </p:spPr>
+      </p:pic>
+      <p:sp>
+        <p:nvSpPr>
+          <p:cNvPr id="7" name="圆角矩形标注 6"/>
+          <p:cNvSpPr/>
+          <p:nvPr/>
+        </p:nvSpPr>
+        <p:spPr>
+          <a:xfrm>
+            <a:off x="4153600" y="3212976"/>
+            <a:ext cx="1786552" cy="462271"/>
+          </a:xfrm>
+          <a:prstGeom prst="wedgeRoundRectCallout">
+            <a:avLst>
+              <a:gd name="adj1" fmla="val -17675"/>
+              <a:gd name="adj2" fmla="val 76506"/>
+              <a:gd name="adj3" fmla="val 16667"/>
+            </a:avLst>
+          </a:prstGeom>
+        </p:spPr>
+        <p:style>
+          <a:lnRef idx="2">
+            <a:schemeClr val="accent5"/>
+          </a:lnRef>
+          <a:fillRef idx="1">
+            <a:schemeClr val="lt1"/>
+          </a:fillRef>
+          <a:effectRef idx="0">
+            <a:schemeClr val="accent5"/>
+          </a:effectRef>
+          <a:fontRef idx="minor">
+            <a:schemeClr val="dk1"/>
+          </a:fontRef>
+        </p:style>
+        <p:txBody>
+          <a:bodyPr rtlCol="0" anchor="ctr"/>
+          <a:lstStyle/>
+          <a:p>
+            <a:pPr>
+              <a:lnSpc>
+                <a:spcPct val="150000"/>
+              </a:lnSpc>
+            </a:pPr>
+            <a:r>
+              <a:rPr lang="zh-CN" altLang="en-US" sz="2000" dirty="0" smtClean="0">
+                <a:solidFill>
+                  <a:schemeClr val="tx1">
+                    <a:lumMod val="75000"/>
+                    <a:lumOff val="25000"/>
+                  </a:schemeClr>
+                </a:solidFill>
+                <a:latin typeface="微软雅黑" pitchFamily="34" charset="-122"/>
+                <a:ea typeface="微软雅黑" pitchFamily="34" charset="-122"/>
+              </a:rPr>
+              <a:t>所有路径标签</a:t>
+            </a:r>
+            <a:endParaRPr lang="en-US" altLang="zh-CN" sz="2000" dirty="0">
+              <a:solidFill>
+                <a:schemeClr val="tx1">
+                  <a:lumMod val="75000"/>
+                  <a:lumOff val="25000"/>
+                </a:schemeClr>
+              </a:solidFill>
+              <a:latin typeface="微软雅黑" pitchFamily="34" charset="-122"/>
+              <a:ea typeface="微软雅黑" pitchFamily="34" charset="-122"/>
+            </a:endParaRPr>
+          </a:p>
+        </p:txBody>
+      </p:sp>
+      <p:sp>
+        <p:nvSpPr>
+          <p:cNvPr id="8" name="圆角矩形标注 7"/>
+          <p:cNvSpPr/>
+          <p:nvPr/>
+        </p:nvSpPr>
+        <p:spPr>
+          <a:xfrm>
+            <a:off x="4716016" y="4371002"/>
+            <a:ext cx="1786552" cy="462271"/>
+          </a:xfrm>
+          <a:prstGeom prst="wedgeRoundRectCallout">
+            <a:avLst>
+              <a:gd name="adj1" fmla="val -58163"/>
+              <a:gd name="adj2" fmla="val 44031"/>
+              <a:gd name="adj3" fmla="val 16667"/>
+            </a:avLst>
+          </a:prstGeom>
+        </p:spPr>
+        <p:style>
+          <a:lnRef idx="2">
+            <a:schemeClr val="accent5"/>
+          </a:lnRef>
+          <a:fillRef idx="1">
+            <a:schemeClr val="lt1"/>
+          </a:fillRef>
+          <a:effectRef idx="0">
+            <a:schemeClr val="accent5"/>
+          </a:effectRef>
+          <a:fontRef idx="minor">
+            <a:schemeClr val="dk1"/>
+          </a:fontRef>
+        </p:style>
+        <p:txBody>
+          <a:bodyPr rtlCol="0" anchor="ctr"/>
+          <a:lstStyle/>
+          <a:p>
+            <a:pPr>
+              <a:lnSpc>
+                <a:spcPct val="150000"/>
+              </a:lnSpc>
+            </a:pPr>
+            <a:r>
+              <a:rPr lang="zh-CN" altLang="en-US" sz="2000" dirty="0" smtClean="0">
+                <a:solidFill>
+                  <a:schemeClr val="tx1">
+                    <a:lumMod val="75000"/>
+                    <a:lumOff val="25000"/>
+                  </a:schemeClr>
+                </a:solidFill>
+                <a:latin typeface="微软雅黑" pitchFamily="34" charset="-122"/>
+                <a:ea typeface="微软雅黑" pitchFamily="34" charset="-122"/>
+              </a:rPr>
+              <a:t>获取路径数据</a:t>
+            </a:r>
+            <a:endParaRPr lang="en-US" altLang="zh-CN" sz="2000" dirty="0">
+              <a:solidFill>
+                <a:schemeClr val="tx1">
+                  <a:lumMod val="75000"/>
+                  <a:lumOff val="25000"/>
+                </a:schemeClr>
+              </a:solidFill>
+              <a:latin typeface="微软雅黑" pitchFamily="34" charset="-122"/>
+              <a:ea typeface="微软雅黑" pitchFamily="34" charset="-122"/>
+            </a:endParaRPr>
+          </a:p>
+        </p:txBody>
+      </p:sp>
+      <p:sp>
+        <p:nvSpPr>
+          <p:cNvPr id="9" name="圆角矩形标注 8"/>
+          <p:cNvSpPr/>
+          <p:nvPr/>
+        </p:nvSpPr>
+        <p:spPr>
+          <a:xfrm>
+            <a:off x="5220072" y="4941168"/>
+            <a:ext cx="1786552" cy="462271"/>
+          </a:xfrm>
+          <a:prstGeom prst="wedgeRoundRectCallout">
+            <a:avLst>
+              <a:gd name="adj1" fmla="val -58163"/>
+              <a:gd name="adj2" fmla="val 44031"/>
+              <a:gd name="adj3" fmla="val 16667"/>
+            </a:avLst>
+          </a:prstGeom>
+        </p:spPr>
+        <p:style>
+          <a:lnRef idx="2">
+            <a:schemeClr val="accent5"/>
+          </a:lnRef>
+          <a:fillRef idx="1">
+            <a:schemeClr val="lt1"/>
+          </a:fillRef>
+          <a:effectRef idx="0">
+            <a:schemeClr val="accent5"/>
+          </a:effectRef>
+          <a:fontRef idx="minor">
+            <a:schemeClr val="dk1"/>
+          </a:fontRef>
+        </p:style>
+        <p:txBody>
+          <a:bodyPr rtlCol="0" anchor="ctr"/>
+          <a:lstStyle/>
+          <a:p>
+            <a:pPr>
+              <a:lnSpc>
+                <a:spcPct val="150000"/>
+              </a:lnSpc>
+            </a:pPr>
+            <a:r>
+              <a:rPr lang="zh-CN" altLang="en-US" sz="2000" dirty="0" smtClean="0">
+                <a:solidFill>
+                  <a:schemeClr val="tx1">
+                    <a:lumMod val="75000"/>
+                    <a:lumOff val="25000"/>
+                  </a:schemeClr>
+                </a:solidFill>
+                <a:latin typeface="微软雅黑" pitchFamily="34" charset="-122"/>
+                <a:ea typeface="微软雅黑" pitchFamily="34" charset="-122"/>
+              </a:rPr>
+              <a:t>获取路径键值</a:t>
+            </a:r>
+            <a:endParaRPr lang="en-US" altLang="zh-CN" sz="2000" dirty="0">
+              <a:solidFill>
+                <a:schemeClr val="tx1">
+                  <a:lumMod val="75000"/>
+                  <a:lumOff val="25000"/>
+                </a:schemeClr>
+              </a:solidFill>
+              <a:latin typeface="微软雅黑" pitchFamily="34" charset="-122"/>
+              <a:ea typeface="微软雅黑" pitchFamily="34" charset="-122"/>
+            </a:endParaRPr>
+          </a:p>
+        </p:txBody>
+      </p:sp>
+      <p:sp>
+        <p:nvSpPr>
+          <p:cNvPr id="10" name="圆角矩形标注 9"/>
+          <p:cNvSpPr/>
+          <p:nvPr/>
+        </p:nvSpPr>
+        <p:spPr>
+          <a:xfrm>
+            <a:off x="2915816" y="5919057"/>
+            <a:ext cx="2824272" cy="822311"/>
+          </a:xfrm>
+          <a:prstGeom prst="wedgeRoundRectCallout">
+            <a:avLst>
+              <a:gd name="adj1" fmla="val -29415"/>
+              <a:gd name="adj2" fmla="val -67998"/>
+              <a:gd name="adj3" fmla="val 16667"/>
+            </a:avLst>
+          </a:prstGeom>
+        </p:spPr>
+        <p:style>
+          <a:lnRef idx="2">
+            <a:schemeClr val="accent5"/>
+          </a:lnRef>
+          <a:fillRef idx="1">
+            <a:schemeClr val="lt1"/>
+          </a:fillRef>
+          <a:effectRef idx="0">
+            <a:schemeClr val="accent5"/>
+          </a:effectRef>
+          <a:fontRef idx="minor">
+            <a:schemeClr val="dk1"/>
+          </a:fontRef>
+        </p:style>
+        <p:txBody>
+          <a:bodyPr rtlCol="0" anchor="ctr"/>
+          <a:lstStyle/>
+          <a:p>
+            <a:pPr>
+              <a:lnSpc>
+                <a:spcPct val="150000"/>
+              </a:lnSpc>
+            </a:pPr>
+            <a:r>
+              <a:rPr lang="zh-CN" altLang="en-US" sz="2000" dirty="0" smtClean="0">
+                <a:solidFill>
+                  <a:schemeClr val="tx1">
+                    <a:lumMod val="75000"/>
+                    <a:lumOff val="25000"/>
+                  </a:schemeClr>
+                </a:solidFill>
+                <a:latin typeface="微软雅黑" pitchFamily="34" charset="-122"/>
+                <a:ea typeface="微软雅黑" pitchFamily="34" charset="-122"/>
+              </a:rPr>
+              <a:t>将路径字符串转换为数值，并</a:t>
+            </a:r>
+            <a:r>
+              <a:rPr lang="zh-CN" altLang="en-US" sz="2000" dirty="0" smtClean="0">
+                <a:solidFill>
+                  <a:schemeClr val="tx1">
+                    <a:lumMod val="75000"/>
+                    <a:lumOff val="25000"/>
+                  </a:schemeClr>
+                </a:solidFill>
+                <a:latin typeface="微软雅黑" pitchFamily="34" charset="-122"/>
+                <a:ea typeface="微软雅黑" pitchFamily="34" charset="-122"/>
+              </a:rPr>
+              <a:t>按照键值</a:t>
+            </a:r>
+            <a:r>
+              <a:rPr lang="zh-CN" altLang="en-US" sz="2000" dirty="0" smtClean="0">
+                <a:solidFill>
+                  <a:schemeClr val="tx1">
+                    <a:lumMod val="75000"/>
+                    <a:lumOff val="25000"/>
+                  </a:schemeClr>
+                </a:solidFill>
+                <a:latin typeface="微软雅黑" pitchFamily="34" charset="-122"/>
+                <a:ea typeface="微软雅黑" pitchFamily="34" charset="-122"/>
+              </a:rPr>
+              <a:t>保存</a:t>
+            </a:r>
+            <a:endParaRPr lang="en-US" altLang="zh-CN" sz="2000" dirty="0">
+              <a:solidFill>
+                <a:schemeClr val="tx1">
+                  <a:lumMod val="75000"/>
+                  <a:lumOff val="25000"/>
+                </a:schemeClr>
+              </a:solidFill>
+              <a:latin typeface="微软雅黑" pitchFamily="34" charset="-122"/>
+              <a:ea typeface="微软雅黑" pitchFamily="34" charset="-122"/>
+            </a:endParaRPr>
+          </a:p>
+        </p:txBody>
+      </p:sp>
+      <p:sp>
+        <p:nvSpPr>
+          <p:cNvPr id="11" name="矩形 10"/>
+          <p:cNvSpPr/>
+          <p:nvPr/>
+        </p:nvSpPr>
+        <p:spPr>
+          <a:xfrm>
+            <a:off x="3476285" y="5411013"/>
+            <a:ext cx="2133007" cy="360040"/>
+          </a:xfrm>
+          <a:prstGeom prst="rect">
+            <a:avLst/>
+          </a:prstGeom>
+          <a:noFill/>
+          <a:ln w="38100">
+            <a:solidFill>
+              <a:srgbClr val="FFFF00"/>
+            </a:solidFill>
+          </a:ln>
+        </p:spPr>
+        <p:style>
+          <a:lnRef idx="2">
+            <a:schemeClr val="accent1">
+              <a:shade val="50000"/>
+            </a:schemeClr>
+          </a:lnRef>
+          <a:fillRef idx="1">
+            <a:schemeClr val="accent1"/>
+          </a:fillRef>
+          <a:effectRef idx="0">
+            <a:schemeClr val="accent1"/>
+          </a:effectRef>
+          <a:fontRef idx="minor">
+            <a:schemeClr val="lt1"/>
+          </a:fontRef>
+        </p:style>
+        <p:txBody>
+          <a:bodyPr rtlCol="0" anchor="ctr"/>
+          <a:lstStyle/>
+          <a:p>
+            <a:pPr algn="ctr"/>
+            <a:endParaRPr lang="zh-CN" altLang="en-US"/>
           </a:p>
         </p:txBody>
       </p:sp>
@@ -4786,7 +5260,7 @@
         <p:spPr>
           <a:xfrm>
             <a:off x="684000" y="260648"/>
-            <a:ext cx="7776000" cy="581057"/>
+            <a:ext cx="7776000" cy="5078313"/>
           </a:xfrm>
           <a:prstGeom prst="rect">
             <a:avLst/>
@@ -4828,7 +5302,366 @@
                 <a:latin typeface="微软雅黑" pitchFamily="34" charset="-122"/>
                 <a:ea typeface="微软雅黑" pitchFamily="34" charset="-122"/>
               </a:rPr>
-              <a:t>转化为绝对</a:t>
+              <a:t>解析路径</a:t>
+            </a:r>
+            <a:endParaRPr lang="en-US" altLang="zh-CN" sz="2400" b="1" dirty="0" smtClean="0">
+              <a:solidFill>
+                <a:schemeClr val="tx1">
+                  <a:lumMod val="75000"/>
+                  <a:lumOff val="25000"/>
+                </a:schemeClr>
+              </a:solidFill>
+              <a:latin typeface="微软雅黑" pitchFamily="34" charset="-122"/>
+              <a:ea typeface="微软雅黑" pitchFamily="34" charset="-122"/>
+            </a:endParaRPr>
+          </a:p>
+          <a:p>
+            <a:pPr>
+              <a:lnSpc>
+                <a:spcPct val="150000"/>
+              </a:lnSpc>
+            </a:pPr>
+            <a:r>
+              <a:rPr lang="zh-CN" altLang="en-US" sz="2400" dirty="0">
+                <a:solidFill>
+                  <a:schemeClr val="tx1">
+                    <a:lumMod val="75000"/>
+                    <a:lumOff val="25000"/>
+                  </a:schemeClr>
+                </a:solidFill>
+                <a:latin typeface="微软雅黑" pitchFamily="34" charset="-122"/>
+                <a:ea typeface="微软雅黑" pitchFamily="34" charset="-122"/>
+              </a:rPr>
+              <a:t>每个</a:t>
+            </a:r>
+            <a:r>
+              <a:rPr lang="zh-CN" altLang="en-US" sz="2400" dirty="0" smtClean="0">
+                <a:solidFill>
+                  <a:schemeClr val="tx1">
+                    <a:lumMod val="75000"/>
+                    <a:lumOff val="25000"/>
+                  </a:schemeClr>
+                </a:solidFill>
+                <a:latin typeface="微软雅黑" pitchFamily="34" charset="-122"/>
+                <a:ea typeface="微软雅黑" pitchFamily="34" charset="-122"/>
+              </a:rPr>
+              <a:t>字母可能包含多个子路径，</a:t>
+            </a:r>
+            <a:endParaRPr lang="en-US" altLang="zh-CN" sz="2400" dirty="0" smtClean="0">
+              <a:solidFill>
+                <a:schemeClr val="tx1">
+                  <a:lumMod val="75000"/>
+                  <a:lumOff val="25000"/>
+                </a:schemeClr>
+              </a:solidFill>
+              <a:latin typeface="微软雅黑" pitchFamily="34" charset="-122"/>
+              <a:ea typeface="微软雅黑" pitchFamily="34" charset="-122"/>
+            </a:endParaRPr>
+          </a:p>
+          <a:p>
+            <a:pPr marL="514350" indent="-514350">
+              <a:lnSpc>
+                <a:spcPct val="150000"/>
+              </a:lnSpc>
+              <a:buFont typeface="+mj-lt"/>
+              <a:buAutoNum type="romanUcPeriod"/>
+            </a:pPr>
+            <a:r>
+              <a:rPr lang="zh-CN" altLang="en-US" sz="2400" dirty="0" smtClean="0">
+                <a:solidFill>
+                  <a:schemeClr val="tx1">
+                    <a:lumMod val="75000"/>
+                    <a:lumOff val="25000"/>
+                  </a:schemeClr>
+                </a:solidFill>
+                <a:latin typeface="微软雅黑" pitchFamily="34" charset="-122"/>
+                <a:ea typeface="微软雅黑" pitchFamily="34" charset="-122"/>
+              </a:rPr>
+              <a:t>首先</a:t>
+            </a:r>
+            <a:r>
+              <a:rPr lang="zh-CN" altLang="en-US" sz="2400" b="1" dirty="0" smtClean="0">
+                <a:solidFill>
+                  <a:schemeClr val="tx1">
+                    <a:lumMod val="75000"/>
+                    <a:lumOff val="25000"/>
+                  </a:schemeClr>
+                </a:solidFill>
+                <a:latin typeface="微软雅黑" pitchFamily="34" charset="-122"/>
+                <a:ea typeface="微软雅黑" pitchFamily="34" charset="-122"/>
+              </a:rPr>
+              <a:t>拆分出子路径到数组中</a:t>
+            </a:r>
+            <a:r>
+              <a:rPr lang="zh-CN" altLang="en-US" sz="2400" dirty="0" smtClean="0">
+                <a:solidFill>
+                  <a:schemeClr val="tx1">
+                    <a:lumMod val="75000"/>
+                    <a:lumOff val="25000"/>
+                  </a:schemeClr>
+                </a:solidFill>
+                <a:latin typeface="微软雅黑" pitchFamily="34" charset="-122"/>
+                <a:ea typeface="微软雅黑" pitchFamily="34" charset="-122"/>
+              </a:rPr>
+              <a:t>（</a:t>
+            </a:r>
+            <a:r>
+              <a:rPr lang="en-US" altLang="zh-CN" sz="2400" b="1" dirty="0" err="1" smtClean="0">
+                <a:solidFill>
+                  <a:schemeClr val="tx1">
+                    <a:lumMod val="75000"/>
+                    <a:lumOff val="25000"/>
+                  </a:schemeClr>
+                </a:solidFill>
+                <a:latin typeface="微软雅黑" pitchFamily="34" charset="-122"/>
+                <a:ea typeface="微软雅黑" pitchFamily="34" charset="-122"/>
+              </a:rPr>
+              <a:t>matchPathes</a:t>
+            </a:r>
+            <a:r>
+              <a:rPr lang="zh-CN" altLang="en-US" sz="2400" dirty="0" smtClean="0">
+                <a:solidFill>
+                  <a:schemeClr val="tx1">
+                    <a:lumMod val="75000"/>
+                    <a:lumOff val="25000"/>
+                  </a:schemeClr>
+                </a:solidFill>
+                <a:latin typeface="微软雅黑" pitchFamily="34" charset="-122"/>
+                <a:ea typeface="微软雅黑" pitchFamily="34" charset="-122"/>
+              </a:rPr>
+              <a:t>函数）；</a:t>
+            </a:r>
+            <a:endParaRPr lang="en-US" altLang="zh-CN" sz="2400" dirty="0" smtClean="0">
+              <a:solidFill>
+                <a:schemeClr val="tx1">
+                  <a:lumMod val="75000"/>
+                  <a:lumOff val="25000"/>
+                </a:schemeClr>
+              </a:solidFill>
+              <a:latin typeface="微软雅黑" pitchFamily="34" charset="-122"/>
+              <a:ea typeface="微软雅黑" pitchFamily="34" charset="-122"/>
+            </a:endParaRPr>
+          </a:p>
+          <a:p>
+            <a:pPr marL="514350" indent="-514350">
+              <a:lnSpc>
+                <a:spcPct val="150000"/>
+              </a:lnSpc>
+              <a:buFont typeface="+mj-lt"/>
+              <a:buAutoNum type="romanUcPeriod"/>
+            </a:pPr>
+            <a:r>
+              <a:rPr lang="zh-CN" altLang="en-US" sz="2400" dirty="0" smtClean="0">
+                <a:solidFill>
+                  <a:schemeClr val="tx1">
+                    <a:lumMod val="75000"/>
+                    <a:lumOff val="25000"/>
+                  </a:schemeClr>
+                </a:solidFill>
+                <a:latin typeface="微软雅黑" pitchFamily="34" charset="-122"/>
+                <a:ea typeface="微软雅黑" pitchFamily="34" charset="-122"/>
+              </a:rPr>
+              <a:t>然后将每</a:t>
+            </a:r>
+            <a:r>
+              <a:rPr lang="zh-CN" altLang="en-US" sz="2400" b="1" dirty="0" smtClean="0">
+                <a:solidFill>
+                  <a:schemeClr val="tx1">
+                    <a:lumMod val="75000"/>
+                    <a:lumOff val="25000"/>
+                  </a:schemeClr>
+                </a:solidFill>
+                <a:latin typeface="微软雅黑" pitchFamily="34" charset="-122"/>
+                <a:ea typeface="微软雅黑" pitchFamily="34" charset="-122"/>
+              </a:rPr>
+              <a:t>个子路径中的绘图指令拆出到数组</a:t>
+            </a:r>
+            <a:r>
+              <a:rPr lang="zh-CN" altLang="en-US" sz="2400" dirty="0" smtClean="0">
+                <a:solidFill>
+                  <a:schemeClr val="tx1">
+                    <a:lumMod val="75000"/>
+                    <a:lumOff val="25000"/>
+                  </a:schemeClr>
+                </a:solidFill>
+                <a:latin typeface="微软雅黑" pitchFamily="34" charset="-122"/>
+                <a:ea typeface="微软雅黑" pitchFamily="34" charset="-122"/>
+              </a:rPr>
+              <a:t>（</a:t>
+            </a:r>
+            <a:r>
+              <a:rPr lang="en-US" altLang="zh-CN" sz="2400" b="1" dirty="0" err="1" smtClean="0">
+                <a:solidFill>
+                  <a:schemeClr val="tx1">
+                    <a:lumMod val="75000"/>
+                    <a:lumOff val="25000"/>
+                  </a:schemeClr>
+                </a:solidFill>
+                <a:latin typeface="微软雅黑" pitchFamily="34" charset="-122"/>
+                <a:ea typeface="微软雅黑" pitchFamily="34" charset="-122"/>
+              </a:rPr>
+              <a:t>matchPath</a:t>
+            </a:r>
+            <a:r>
+              <a:rPr lang="zh-CN" altLang="en-US" sz="2400" dirty="0">
+                <a:solidFill>
+                  <a:schemeClr val="tx1">
+                    <a:lumMod val="75000"/>
+                    <a:lumOff val="25000"/>
+                  </a:schemeClr>
+                </a:solidFill>
+                <a:latin typeface="微软雅黑" pitchFamily="34" charset="-122"/>
+                <a:ea typeface="微软雅黑" pitchFamily="34" charset="-122"/>
+              </a:rPr>
+              <a:t>函数</a:t>
+            </a:r>
+            <a:r>
+              <a:rPr lang="zh-CN" altLang="en-US" sz="2400" dirty="0" smtClean="0">
+                <a:solidFill>
+                  <a:schemeClr val="tx1">
+                    <a:lumMod val="75000"/>
+                    <a:lumOff val="25000"/>
+                  </a:schemeClr>
+                </a:solidFill>
+                <a:latin typeface="微软雅黑" pitchFamily="34" charset="-122"/>
+                <a:ea typeface="微软雅黑" pitchFamily="34" charset="-122"/>
+              </a:rPr>
+              <a:t>）</a:t>
+            </a:r>
+            <a:r>
+              <a:rPr lang="en-US" altLang="zh-CN" sz="2400" dirty="0" smtClean="0">
+                <a:solidFill>
+                  <a:schemeClr val="tx1">
+                    <a:lumMod val="75000"/>
+                    <a:lumOff val="25000"/>
+                  </a:schemeClr>
+                </a:solidFill>
+                <a:latin typeface="微软雅黑" pitchFamily="34" charset="-122"/>
+                <a:ea typeface="微软雅黑" pitchFamily="34" charset="-122"/>
+              </a:rPr>
+              <a:t>;</a:t>
+            </a:r>
+          </a:p>
+          <a:p>
+            <a:pPr marL="514350" indent="-514350">
+              <a:lnSpc>
+                <a:spcPct val="150000"/>
+              </a:lnSpc>
+              <a:buFont typeface="+mj-lt"/>
+              <a:buAutoNum type="romanUcPeriod"/>
+            </a:pPr>
+            <a:r>
+              <a:rPr lang="zh-CN" altLang="en-US" sz="2400" dirty="0" smtClean="0">
+                <a:solidFill>
+                  <a:schemeClr val="tx1">
+                    <a:lumMod val="75000"/>
+                    <a:lumOff val="25000"/>
+                  </a:schemeClr>
+                </a:solidFill>
+                <a:latin typeface="微软雅黑" pitchFamily="34" charset="-122"/>
+                <a:ea typeface="微软雅黑" pitchFamily="34" charset="-122"/>
+              </a:rPr>
+              <a:t>接着</a:t>
+            </a:r>
+            <a:r>
+              <a:rPr lang="zh-CN" altLang="en-US" sz="2400" b="1" dirty="0" smtClean="0">
+                <a:solidFill>
+                  <a:schemeClr val="tx1">
+                    <a:lumMod val="75000"/>
+                    <a:lumOff val="25000"/>
+                  </a:schemeClr>
+                </a:solidFill>
+                <a:latin typeface="微软雅黑" pitchFamily="34" charset="-122"/>
+                <a:ea typeface="微软雅黑" pitchFamily="34" charset="-122"/>
+              </a:rPr>
+              <a:t>将绘图指令中的坐标数值和字母指令拆分到数组</a:t>
+            </a:r>
+            <a:r>
+              <a:rPr lang="zh-CN" altLang="en-US" sz="2400" dirty="0" smtClean="0">
+                <a:solidFill>
+                  <a:schemeClr val="tx1">
+                    <a:lumMod val="75000"/>
+                    <a:lumOff val="25000"/>
+                  </a:schemeClr>
+                </a:solidFill>
+                <a:latin typeface="微软雅黑" pitchFamily="34" charset="-122"/>
+                <a:ea typeface="微软雅黑" pitchFamily="34" charset="-122"/>
+              </a:rPr>
+              <a:t>（</a:t>
+            </a:r>
+            <a:r>
+              <a:rPr lang="en-US" altLang="zh-CN" sz="2400" b="1" dirty="0" err="1" smtClean="0">
+                <a:solidFill>
+                  <a:schemeClr val="tx1">
+                    <a:lumMod val="75000"/>
+                    <a:lumOff val="25000"/>
+                  </a:schemeClr>
+                </a:solidFill>
+                <a:latin typeface="微软雅黑" pitchFamily="34" charset="-122"/>
+                <a:ea typeface="微软雅黑" pitchFamily="34" charset="-122"/>
+              </a:rPr>
+              <a:t>matchCommand</a:t>
+            </a:r>
+            <a:r>
+              <a:rPr lang="zh-CN" altLang="en-US" sz="2400" dirty="0" smtClean="0">
+                <a:solidFill>
+                  <a:schemeClr val="tx1">
+                    <a:lumMod val="75000"/>
+                    <a:lumOff val="25000"/>
+                  </a:schemeClr>
+                </a:solidFill>
+                <a:latin typeface="微软雅黑" pitchFamily="34" charset="-122"/>
+                <a:ea typeface="微软雅黑" pitchFamily="34" charset="-122"/>
+              </a:rPr>
+              <a:t>函数）</a:t>
+            </a:r>
+            <a:r>
+              <a:rPr lang="en-US" altLang="zh-CN" sz="2400" dirty="0" smtClean="0">
+                <a:solidFill>
+                  <a:schemeClr val="tx1">
+                    <a:lumMod val="75000"/>
+                    <a:lumOff val="25000"/>
+                  </a:schemeClr>
+                </a:solidFill>
+                <a:latin typeface="微软雅黑" pitchFamily="34" charset="-122"/>
+                <a:ea typeface="微软雅黑" pitchFamily="34" charset="-122"/>
+              </a:rPr>
+              <a:t>;</a:t>
+            </a:r>
+          </a:p>
+          <a:p>
+            <a:pPr marL="514350" indent="-514350">
+              <a:lnSpc>
+                <a:spcPct val="150000"/>
+              </a:lnSpc>
+              <a:buFont typeface="+mj-lt"/>
+              <a:buAutoNum type="romanUcPeriod"/>
+            </a:pPr>
+            <a:r>
+              <a:rPr lang="zh-CN" altLang="en-US" sz="2400" dirty="0" smtClean="0">
+                <a:solidFill>
+                  <a:schemeClr val="tx1">
+                    <a:lumMod val="75000"/>
+                    <a:lumOff val="25000"/>
+                  </a:schemeClr>
+                </a:solidFill>
+                <a:latin typeface="微软雅黑" pitchFamily="34" charset="-122"/>
+                <a:ea typeface="微软雅黑" pitchFamily="34" charset="-122"/>
+              </a:rPr>
+              <a:t>最后将</a:t>
+            </a:r>
+            <a:r>
+              <a:rPr lang="zh-CN" altLang="en-US" sz="2400" b="1" dirty="0" smtClean="0">
+                <a:solidFill>
+                  <a:schemeClr val="tx1">
+                    <a:lumMod val="75000"/>
+                    <a:lumOff val="25000"/>
+                  </a:schemeClr>
+                </a:solidFill>
+                <a:latin typeface="微软雅黑" pitchFamily="34" charset="-122"/>
+                <a:ea typeface="微软雅黑" pitchFamily="34" charset="-122"/>
+              </a:rPr>
+              <a:t>绘图指令转换成绝对坐标值的</a:t>
             </a:r>
             <a:r>
               <a:rPr lang="en-US" altLang="zh-CN" sz="2400" b="1" dirty="0" smtClean="0">
@@ -4844,7 +5677,7 @@
               <a:t>C</a:t>
             </a:r>
             <a:r>
-              <a:rPr lang="zh-CN" altLang="en-US" sz="2400" b="1" dirty="0">
+              <a:rPr lang="zh-CN" altLang="en-US" sz="2400" b="1" dirty="0" smtClean="0">
                 <a:solidFill>
                   <a:schemeClr val="tx1">
                     <a:lumMod val="75000"/>
@@ -4856,7 +5689,46 @@
               </a:rPr>
               <a:t>指令</a:t>
             </a:r>
-            <a:endParaRPr lang="en-US" altLang="zh-CN" sz="2400" b="1" dirty="0">
+            <a:r>
+              <a:rPr lang="zh-CN" altLang="en-US" sz="2400" dirty="0" smtClean="0">
+                <a:solidFill>
+                  <a:schemeClr val="tx1">
+                    <a:lumMod val="75000"/>
+                    <a:lumOff val="25000"/>
+                  </a:schemeClr>
+                </a:solidFill>
+                <a:latin typeface="微软雅黑" pitchFamily="34" charset="-122"/>
+                <a:ea typeface="微软雅黑" pitchFamily="34" charset="-122"/>
+              </a:rPr>
+              <a:t>（</a:t>
+            </a:r>
+            <a:r>
+              <a:rPr lang="en-US" altLang="zh-CN" sz="2400" b="1" dirty="0" err="1" smtClean="0">
+                <a:solidFill>
+                  <a:schemeClr val="tx1">
+                    <a:lumMod val="75000"/>
+                    <a:lumOff val="25000"/>
+                  </a:schemeClr>
+                </a:solidFill>
+                <a:latin typeface="微软雅黑" pitchFamily="34" charset="-122"/>
+                <a:ea typeface="微软雅黑" pitchFamily="34" charset="-122"/>
+              </a:rPr>
+              <a:t>toAbsCommand</a:t>
+            </a:r>
+            <a:r>
+              <a:rPr lang="zh-CN" altLang="en-US" sz="2400" dirty="0" smtClean="0">
+                <a:solidFill>
+                  <a:schemeClr val="tx1">
+                    <a:lumMod val="75000"/>
+                    <a:lumOff val="25000"/>
+                  </a:schemeClr>
+                </a:solidFill>
+                <a:latin typeface="微软雅黑" pitchFamily="34" charset="-122"/>
+                <a:ea typeface="微软雅黑" pitchFamily="34" charset="-122"/>
+              </a:rPr>
+              <a:t>函数）</a:t>
+            </a:r>
+            <a:endParaRPr lang="en-US" altLang="zh-CN" sz="2400" dirty="0">
               <a:solidFill>
                 <a:schemeClr val="tx1">
                   <a:lumMod val="75000"/>
@@ -4906,26 +5778,81 @@
           <a:chExt cx="0" cy="0"/>
         </a:xfrm>
       </p:grpSpPr>
+      <p:pic>
+        <p:nvPicPr>
+          <p:cNvPr id="2" name="图片 1" descr="屏幕剪辑"/>
+          <p:cNvPicPr>
+            <a:picLocks noChangeAspect="1"/>
+          </p:cNvPicPr>
+          <p:nvPr/>
+        </p:nvPicPr>
+        <p:blipFill>
+          <a:blip r:embed="rId2">
+            <a:extLst>
+              <a:ext uri="{28A0092B-C50C-407E-A947-70E740481C1C}">
+                <a14:useLocalDpi xmlns:a14="http://schemas.microsoft.com/office/drawing/2010/main" val="0"/>
+              </a:ext>
+            </a:extLst>
+          </a:blip>
+          <a:stretch>
+            <a:fillRect/>
+          </a:stretch>
+        </p:blipFill>
+        <p:spPr>
+          <a:xfrm>
+            <a:off x="1043608" y="260648"/>
+            <a:ext cx="6106377" cy="4086795"/>
+          </a:xfrm>
+          <a:prstGeom prst="rect">
+            <a:avLst/>
+          </a:prstGeom>
+          <a:ln>
+            <a:noFill/>
+          </a:ln>
+          <a:effectLst>
+            <a:outerShdw blurRad="292100" dist="139700" dir="2700000" algn="tl" rotWithShape="0">
+              <a:srgbClr val="333333">
+                <a:alpha val="65000"/>
+              </a:srgbClr>
+            </a:outerShdw>
+          </a:effectLst>
+        </p:spPr>
+      </p:pic>
       <p:sp>
         <p:nvSpPr>
-          <p:cNvPr id="4" name="TextBox 3"/>
-          <p:cNvSpPr txBox="1"/>
+          <p:cNvPr id="3" name="圆角矩形标注 2"/>
+          <p:cNvSpPr/>
           <p:nvPr/>
         </p:nvSpPr>
         <p:spPr>
           <a:xfrm>
-            <a:off x="684000" y="260648"/>
-            <a:ext cx="7776000" cy="581057"/>
+            <a:off x="5364088" y="741365"/>
+            <a:ext cx="2664296" cy="480716"/>
           </a:xfrm>
-          <a:prstGeom prst="rect">
-            <a:avLst/>
+          <a:prstGeom prst="wedgeRoundRectCallout">
+            <a:avLst>
+              <a:gd name="adj1" fmla="val -61218"/>
+              <a:gd name="adj2" fmla="val 20412"/>
+              <a:gd name="adj3" fmla="val 16667"/>
+            </a:avLst>
           </a:prstGeom>
-          <a:noFill/>
         </p:spPr>
+        <p:style>
+          <a:lnRef idx="2">
+            <a:schemeClr val="accent5"/>
+          </a:lnRef>
+          <a:fillRef idx="1">
+            <a:schemeClr val="lt1"/>
+          </a:fillRef>
+          <a:effectRef idx="0">
+            <a:schemeClr val="accent5"/>
+          </a:effectRef>
+          <a:fontRef idx="minor">
+            <a:schemeClr val="dk1"/>
+          </a:fontRef>
+        </p:style>
         <p:txBody>
-          <a:bodyPr wrap="square" rtlCol="0">
-            <a:spAutoFit/>
-          </a:bodyPr>
+          <a:bodyPr rtlCol="0" anchor="ctr"/>
           <a:lstStyle/>
           <a:p>
             <a:pPr>
@@ -4934,32 +5861,19 @@
               </a:lnSpc>
             </a:pPr>
             <a:r>
-              <a:rPr lang="en-US" altLang="zh-CN" sz="2400" b="1" dirty="0" smtClean="0">
-                <a:solidFill>
-                  <a:schemeClr val="tx1">
-                    <a:lumMod val="75000"/>
-                    <a:lumOff val="25000"/>
-                  </a:schemeClr>
-                </a:solidFill>
-                <a:latin typeface="微软雅黑" pitchFamily="34" charset="-122"/>
-                <a:ea typeface="微软雅黑" pitchFamily="34" charset="-122"/>
-              </a:rPr>
-              <a:t>5-c </a:t>
-            </a:r>
-            <a:r>
-              <a:rPr lang="zh-CN" altLang="en-US" sz="2400" b="1" dirty="0" smtClean="0">
-                <a:solidFill>
-                  <a:schemeClr val="tx1">
-                    <a:lumMod val="75000"/>
-                    <a:lumOff val="25000"/>
-                  </a:schemeClr>
-                </a:solidFill>
-                <a:latin typeface="微软雅黑" pitchFamily="34" charset="-122"/>
-                <a:ea typeface="微软雅黑" pitchFamily="34" charset="-122"/>
-              </a:rPr>
-              <a:t>增加路径和指令数目到最大</a:t>
-            </a:r>
-            <a:endParaRPr lang="en-US" altLang="zh-CN" sz="2400" b="1" dirty="0">
+              <a:rPr lang="zh-CN" altLang="en-US" sz="2000" dirty="0">
+                <a:solidFill>
+                  <a:schemeClr val="tx1">
+                    <a:lumMod val="75000"/>
+                    <a:lumOff val="25000"/>
+                  </a:schemeClr>
+                </a:solidFill>
+                <a:latin typeface="微软雅黑" pitchFamily="34" charset="-122"/>
+                <a:ea typeface="微软雅黑" pitchFamily="34" charset="-122"/>
+              </a:rPr>
+              <a:t>拆分出子路径到数组</a:t>
+            </a:r>
+            <a:endParaRPr lang="en-US" altLang="zh-CN" sz="2000" dirty="0">
               <a:solidFill>
                 <a:schemeClr val="tx1">
                   <a:lumMod val="75000"/>
@@ -4972,23 +5886,259 @@
           </a:p>
         </p:txBody>
       </p:sp>
+      <p:sp>
+        <p:nvSpPr>
+          <p:cNvPr id="4" name="圆角矩形标注 3"/>
+          <p:cNvSpPr/>
+          <p:nvPr/>
+        </p:nvSpPr>
+        <p:spPr>
+          <a:xfrm>
+            <a:off x="5376431" y="1222081"/>
+            <a:ext cx="2664296" cy="480716"/>
+          </a:xfrm>
+          <a:prstGeom prst="wedgeRoundRectCallout">
+            <a:avLst>
+              <a:gd name="adj1" fmla="val -39704"/>
+              <a:gd name="adj2" fmla="val 71515"/>
+              <a:gd name="adj3" fmla="val 16667"/>
+            </a:avLst>
+          </a:prstGeom>
+        </p:spPr>
+        <p:style>
+          <a:lnRef idx="2">
+            <a:schemeClr val="accent5"/>
+          </a:lnRef>
+          <a:fillRef idx="1">
+            <a:schemeClr val="lt1"/>
+          </a:fillRef>
+          <a:effectRef idx="0">
+            <a:schemeClr val="accent5"/>
+          </a:effectRef>
+          <a:fontRef idx="minor">
+            <a:schemeClr val="dk1"/>
+          </a:fontRef>
+        </p:style>
+        <p:txBody>
+          <a:bodyPr rtlCol="0" anchor="ctr"/>
+          <a:lstStyle/>
+          <a:p>
+            <a:pPr>
+              <a:lnSpc>
+                <a:spcPct val="150000"/>
+              </a:lnSpc>
+            </a:pPr>
+            <a:r>
+              <a:rPr lang="zh-CN" altLang="en-US" sz="2000" dirty="0" smtClean="0">
+                <a:solidFill>
+                  <a:schemeClr val="tx1">
+                    <a:lumMod val="75000"/>
+                    <a:lumOff val="25000"/>
+                  </a:schemeClr>
+                </a:solidFill>
+                <a:latin typeface="微软雅黑" pitchFamily="34" charset="-122"/>
+                <a:ea typeface="微软雅黑" pitchFamily="34" charset="-122"/>
+              </a:rPr>
+              <a:t>拆分绘图指令到</a:t>
+            </a:r>
+            <a:r>
+              <a:rPr lang="zh-CN" altLang="en-US" sz="2000" dirty="0">
+                <a:solidFill>
+                  <a:schemeClr val="tx1">
+                    <a:lumMod val="75000"/>
+                    <a:lumOff val="25000"/>
+                  </a:schemeClr>
+                </a:solidFill>
+                <a:latin typeface="微软雅黑" pitchFamily="34" charset="-122"/>
+                <a:ea typeface="微软雅黑" pitchFamily="34" charset="-122"/>
+              </a:rPr>
+              <a:t>数组</a:t>
+            </a:r>
+            <a:endParaRPr lang="en-US" altLang="zh-CN" sz="2000" dirty="0">
+              <a:solidFill>
+                <a:schemeClr val="tx1">
+                  <a:lumMod val="75000"/>
+                  <a:lumOff val="25000"/>
+                </a:schemeClr>
+              </a:solidFill>
+              <a:latin typeface="微软雅黑" pitchFamily="34" charset="-122"/>
+              <a:ea typeface="微软雅黑" pitchFamily="34" charset="-122"/>
+            </a:endParaRPr>
+          </a:p>
+        </p:txBody>
+      </p:sp>
+      <p:sp>
+        <p:nvSpPr>
+          <p:cNvPr id="5" name="圆角矩形标注 4"/>
+          <p:cNvSpPr/>
+          <p:nvPr/>
+        </p:nvSpPr>
+        <p:spPr>
+          <a:xfrm>
+            <a:off x="5436096" y="2063687"/>
+            <a:ext cx="2016224" cy="480716"/>
+          </a:xfrm>
+          <a:prstGeom prst="wedgeRoundRectCallout">
+            <a:avLst>
+              <a:gd name="adj1" fmla="val -39704"/>
+              <a:gd name="adj2" fmla="val 71515"/>
+              <a:gd name="adj3" fmla="val 16667"/>
+            </a:avLst>
+          </a:prstGeom>
+        </p:spPr>
+        <p:style>
+          <a:lnRef idx="2">
+            <a:schemeClr val="accent5"/>
+          </a:lnRef>
+          <a:fillRef idx="1">
+            <a:schemeClr val="lt1"/>
+          </a:fillRef>
+          <a:effectRef idx="0">
+            <a:schemeClr val="accent5"/>
+          </a:effectRef>
+          <a:fontRef idx="minor">
+            <a:schemeClr val="dk1"/>
+          </a:fontRef>
+        </p:style>
+        <p:txBody>
+          <a:bodyPr rtlCol="0" anchor="ctr"/>
+          <a:lstStyle/>
+          <a:p>
+            <a:pPr>
+              <a:lnSpc>
+                <a:spcPct val="150000"/>
+              </a:lnSpc>
+            </a:pPr>
+            <a:r>
+              <a:rPr lang="zh-CN" altLang="en-US" sz="2000" dirty="0" smtClean="0">
+                <a:solidFill>
+                  <a:schemeClr val="tx1">
+                    <a:lumMod val="75000"/>
+                    <a:lumOff val="25000"/>
+                  </a:schemeClr>
+                </a:solidFill>
+                <a:latin typeface="微软雅黑" pitchFamily="34" charset="-122"/>
+                <a:ea typeface="微软雅黑" pitchFamily="34" charset="-122"/>
+              </a:rPr>
+              <a:t>拆分每个指令</a:t>
+            </a:r>
+            <a:endParaRPr lang="en-US" altLang="zh-CN" sz="2000" dirty="0">
+              <a:solidFill>
+                <a:schemeClr val="tx1">
+                  <a:lumMod val="75000"/>
+                  <a:lumOff val="25000"/>
+                </a:schemeClr>
+              </a:solidFill>
+              <a:latin typeface="微软雅黑" pitchFamily="34" charset="-122"/>
+              <a:ea typeface="微软雅黑" pitchFamily="34" charset="-122"/>
+            </a:endParaRPr>
+          </a:p>
+        </p:txBody>
+      </p:sp>
+      <p:sp>
+        <p:nvSpPr>
+          <p:cNvPr id="6" name="圆角矩形标注 5"/>
+          <p:cNvSpPr/>
+          <p:nvPr/>
+        </p:nvSpPr>
+        <p:spPr>
+          <a:xfrm>
+            <a:off x="2339752" y="3501008"/>
+            <a:ext cx="4032449" cy="480716"/>
+          </a:xfrm>
+          <a:prstGeom prst="wedgeRoundRectCallout">
+            <a:avLst>
+              <a:gd name="adj1" fmla="val -30904"/>
+              <a:gd name="adj2" fmla="val -76115"/>
+              <a:gd name="adj3" fmla="val 16667"/>
+            </a:avLst>
+          </a:prstGeom>
+        </p:spPr>
+        <p:style>
+          <a:lnRef idx="2">
+            <a:schemeClr val="accent5"/>
+          </a:lnRef>
+          <a:fillRef idx="1">
+            <a:schemeClr val="lt1"/>
+          </a:fillRef>
+          <a:effectRef idx="0">
+            <a:schemeClr val="accent5"/>
+          </a:effectRef>
+          <a:fontRef idx="minor">
+            <a:schemeClr val="dk1"/>
+          </a:fontRef>
+        </p:style>
+        <p:txBody>
+          <a:bodyPr rtlCol="0" anchor="ctr"/>
+          <a:lstStyle/>
+          <a:p>
+            <a:pPr>
+              <a:lnSpc>
+                <a:spcPct val="150000"/>
+              </a:lnSpc>
+            </a:pPr>
+            <a:r>
+              <a:rPr lang="zh-CN" altLang="en-US" sz="2000" dirty="0" smtClean="0">
+                <a:solidFill>
+                  <a:schemeClr val="tx1">
+                    <a:lumMod val="75000"/>
+                    <a:lumOff val="25000"/>
+                  </a:schemeClr>
+                </a:solidFill>
+                <a:latin typeface="微软雅黑" pitchFamily="34" charset="-122"/>
+                <a:ea typeface="微软雅黑" pitchFamily="34" charset="-122"/>
+              </a:rPr>
+              <a:t>指令坐标转换为绝对坐标的</a:t>
+            </a:r>
+            <a:r>
+              <a:rPr lang="en-US" altLang="zh-CN" sz="2000" dirty="0" smtClean="0">
+                <a:solidFill>
+                  <a:schemeClr val="tx1">
+                    <a:lumMod val="75000"/>
+                    <a:lumOff val="25000"/>
+                  </a:schemeClr>
+                </a:solidFill>
+                <a:latin typeface="微软雅黑" pitchFamily="34" charset="-122"/>
+                <a:ea typeface="微软雅黑" pitchFamily="34" charset="-122"/>
+              </a:rPr>
+              <a:t>C</a:t>
+            </a:r>
+            <a:r>
+              <a:rPr lang="zh-CN" altLang="en-US" sz="2000" dirty="0" smtClean="0">
+                <a:solidFill>
+                  <a:schemeClr val="tx1">
+                    <a:lumMod val="75000"/>
+                    <a:lumOff val="25000"/>
+                  </a:schemeClr>
+                </a:solidFill>
+                <a:latin typeface="微软雅黑" pitchFamily="34" charset="-122"/>
+                <a:ea typeface="微软雅黑" pitchFamily="34" charset="-122"/>
+              </a:rPr>
+              <a:t>指令</a:t>
+            </a:r>
+            <a:endParaRPr lang="en-US" altLang="zh-CN" sz="2000" dirty="0">
+              <a:solidFill>
+                <a:schemeClr val="tx1">
+                  <a:lumMod val="75000"/>
+                  <a:lumOff val="25000"/>
+                </a:schemeClr>
+              </a:solidFill>
+              <a:latin typeface="微软雅黑" pitchFamily="34" charset="-122"/>
+              <a:ea typeface="微软雅黑" pitchFamily="34" charset="-122"/>
+            </a:endParaRPr>
+          </a:p>
+        </p:txBody>
+      </p:sp>
     </p:spTree>
     <p:extLst>
       <p:ext uri="{BB962C8B-B14F-4D97-AF65-F5344CB8AC3E}">
-        <p14:creationId xmlns:p14="http://schemas.microsoft.com/office/powerpoint/2010/main" val="3799328196"/>
+        <p14:creationId xmlns:p14="http://schemas.microsoft.com/office/powerpoint/2010/main" val="1471071655"/>
       </p:ext>
     </p:extLst>
   </p:cSld>
   <p:clrMapOvr>
     <a:masterClrMapping/>
   </p:clrMapOvr>
-  <p:timing>
-    <p:tnLst>
-      <p:par>
-        <p:cTn id="1" dur="indefinite" restart="never" nodeType="tmRoot"/>
-      </p:par>
-    </p:tnLst>
-  </p:timing>
 </p:sld>
 </file>
 
@@ -5009,16 +6159,218 @@
           <a:chExt cx="0" cy="0"/>
         </a:xfrm>
       </p:grpSpPr>
+      <p:pic>
+        <p:nvPicPr>
+          <p:cNvPr id="2" name="图片 1" descr="屏幕剪辑"/>
+          <p:cNvPicPr>
+            <a:picLocks noChangeAspect="1"/>
+          </p:cNvPicPr>
+          <p:nvPr/>
+        </p:nvPicPr>
+        <p:blipFill>
+          <a:blip r:embed="rId2">
+            <a:extLst>
+              <a:ext uri="{28A0092B-C50C-407E-A947-70E740481C1C}">
+                <a14:useLocalDpi xmlns:a14="http://schemas.microsoft.com/office/drawing/2010/main" val="0"/>
+              </a:ext>
+            </a:extLst>
+          </a:blip>
+          <a:stretch>
+            <a:fillRect/>
+          </a:stretch>
+        </p:blipFill>
+        <p:spPr>
+          <a:xfrm>
+            <a:off x="1187624" y="738570"/>
+            <a:ext cx="5096586" cy="2781688"/>
+          </a:xfrm>
+          <a:prstGeom prst="rect">
+            <a:avLst/>
+          </a:prstGeom>
+          <a:ln>
+            <a:noFill/>
+          </a:ln>
+          <a:effectLst>
+            <a:outerShdw blurRad="292100" dist="139700" dir="2700000" algn="tl" rotWithShape="0">
+              <a:srgbClr val="333333">
+                <a:alpha val="65000"/>
+              </a:srgbClr>
+            </a:outerShdw>
+          </a:effectLst>
+        </p:spPr>
+      </p:pic>
       <p:sp>
         <p:nvSpPr>
-          <p:cNvPr id="4" name="TextBox 3"/>
+          <p:cNvPr id="3" name="圆角矩形标注 2"/>
+          <p:cNvSpPr/>
+          <p:nvPr/>
+        </p:nvSpPr>
+        <p:spPr>
+          <a:xfrm>
+            <a:off x="3399722" y="2757547"/>
+            <a:ext cx="2684446" cy="480716"/>
+          </a:xfrm>
+          <a:prstGeom prst="wedgeRoundRectCallout">
+            <a:avLst>
+              <a:gd name="adj1" fmla="val -29551"/>
+              <a:gd name="adj2" fmla="val -76116"/>
+              <a:gd name="adj3" fmla="val 16667"/>
+            </a:avLst>
+          </a:prstGeom>
+        </p:spPr>
+        <p:style>
+          <a:lnRef idx="2">
+            <a:schemeClr val="accent5"/>
+          </a:lnRef>
+          <a:fillRef idx="1">
+            <a:schemeClr val="lt1"/>
+          </a:fillRef>
+          <a:effectRef idx="0">
+            <a:schemeClr val="accent5"/>
+          </a:effectRef>
+          <a:fontRef idx="minor">
+            <a:schemeClr val="dk1"/>
+          </a:fontRef>
+        </p:style>
+        <p:txBody>
+          <a:bodyPr rtlCol="0" anchor="ctr"/>
+          <a:lstStyle/>
+          <a:p>
+            <a:pPr>
+              <a:lnSpc>
+                <a:spcPct val="150000"/>
+              </a:lnSpc>
+            </a:pPr>
+            <a:r>
+              <a:rPr lang="zh-CN" altLang="en-US" sz="2000" dirty="0" smtClean="0">
+                <a:solidFill>
+                  <a:schemeClr val="tx1">
+                    <a:lumMod val="75000"/>
+                    <a:lumOff val="25000"/>
+                  </a:schemeClr>
+                </a:solidFill>
+                <a:latin typeface="微软雅黑" pitchFamily="34" charset="-122"/>
+                <a:ea typeface="微软雅黑" pitchFamily="34" charset="-122"/>
+              </a:rPr>
+              <a:t>记录最大的路径数目</a:t>
+            </a:r>
+            <a:endParaRPr lang="en-US" altLang="zh-CN" sz="2000" dirty="0">
+              <a:solidFill>
+                <a:schemeClr val="tx1">
+                  <a:lumMod val="75000"/>
+                  <a:lumOff val="25000"/>
+                </a:schemeClr>
+              </a:solidFill>
+              <a:latin typeface="微软雅黑" pitchFamily="34" charset="-122"/>
+              <a:ea typeface="微软雅黑" pitchFamily="34" charset="-122"/>
+            </a:endParaRPr>
+          </a:p>
+        </p:txBody>
+      </p:sp>
+      <p:sp>
+        <p:nvSpPr>
+          <p:cNvPr id="4" name="圆角矩形标注 3"/>
+          <p:cNvSpPr/>
+          <p:nvPr/>
+        </p:nvSpPr>
+        <p:spPr>
+          <a:xfrm>
+            <a:off x="4764560" y="738570"/>
+            <a:ext cx="2684446" cy="480716"/>
+          </a:xfrm>
+          <a:prstGeom prst="wedgeRoundRectCallout">
+            <a:avLst>
+              <a:gd name="adj1" fmla="val -33110"/>
+              <a:gd name="adj2" fmla="val 97066"/>
+              <a:gd name="adj3" fmla="val 16667"/>
+            </a:avLst>
+          </a:prstGeom>
+        </p:spPr>
+        <p:style>
+          <a:lnRef idx="2">
+            <a:schemeClr val="accent5"/>
+          </a:lnRef>
+          <a:fillRef idx="1">
+            <a:schemeClr val="lt1"/>
+          </a:fillRef>
+          <a:effectRef idx="0">
+            <a:schemeClr val="accent5"/>
+          </a:effectRef>
+          <a:fontRef idx="minor">
+            <a:schemeClr val="dk1"/>
+          </a:fontRef>
+        </p:style>
+        <p:txBody>
+          <a:bodyPr rtlCol="0" anchor="ctr"/>
+          <a:lstStyle/>
+          <a:p>
+            <a:pPr>
+              <a:lnSpc>
+                <a:spcPct val="150000"/>
+              </a:lnSpc>
+            </a:pPr>
+            <a:r>
+              <a:rPr lang="zh-CN" altLang="en-US" sz="2000" dirty="0" smtClean="0">
+                <a:solidFill>
+                  <a:schemeClr val="tx1">
+                    <a:lumMod val="75000"/>
+                    <a:lumOff val="25000"/>
+                  </a:schemeClr>
+                </a:solidFill>
+                <a:latin typeface="微软雅黑" pitchFamily="34" charset="-122"/>
+                <a:ea typeface="微软雅黑" pitchFamily="34" charset="-122"/>
+              </a:rPr>
+              <a:t>查找</a:t>
+            </a:r>
+            <a:r>
+              <a:rPr lang="en-US" altLang="zh-CN" sz="2000" dirty="0" smtClean="0">
+                <a:solidFill>
+                  <a:schemeClr val="tx1">
+                    <a:lumMod val="75000"/>
+                    <a:lumOff val="25000"/>
+                  </a:schemeClr>
+                </a:solidFill>
+                <a:latin typeface="微软雅黑" pitchFamily="34" charset="-122"/>
+                <a:ea typeface="微软雅黑" pitchFamily="34" charset="-122"/>
+              </a:rPr>
+              <a:t>M</a:t>
+            </a:r>
+            <a:r>
+              <a:rPr lang="zh-CN" altLang="en-US" sz="2000" dirty="0" smtClean="0">
+                <a:solidFill>
+                  <a:schemeClr val="tx1">
+                    <a:lumMod val="75000"/>
+                    <a:lumOff val="25000"/>
+                  </a:schemeClr>
+                </a:solidFill>
+                <a:latin typeface="微软雅黑" pitchFamily="34" charset="-122"/>
+                <a:ea typeface="微软雅黑" pitchFamily="34" charset="-122"/>
+              </a:rPr>
+              <a:t>开头的子路径</a:t>
+            </a:r>
+            <a:endParaRPr lang="en-US" altLang="zh-CN" sz="2000" dirty="0">
+              <a:solidFill>
+                <a:schemeClr val="tx1">
+                  <a:lumMod val="75000"/>
+                  <a:lumOff val="25000"/>
+                </a:schemeClr>
+              </a:solidFill>
+              <a:latin typeface="微软雅黑" pitchFamily="34" charset="-122"/>
+              <a:ea typeface="微软雅黑" pitchFamily="34" charset="-122"/>
+            </a:endParaRPr>
+          </a:p>
+        </p:txBody>
+      </p:sp>
+      <p:sp>
+        <p:nvSpPr>
+          <p:cNvPr id="5" name="TextBox 4"/>
           <p:cNvSpPr txBox="1"/>
           <p:nvPr/>
         </p:nvSpPr>
         <p:spPr>
           <a:xfrm>
-            <a:off x="684000" y="260648"/>
-            <a:ext cx="7776000" cy="1292662"/>
+            <a:off x="676193" y="3573016"/>
+            <a:ext cx="7776000" cy="1754326"/>
           </a:xfrm>
           <a:prstGeom prst="rect">
             <a:avLst/>
@@ -5037,20 +6389,176 @@
               </a:lnSpc>
             </a:pPr>
             <a:r>
-              <a:rPr lang="en-US" altLang="zh-CN" sz="2800" b="1" dirty="0">
-                <a:solidFill>
-                  <a:schemeClr val="tx1">
-                    <a:lumMod val="75000"/>
-                    <a:lumOff val="25000"/>
-                  </a:schemeClr>
-                </a:solidFill>
-                <a:latin typeface="微软雅黑" pitchFamily="34" charset="-122"/>
-                <a:ea typeface="微软雅黑" pitchFamily="34" charset="-122"/>
-              </a:rPr>
-              <a:t>6</a:t>
-            </a:r>
-            <a:r>
-              <a:rPr lang="en-US" altLang="zh-CN" sz="2800" b="1" dirty="0" smtClean="0">
+              <a:rPr lang="zh-CN" altLang="en-US" sz="2400" dirty="0" smtClean="0">
+                <a:solidFill>
+                  <a:schemeClr val="tx1">
+                    <a:lumMod val="75000"/>
+                    <a:lumOff val="25000"/>
+                  </a:schemeClr>
+                </a:solidFill>
+                <a:latin typeface="微软雅黑" pitchFamily="34" charset="-122"/>
+                <a:ea typeface="微软雅黑" pitchFamily="34" charset="-122"/>
+              </a:rPr>
+              <a:t>上面正则表达式的意思是，查找</a:t>
+            </a:r>
+            <a:r>
+              <a:rPr lang="en-US" altLang="zh-CN" sz="2400" dirty="0" smtClean="0">
+                <a:solidFill>
+                  <a:schemeClr val="tx1">
+                    <a:lumMod val="75000"/>
+                    <a:lumOff val="25000"/>
+                  </a:schemeClr>
+                </a:solidFill>
+                <a:latin typeface="微软雅黑" pitchFamily="34" charset="-122"/>
+                <a:ea typeface="微软雅黑" pitchFamily="34" charset="-122"/>
+              </a:rPr>
+              <a:t>M</a:t>
+            </a:r>
+            <a:r>
+              <a:rPr lang="zh-CN" altLang="en-US" sz="2400" dirty="0" smtClean="0">
+                <a:solidFill>
+                  <a:schemeClr val="tx1">
+                    <a:lumMod val="75000"/>
+                    <a:lumOff val="25000"/>
+                  </a:schemeClr>
+                </a:solidFill>
+                <a:latin typeface="微软雅黑" pitchFamily="34" charset="-122"/>
+                <a:ea typeface="微软雅黑" pitchFamily="34" charset="-122"/>
+              </a:rPr>
+              <a:t>开头，中间是非</a:t>
+            </a:r>
+            <a:r>
+              <a:rPr lang="en-US" altLang="zh-CN" sz="2400" dirty="0" smtClean="0">
+                <a:solidFill>
+                  <a:schemeClr val="tx1">
+                    <a:lumMod val="75000"/>
+                    <a:lumOff val="25000"/>
+                  </a:schemeClr>
+                </a:solidFill>
+                <a:latin typeface="微软雅黑" pitchFamily="34" charset="-122"/>
+                <a:ea typeface="微软雅黑" pitchFamily="34" charset="-122"/>
+              </a:rPr>
+              <a:t>M</a:t>
+            </a:r>
+            <a:r>
+              <a:rPr lang="zh-CN" altLang="en-US" sz="2400" dirty="0" smtClean="0">
+                <a:solidFill>
+                  <a:schemeClr val="tx1">
+                    <a:lumMod val="75000"/>
+                    <a:lumOff val="25000"/>
+                  </a:schemeClr>
+                </a:solidFill>
+                <a:latin typeface="微软雅黑" pitchFamily="34" charset="-122"/>
+                <a:ea typeface="微软雅黑" pitchFamily="34" charset="-122"/>
+              </a:rPr>
+              <a:t>的若干数字，字母，标点（*表示</a:t>
+            </a:r>
+            <a:r>
+              <a:rPr lang="en-US" altLang="zh-CN" sz="2400" dirty="0" smtClean="0">
+                <a:solidFill>
+                  <a:schemeClr val="tx1">
+                    <a:lumMod val="75000"/>
+                    <a:lumOff val="25000"/>
+                  </a:schemeClr>
+                </a:solidFill>
+                <a:latin typeface="微软雅黑" pitchFamily="34" charset="-122"/>
+                <a:ea typeface="微软雅黑" pitchFamily="34" charset="-122"/>
+              </a:rPr>
+              <a:t>0</a:t>
+            </a:r>
+            <a:r>
+              <a:rPr lang="zh-CN" altLang="en-US" sz="2400" dirty="0" smtClean="0">
+                <a:solidFill>
+                  <a:schemeClr val="tx1">
+                    <a:lumMod val="75000"/>
+                    <a:lumOff val="25000"/>
+                  </a:schemeClr>
+                </a:solidFill>
+                <a:latin typeface="微软雅黑" pitchFamily="34" charset="-122"/>
+                <a:ea typeface="微软雅黑" pitchFamily="34" charset="-122"/>
+              </a:rPr>
+              <a:t>个或多个），最后以字母</a:t>
+            </a:r>
+            <a:r>
+              <a:rPr lang="en-US" altLang="zh-CN" sz="2400" dirty="0" smtClean="0">
+                <a:solidFill>
+                  <a:schemeClr val="tx1">
+                    <a:lumMod val="75000"/>
+                    <a:lumOff val="25000"/>
+                  </a:schemeClr>
+                </a:solidFill>
+                <a:latin typeface="微软雅黑" pitchFamily="34" charset="-122"/>
+                <a:ea typeface="微软雅黑" pitchFamily="34" charset="-122"/>
+              </a:rPr>
+              <a:t>z</a:t>
+            </a:r>
+            <a:r>
+              <a:rPr lang="zh-CN" altLang="en-US" sz="2400" dirty="0" smtClean="0">
+                <a:solidFill>
+                  <a:schemeClr val="tx1">
+                    <a:lumMod val="75000"/>
+                    <a:lumOff val="25000"/>
+                  </a:schemeClr>
+                </a:solidFill>
+                <a:latin typeface="微软雅黑" pitchFamily="34" charset="-122"/>
+                <a:ea typeface="微软雅黑" pitchFamily="34" charset="-122"/>
+              </a:rPr>
+              <a:t>或</a:t>
+            </a:r>
+            <a:r>
+              <a:rPr lang="en-US" altLang="zh-CN" sz="2400" dirty="0" smtClean="0">
+                <a:solidFill>
+                  <a:schemeClr val="tx1">
+                    <a:lumMod val="75000"/>
+                    <a:lumOff val="25000"/>
+                  </a:schemeClr>
+                </a:solidFill>
+                <a:latin typeface="微软雅黑" pitchFamily="34" charset="-122"/>
+                <a:ea typeface="微软雅黑" pitchFamily="34" charset="-122"/>
+              </a:rPr>
+              <a:t>Z</a:t>
+            </a:r>
+            <a:r>
+              <a:rPr lang="zh-CN" altLang="en-US" sz="2400" dirty="0" smtClean="0">
+                <a:solidFill>
+                  <a:schemeClr val="tx1">
+                    <a:lumMod val="75000"/>
+                    <a:lumOff val="25000"/>
+                  </a:schemeClr>
+                </a:solidFill>
+                <a:latin typeface="微软雅黑" pitchFamily="34" charset="-122"/>
+                <a:ea typeface="微软雅黑" pitchFamily="34" charset="-122"/>
+              </a:rPr>
+              <a:t>结束，</a:t>
+            </a:r>
+            <a:r>
+              <a:rPr lang="en-US" altLang="zh-CN" sz="2400" dirty="0" smtClean="0">
+                <a:solidFill>
+                  <a:schemeClr val="tx1">
+                    <a:lumMod val="75000"/>
+                    <a:lumOff val="25000"/>
+                  </a:schemeClr>
+                </a:solidFill>
+                <a:latin typeface="微软雅黑" pitchFamily="34" charset="-122"/>
+                <a:ea typeface="微软雅黑" pitchFamily="34" charset="-122"/>
+              </a:rPr>
+              <a:t>g</a:t>
+            </a:r>
+            <a:r>
+              <a:rPr lang="zh-CN" altLang="en-US" sz="2400" dirty="0" smtClean="0">
+                <a:solidFill>
+                  <a:schemeClr val="tx1">
+                    <a:lumMod val="75000"/>
+                    <a:lumOff val="25000"/>
+                  </a:schemeClr>
+                </a:solidFill>
+                <a:latin typeface="微软雅黑" pitchFamily="34" charset="-122"/>
+                <a:ea typeface="微软雅黑" pitchFamily="34" charset="-122"/>
+              </a:rPr>
+              <a:t>表示全局搜索所有</a:t>
+            </a:r>
+            <a:r>
+              <a:rPr lang="en-US" altLang="zh-CN" sz="2400" dirty="0" smtClean="0">
                 <a:solidFill>
                   <a:schemeClr val="tx1">
                     <a:lumMod val="75000"/>
@@ -5062,20 +6570,65 @@
               </a:rPr>
               <a:t>.</a:t>
             </a:r>
-            <a:r>
-              <a:rPr lang="zh-CN" altLang="en-US" sz="2800" b="1" dirty="0" smtClean="0">
-                <a:solidFill>
-                  <a:schemeClr val="tx1">
-                    <a:lumMod val="75000"/>
-                    <a:lumOff val="25000"/>
-                  </a:schemeClr>
-                </a:solidFill>
-                <a:latin typeface="微软雅黑" pitchFamily="34" charset="-122"/>
-                <a:ea typeface="微软雅黑" pitchFamily="34" charset="-122"/>
-              </a:rPr>
-              <a:t> 动画控制</a:t>
-            </a:r>
-            <a:endParaRPr lang="en-US" altLang="zh-CN" sz="2800" b="1" dirty="0" smtClean="0">
+          </a:p>
+        </p:txBody>
+      </p:sp>
+      <p:sp>
+        <p:nvSpPr>
+          <p:cNvPr id="6" name="圆角矩形标注 5"/>
+          <p:cNvSpPr/>
+          <p:nvPr/>
+        </p:nvSpPr>
+        <p:spPr>
+          <a:xfrm>
+            <a:off x="1403648" y="116632"/>
+            <a:ext cx="2332269" cy="480716"/>
+          </a:xfrm>
+          <a:prstGeom prst="wedgeRoundRectCallout">
+            <a:avLst>
+              <a:gd name="adj1" fmla="val -9481"/>
+              <a:gd name="adj2" fmla="val 88549"/>
+              <a:gd name="adj3" fmla="val 16667"/>
+            </a:avLst>
+          </a:prstGeom>
+        </p:spPr>
+        <p:style>
+          <a:lnRef idx="2">
+            <a:schemeClr val="accent6"/>
+          </a:lnRef>
+          <a:fillRef idx="1">
+            <a:schemeClr val="lt1"/>
+          </a:fillRef>
+          <a:effectRef idx="0">
+            <a:schemeClr val="accent6"/>
+          </a:effectRef>
+          <a:fontRef idx="minor">
+            <a:schemeClr val="dk1"/>
+          </a:fontRef>
+        </p:style>
+        <p:txBody>
+          <a:bodyPr rtlCol="0" anchor="ctr"/>
+          <a:lstStyle/>
+          <a:p>
+            <a:pPr>
+              <a:lnSpc>
+                <a:spcPct val="150000"/>
+              </a:lnSpc>
+            </a:pPr>
+            <a:r>
+              <a:rPr lang="zh-CN" altLang="en-US" sz="2000" dirty="0" smtClean="0">
+                <a:solidFill>
+                  <a:schemeClr val="tx1">
+                    <a:lumMod val="75000"/>
+                    <a:lumOff val="25000"/>
+                  </a:schemeClr>
+                </a:solidFill>
+                <a:latin typeface="微软雅黑" pitchFamily="34" charset="-122"/>
+                <a:ea typeface="微软雅黑" pitchFamily="34" charset="-122"/>
+              </a:rPr>
+              <a:t>拆分子路径到数组</a:t>
+            </a:r>
+            <a:endParaRPr lang="en-US" altLang="zh-CN" sz="2000" dirty="0">
               <a:solidFill>
                 <a:schemeClr val="tx1">
                   <a:lumMod val="75000"/>
@@ -5086,6 +6639,124 @@
               <a:ea typeface="微软雅黑" pitchFamily="34" charset="-122"/>
             </a:endParaRPr>
           </a:p>
+        </p:txBody>
+      </p:sp>
+      <p:pic>
+        <p:nvPicPr>
+          <p:cNvPr id="8" name="图片 7" descr="屏幕剪辑"/>
+          <p:cNvPicPr>
+            <a:picLocks noChangeAspect="1"/>
+          </p:cNvPicPr>
+          <p:nvPr/>
+        </p:nvPicPr>
+        <p:blipFill>
+          <a:blip r:embed="rId3">
+            <a:extLst>
+              <a:ext uri="{28A0092B-C50C-407E-A947-70E740481C1C}">
+                <a14:useLocalDpi xmlns:a14="http://schemas.microsoft.com/office/drawing/2010/main" val="0"/>
+              </a:ext>
+            </a:extLst>
+          </a:blip>
+          <a:stretch>
+            <a:fillRect/>
+          </a:stretch>
+        </p:blipFill>
+        <p:spPr>
+          <a:xfrm>
+            <a:off x="899592" y="5327342"/>
+            <a:ext cx="4239217" cy="476316"/>
+          </a:xfrm>
+          <a:prstGeom prst="rect">
+            <a:avLst/>
+          </a:prstGeom>
+          <a:ln>
+            <a:noFill/>
+          </a:ln>
+          <a:effectLst>
+            <a:outerShdw blurRad="292100" dist="139700" dir="2700000" algn="tl" rotWithShape="0">
+              <a:srgbClr val="333333">
+                <a:alpha val="65000"/>
+              </a:srgbClr>
+            </a:outerShdw>
+          </a:effectLst>
+        </p:spPr>
+      </p:pic>
+      <p:pic>
+        <p:nvPicPr>
+          <p:cNvPr id="9" name="图片 8" descr="屏幕剪辑"/>
+          <p:cNvPicPr>
+            <a:picLocks noChangeAspect="1"/>
+          </p:cNvPicPr>
+          <p:nvPr/>
+        </p:nvPicPr>
+        <p:blipFill>
+          <a:blip r:embed="rId4">
+            <a:extLst>
+              <a:ext uri="{28A0092B-C50C-407E-A947-70E740481C1C}">
+                <a14:useLocalDpi xmlns:a14="http://schemas.microsoft.com/office/drawing/2010/main" val="0"/>
+              </a:ext>
+            </a:extLst>
+          </a:blip>
+          <a:stretch>
+            <a:fillRect/>
+          </a:stretch>
+        </p:blipFill>
+        <p:spPr>
+          <a:xfrm>
+            <a:off x="4040770" y="5563284"/>
+            <a:ext cx="4086795" cy="1038370"/>
+          </a:xfrm>
+          <a:prstGeom prst="rect">
+            <a:avLst/>
+          </a:prstGeom>
+          <a:ln>
+            <a:noFill/>
+          </a:ln>
+          <a:effectLst>
+            <a:outerShdw blurRad="292100" dist="139700" dir="2700000" algn="tl" rotWithShape="0">
+              <a:srgbClr val="333333">
+                <a:alpha val="65000"/>
+              </a:srgbClr>
+            </a:outerShdw>
+          </a:effectLst>
+        </p:spPr>
+      </p:pic>
+      <p:sp>
+        <p:nvSpPr>
+          <p:cNvPr id="10" name="圆角矩形标注 9"/>
+          <p:cNvSpPr/>
+          <p:nvPr/>
+        </p:nvSpPr>
+        <p:spPr>
+          <a:xfrm>
+            <a:off x="1187624" y="6127412"/>
+            <a:ext cx="2275434" cy="462271"/>
+          </a:xfrm>
+          <a:prstGeom prst="wedgeRoundRectCallout">
+            <a:avLst>
+              <a:gd name="adj1" fmla="val -19203"/>
+              <a:gd name="adj2" fmla="val -85872"/>
+              <a:gd name="adj3" fmla="val 16667"/>
+            </a:avLst>
+          </a:prstGeom>
+        </p:spPr>
+        <p:style>
+          <a:lnRef idx="2">
+            <a:schemeClr val="accent5"/>
+          </a:lnRef>
+          <a:fillRef idx="1">
+            <a:schemeClr val="lt1"/>
+          </a:fillRef>
+          <a:effectRef idx="0">
+            <a:schemeClr val="accent5"/>
+          </a:effectRef>
+          <a:fontRef idx="minor">
+            <a:schemeClr val="dk1"/>
+          </a:fontRef>
+        </p:style>
+        <p:txBody>
+          <a:bodyPr rtlCol="0" anchor="ctr"/>
+          <a:lstStyle/>
           <a:p>
             <a:pPr>
               <a:lnSpc>
@@ -5093,32 +6764,19 @@
               </a:lnSpc>
             </a:pPr>
             <a:r>
-              <a:rPr lang="en-US" altLang="zh-CN" sz="2400" b="1" dirty="0" smtClean="0">
-                <a:solidFill>
-                  <a:schemeClr val="tx1">
-                    <a:lumMod val="75000"/>
-                    <a:lumOff val="25000"/>
-                  </a:schemeClr>
-                </a:solidFill>
-                <a:latin typeface="微软雅黑" pitchFamily="34" charset="-122"/>
-                <a:ea typeface="微软雅黑" pitchFamily="34" charset="-122"/>
-              </a:rPr>
-              <a:t>6-a </a:t>
-            </a:r>
-            <a:r>
-              <a:rPr lang="zh-CN" altLang="en-US" sz="2400" b="1" dirty="0" smtClean="0">
-                <a:solidFill>
-                  <a:schemeClr val="tx1">
-                    <a:lumMod val="75000"/>
-                    <a:lumOff val="25000"/>
-                  </a:schemeClr>
-                </a:solidFill>
-                <a:latin typeface="微软雅黑" pitchFamily="34" charset="-122"/>
-                <a:ea typeface="微软雅黑" pitchFamily="34" charset="-122"/>
-              </a:rPr>
-              <a:t>点击启动</a:t>
-            </a:r>
-            <a:endParaRPr lang="en-US" altLang="zh-CN" sz="2400" b="1" dirty="0">
+              <a:rPr lang="zh-CN" altLang="en-US" sz="2000" dirty="0" smtClean="0">
+                <a:solidFill>
+                  <a:schemeClr val="tx1">
+                    <a:lumMod val="75000"/>
+                    <a:lumOff val="25000"/>
+                  </a:schemeClr>
+                </a:solidFill>
+                <a:latin typeface="微软雅黑" pitchFamily="34" charset="-122"/>
+                <a:ea typeface="微软雅黑" pitchFamily="34" charset="-122"/>
+              </a:rPr>
+              <a:t>所有路径字符出串</a:t>
+            </a:r>
+            <a:endParaRPr lang="en-US" altLang="zh-CN" sz="2000" dirty="0">
               <a:solidFill>
                 <a:schemeClr val="tx1">
                   <a:lumMod val="75000"/>
@@ -5131,23 +6789,84 @@
           </a:p>
         </p:txBody>
       </p:sp>
+      <p:sp>
+        <p:nvSpPr>
+          <p:cNvPr id="11" name="圆角矩形标注 10"/>
+          <p:cNvSpPr/>
+          <p:nvPr/>
+        </p:nvSpPr>
+        <p:spPr>
+          <a:xfrm>
+            <a:off x="5652120" y="5013176"/>
+            <a:ext cx="1796886" cy="462271"/>
+          </a:xfrm>
+          <a:prstGeom prst="wedgeRoundRectCallout">
+            <a:avLst>
+              <a:gd name="adj1" fmla="val -16804"/>
+              <a:gd name="adj2" fmla="val 106029"/>
+              <a:gd name="adj3" fmla="val 16667"/>
+            </a:avLst>
+          </a:prstGeom>
+        </p:spPr>
+        <p:style>
+          <a:lnRef idx="2">
+            <a:schemeClr val="accent5"/>
+          </a:lnRef>
+          <a:fillRef idx="1">
+            <a:schemeClr val="lt1"/>
+          </a:fillRef>
+          <a:effectRef idx="0">
+            <a:schemeClr val="accent5"/>
+          </a:effectRef>
+          <a:fontRef idx="minor">
+            <a:schemeClr val="dk1"/>
+          </a:fontRef>
+        </p:style>
+        <p:txBody>
+          <a:bodyPr rtlCol="0" anchor="ctr"/>
+          <a:lstStyle/>
+          <a:p>
+            <a:pPr>
+              <a:lnSpc>
+                <a:spcPct val="150000"/>
+              </a:lnSpc>
+            </a:pPr>
+            <a:r>
+              <a:rPr lang="zh-CN" altLang="en-US" sz="2000" dirty="0" smtClean="0">
+                <a:solidFill>
+                  <a:schemeClr val="tx1">
+                    <a:lumMod val="75000"/>
+                    <a:lumOff val="25000"/>
+                  </a:schemeClr>
+                </a:solidFill>
+                <a:latin typeface="微软雅黑" pitchFamily="34" charset="-122"/>
+                <a:ea typeface="微软雅黑" pitchFamily="34" charset="-122"/>
+              </a:rPr>
+              <a:t>子路径字符串</a:t>
+            </a:r>
+            <a:endParaRPr lang="en-US" altLang="zh-CN" sz="2000" dirty="0">
+              <a:solidFill>
+                <a:schemeClr val="tx1">
+                  <a:lumMod val="75000"/>
+                  <a:lumOff val="25000"/>
+                </a:schemeClr>
+              </a:solidFill>
+              <a:latin typeface="微软雅黑" pitchFamily="34" charset="-122"/>
+              <a:ea typeface="微软雅黑" pitchFamily="34" charset="-122"/>
+            </a:endParaRPr>
+          </a:p>
+        </p:txBody>
+      </p:sp>
     </p:spTree>
     <p:extLst>
       <p:ext uri="{BB962C8B-B14F-4D97-AF65-F5344CB8AC3E}">
-        <p14:creationId xmlns:p14="http://schemas.microsoft.com/office/powerpoint/2010/main" val="3915268423"/>
+        <p14:creationId xmlns:p14="http://schemas.microsoft.com/office/powerpoint/2010/main" val="3961580157"/>
       </p:ext>
     </p:extLst>
   </p:cSld>
   <p:clrMapOvr>
     <a:masterClrMapping/>
   </p:clrMapOvr>
-  <p:timing>
-    <p:tnLst>
-      <p:par>
-        <p:cTn id="1" dur="indefinite" restart="never" nodeType="tmRoot"/>
-      </p:par>
-    </p:tnLst>
-  </p:timing>
 </p:sld>
 </file>
 
@@ -5168,26 +6887,81 @@
           <a:chExt cx="0" cy="0"/>
         </a:xfrm>
       </p:grpSpPr>
+      <p:pic>
+        <p:nvPicPr>
+          <p:cNvPr id="2" name="图片 1" descr="屏幕剪辑"/>
+          <p:cNvPicPr>
+            <a:picLocks noChangeAspect="1"/>
+          </p:cNvPicPr>
+          <p:nvPr/>
+        </p:nvPicPr>
+        <p:blipFill>
+          <a:blip r:embed="rId2">
+            <a:extLst>
+              <a:ext uri="{28A0092B-C50C-407E-A947-70E740481C1C}">
+                <a14:useLocalDpi xmlns:a14="http://schemas.microsoft.com/office/drawing/2010/main" val="0"/>
+              </a:ext>
+            </a:extLst>
+          </a:blip>
+          <a:stretch>
+            <a:fillRect/>
+          </a:stretch>
+        </p:blipFill>
+        <p:spPr>
+          <a:xfrm>
+            <a:off x="1043608" y="764704"/>
+            <a:ext cx="5420481" cy="2429214"/>
+          </a:xfrm>
+          <a:prstGeom prst="rect">
+            <a:avLst/>
+          </a:prstGeom>
+          <a:ln>
+            <a:noFill/>
+          </a:ln>
+          <a:effectLst>
+            <a:outerShdw blurRad="292100" dist="139700" dir="2700000" algn="tl" rotWithShape="0">
+              <a:srgbClr val="333333">
+                <a:alpha val="65000"/>
+              </a:srgbClr>
+            </a:outerShdw>
+          </a:effectLst>
+        </p:spPr>
+      </p:pic>
       <p:sp>
         <p:nvSpPr>
-          <p:cNvPr id="4" name="TextBox 3"/>
-          <p:cNvSpPr txBox="1"/>
+          <p:cNvPr id="3" name="圆角矩形标注 2"/>
+          <p:cNvSpPr/>
           <p:nvPr/>
         </p:nvSpPr>
         <p:spPr>
           <a:xfrm>
-            <a:off x="684000" y="260648"/>
-            <a:ext cx="7776000" cy="581057"/>
+            <a:off x="3399722" y="2757547"/>
+            <a:ext cx="2684446" cy="480716"/>
           </a:xfrm>
-          <a:prstGeom prst="rect">
-            <a:avLst/>
+          <a:prstGeom prst="wedgeRoundRectCallout">
+            <a:avLst>
+              <a:gd name="adj1" fmla="val -29551"/>
+              <a:gd name="adj2" fmla="val -76116"/>
+              <a:gd name="adj3" fmla="val 16667"/>
+            </a:avLst>
           </a:prstGeom>
-          <a:noFill/>
         </p:spPr>
+        <p:style>
+          <a:lnRef idx="2">
+            <a:schemeClr val="accent5"/>
+          </a:lnRef>
+          <a:fillRef idx="1">
+            <a:schemeClr val="lt1"/>
+          </a:fillRef>
+          <a:effectRef idx="0">
+            <a:schemeClr val="accent5"/>
+          </a:effectRef>
+          <a:fontRef idx="minor">
+            <a:schemeClr val="dk1"/>
+          </a:fontRef>
+        </p:style>
         <p:txBody>
-          <a:bodyPr wrap="square" rtlCol="0">
-            <a:spAutoFit/>
-          </a:bodyPr>
+          <a:bodyPr rtlCol="0" anchor="ctr"/>
           <a:lstStyle/>
           <a:p>
             <a:pPr>
@@ -5196,32 +6970,19 @@
               </a:lnSpc>
             </a:pPr>
             <a:r>
-              <a:rPr lang="en-US" altLang="zh-CN" sz="2400" b="1" dirty="0" smtClean="0">
-                <a:solidFill>
-                  <a:schemeClr val="tx1">
-                    <a:lumMod val="75000"/>
-                    <a:lumOff val="25000"/>
-                  </a:schemeClr>
-                </a:solidFill>
-                <a:latin typeface="微软雅黑" pitchFamily="34" charset="-122"/>
-                <a:ea typeface="微软雅黑" pitchFamily="34" charset="-122"/>
-              </a:rPr>
-              <a:t>6-b </a:t>
-            </a:r>
-            <a:r>
-              <a:rPr lang="zh-CN" altLang="en-US" sz="2400" b="1" dirty="0" smtClean="0">
-                <a:solidFill>
-                  <a:schemeClr val="tx1">
-                    <a:lumMod val="75000"/>
-                    <a:lumOff val="25000"/>
-                  </a:schemeClr>
-                </a:solidFill>
-                <a:latin typeface="微软雅黑" pitchFamily="34" charset="-122"/>
-                <a:ea typeface="微软雅黑" pitchFamily="34" charset="-122"/>
-              </a:rPr>
-              <a:t>循环变换</a:t>
-            </a:r>
-            <a:endParaRPr lang="en-US" altLang="zh-CN" sz="2400" b="1" dirty="0">
+              <a:rPr lang="zh-CN" altLang="en-US" sz="2000" dirty="0" smtClean="0">
+                <a:solidFill>
+                  <a:schemeClr val="tx1">
+                    <a:lumMod val="75000"/>
+                    <a:lumOff val="25000"/>
+                  </a:schemeClr>
+                </a:solidFill>
+                <a:latin typeface="微软雅黑" pitchFamily="34" charset="-122"/>
+                <a:ea typeface="微软雅黑" pitchFamily="34" charset="-122"/>
+              </a:rPr>
+              <a:t>记录最大的指令数目</a:t>
+            </a:r>
+            <a:endParaRPr lang="en-US" altLang="zh-CN" sz="2000" dirty="0">
               <a:solidFill>
                 <a:schemeClr val="tx1">
                   <a:lumMod val="75000"/>
@@ -5234,23 +6995,433 @@
           </a:p>
         </p:txBody>
       </p:sp>
+      <p:sp>
+        <p:nvSpPr>
+          <p:cNvPr id="4" name="圆角矩形标注 3"/>
+          <p:cNvSpPr/>
+          <p:nvPr/>
+        </p:nvSpPr>
+        <p:spPr>
+          <a:xfrm>
+            <a:off x="4499992" y="356990"/>
+            <a:ext cx="3191816" cy="911770"/>
+          </a:xfrm>
+          <a:prstGeom prst="wedgeRoundRectCallout">
+            <a:avLst>
+              <a:gd name="adj1" fmla="val -32255"/>
+              <a:gd name="adj2" fmla="val 78073"/>
+              <a:gd name="adj3" fmla="val 16667"/>
+            </a:avLst>
+          </a:prstGeom>
+        </p:spPr>
+        <p:style>
+          <a:lnRef idx="2">
+            <a:schemeClr val="accent5"/>
+          </a:lnRef>
+          <a:fillRef idx="1">
+            <a:schemeClr val="lt1"/>
+          </a:fillRef>
+          <a:effectRef idx="0">
+            <a:schemeClr val="accent5"/>
+          </a:effectRef>
+          <a:fontRef idx="minor">
+            <a:schemeClr val="dk1"/>
+          </a:fontRef>
+        </p:style>
+        <p:txBody>
+          <a:bodyPr rtlCol="0" anchor="ctr"/>
+          <a:lstStyle/>
+          <a:p>
+            <a:pPr>
+              <a:lnSpc>
+                <a:spcPct val="150000"/>
+              </a:lnSpc>
+            </a:pPr>
+            <a:r>
+              <a:rPr lang="zh-CN" altLang="en-US" sz="2000" dirty="0" smtClean="0">
+                <a:solidFill>
+                  <a:schemeClr val="tx1">
+                    <a:lumMod val="75000"/>
+                    <a:lumOff val="25000"/>
+                  </a:schemeClr>
+                </a:solidFill>
+                <a:latin typeface="微软雅黑" pitchFamily="34" charset="-122"/>
+                <a:ea typeface="微软雅黑" pitchFamily="34" charset="-122"/>
+              </a:rPr>
+              <a:t>查找字母开头，多个非字母</a:t>
+            </a:r>
+            <a:r>
+              <a:rPr lang="en-US" altLang="zh-CN" sz="2000" dirty="0" smtClean="0">
+                <a:solidFill>
+                  <a:schemeClr val="tx1">
+                    <a:lumMod val="75000"/>
+                    <a:lumOff val="25000"/>
+                  </a:schemeClr>
+                </a:solidFill>
+                <a:latin typeface="微软雅黑" pitchFamily="34" charset="-122"/>
+                <a:ea typeface="微软雅黑" pitchFamily="34" charset="-122"/>
+              </a:rPr>
+              <a:t>(</a:t>
+            </a:r>
+            <a:r>
+              <a:rPr lang="zh-CN" altLang="en-US" sz="2000" dirty="0" smtClean="0">
+                <a:solidFill>
+                  <a:schemeClr val="tx1">
+                    <a:lumMod val="75000"/>
+                    <a:lumOff val="25000"/>
+                  </a:schemeClr>
+                </a:solidFill>
+                <a:latin typeface="微软雅黑" pitchFamily="34" charset="-122"/>
+                <a:ea typeface="微软雅黑" pitchFamily="34" charset="-122"/>
+              </a:rPr>
+              <a:t>数字标点</a:t>
+            </a:r>
+            <a:r>
+              <a:rPr lang="en-US" altLang="zh-CN" sz="2000" dirty="0" smtClean="0">
+                <a:solidFill>
+                  <a:schemeClr val="tx1">
+                    <a:lumMod val="75000"/>
+                    <a:lumOff val="25000"/>
+                  </a:schemeClr>
+                </a:solidFill>
+                <a:latin typeface="微软雅黑" pitchFamily="34" charset="-122"/>
+                <a:ea typeface="微软雅黑" pitchFamily="34" charset="-122"/>
+              </a:rPr>
+              <a:t>)</a:t>
+            </a:r>
+            <a:r>
+              <a:rPr lang="zh-CN" altLang="en-US" sz="2000" dirty="0" smtClean="0">
+                <a:solidFill>
+                  <a:schemeClr val="tx1">
+                    <a:lumMod val="75000"/>
+                    <a:lumOff val="25000"/>
+                  </a:schemeClr>
+                </a:solidFill>
+                <a:latin typeface="微软雅黑" pitchFamily="34" charset="-122"/>
+                <a:ea typeface="微软雅黑" pitchFamily="34" charset="-122"/>
+              </a:rPr>
+              <a:t>组成的指令</a:t>
+            </a:r>
+            <a:endParaRPr lang="en-US" altLang="zh-CN" sz="2000" dirty="0">
+              <a:solidFill>
+                <a:schemeClr val="tx1">
+                  <a:lumMod val="75000"/>
+                  <a:lumOff val="25000"/>
+                </a:schemeClr>
+              </a:solidFill>
+              <a:latin typeface="微软雅黑" pitchFamily="34" charset="-122"/>
+              <a:ea typeface="微软雅黑" pitchFamily="34" charset="-122"/>
+            </a:endParaRPr>
+          </a:p>
+        </p:txBody>
+      </p:sp>
+      <p:sp>
+        <p:nvSpPr>
+          <p:cNvPr id="5" name="圆角矩形标注 4"/>
+          <p:cNvSpPr/>
+          <p:nvPr/>
+        </p:nvSpPr>
+        <p:spPr>
+          <a:xfrm>
+            <a:off x="1403648" y="116632"/>
+            <a:ext cx="2664296" cy="480716"/>
+          </a:xfrm>
+          <a:prstGeom prst="wedgeRoundRectCallout">
+            <a:avLst>
+              <a:gd name="adj1" fmla="val -9481"/>
+              <a:gd name="adj2" fmla="val 88549"/>
+              <a:gd name="adj3" fmla="val 16667"/>
+            </a:avLst>
+          </a:prstGeom>
+        </p:spPr>
+        <p:style>
+          <a:lnRef idx="2">
+            <a:schemeClr val="accent6"/>
+          </a:lnRef>
+          <a:fillRef idx="1">
+            <a:schemeClr val="lt1"/>
+          </a:fillRef>
+          <a:effectRef idx="0">
+            <a:schemeClr val="accent6"/>
+          </a:effectRef>
+          <a:fontRef idx="minor">
+            <a:schemeClr val="dk1"/>
+          </a:fontRef>
+        </p:style>
+        <p:txBody>
+          <a:bodyPr rtlCol="0" anchor="ctr"/>
+          <a:lstStyle/>
+          <a:p>
+            <a:pPr>
+              <a:lnSpc>
+                <a:spcPct val="150000"/>
+              </a:lnSpc>
+            </a:pPr>
+            <a:r>
+              <a:rPr lang="zh-CN" altLang="en-US" sz="2000" dirty="0" smtClean="0">
+                <a:solidFill>
+                  <a:schemeClr val="tx1">
+                    <a:lumMod val="75000"/>
+                    <a:lumOff val="25000"/>
+                  </a:schemeClr>
+                </a:solidFill>
+                <a:latin typeface="微软雅黑" pitchFamily="34" charset="-122"/>
+                <a:ea typeface="微软雅黑" pitchFamily="34" charset="-122"/>
+              </a:rPr>
+              <a:t>拆分子路径中的指令</a:t>
+            </a:r>
+            <a:endParaRPr lang="en-US" altLang="zh-CN" sz="2000" dirty="0">
+              <a:solidFill>
+                <a:schemeClr val="tx1">
+                  <a:lumMod val="75000"/>
+                  <a:lumOff val="25000"/>
+                </a:schemeClr>
+              </a:solidFill>
+              <a:latin typeface="微软雅黑" pitchFamily="34" charset="-122"/>
+              <a:ea typeface="微软雅黑" pitchFamily="34" charset="-122"/>
+            </a:endParaRPr>
+          </a:p>
+        </p:txBody>
+      </p:sp>
+      <p:pic>
+        <p:nvPicPr>
+          <p:cNvPr id="6" name="图片 5" descr="屏幕剪辑"/>
+          <p:cNvPicPr>
+            <a:picLocks noChangeAspect="1"/>
+          </p:cNvPicPr>
+          <p:nvPr/>
+        </p:nvPicPr>
+        <p:blipFill>
+          <a:blip r:embed="rId3">
+            <a:extLst>
+              <a:ext uri="{28A0092B-C50C-407E-A947-70E740481C1C}">
+                <a14:useLocalDpi xmlns:a14="http://schemas.microsoft.com/office/drawing/2010/main" val="0"/>
+              </a:ext>
+            </a:extLst>
+          </a:blip>
+          <a:stretch>
+            <a:fillRect/>
+          </a:stretch>
+        </p:blipFill>
+        <p:spPr>
+          <a:xfrm>
+            <a:off x="1211738" y="4630713"/>
+            <a:ext cx="4163006" cy="323895"/>
+          </a:xfrm>
+          <a:prstGeom prst="rect">
+            <a:avLst/>
+          </a:prstGeom>
+          <a:ln>
+            <a:noFill/>
+          </a:ln>
+          <a:effectLst>
+            <a:outerShdw blurRad="292100" dist="139700" dir="2700000" algn="tl" rotWithShape="0">
+              <a:srgbClr val="333333">
+                <a:alpha val="65000"/>
+              </a:srgbClr>
+            </a:outerShdw>
+          </a:effectLst>
+        </p:spPr>
+      </p:pic>
+      <p:pic>
+        <p:nvPicPr>
+          <p:cNvPr id="7" name="图片 6" descr="屏幕剪辑"/>
+          <p:cNvPicPr>
+            <a:picLocks noChangeAspect="1"/>
+          </p:cNvPicPr>
+          <p:nvPr/>
+        </p:nvPicPr>
+        <p:blipFill>
+          <a:blip r:embed="rId4">
+            <a:extLst>
+              <a:ext uri="{28A0092B-C50C-407E-A947-70E740481C1C}">
+                <a14:useLocalDpi xmlns:a14="http://schemas.microsoft.com/office/drawing/2010/main" val="0"/>
+              </a:ext>
+            </a:extLst>
+          </a:blip>
+          <a:stretch>
+            <a:fillRect/>
+          </a:stretch>
+        </p:blipFill>
+        <p:spPr>
+          <a:xfrm>
+            <a:off x="5724128" y="3768895"/>
+            <a:ext cx="2143424" cy="2781688"/>
+          </a:xfrm>
+          <a:prstGeom prst="rect">
+            <a:avLst/>
+          </a:prstGeom>
+          <a:ln>
+            <a:noFill/>
+          </a:ln>
+          <a:effectLst>
+            <a:outerShdw blurRad="292100" dist="139700" dir="2700000" algn="tl" rotWithShape="0">
+              <a:srgbClr val="333333">
+                <a:alpha val="65000"/>
+              </a:srgbClr>
+            </a:outerShdw>
+          </a:effectLst>
+        </p:spPr>
+      </p:pic>
+      <p:sp>
+        <p:nvSpPr>
+          <p:cNvPr id="8" name="圆角矩形标注 7"/>
+          <p:cNvSpPr/>
+          <p:nvPr/>
+        </p:nvSpPr>
+        <p:spPr>
+          <a:xfrm>
+            <a:off x="1297167" y="3769293"/>
+            <a:ext cx="1996074" cy="480716"/>
+          </a:xfrm>
+          <a:prstGeom prst="wedgeRoundRectCallout">
+            <a:avLst>
+              <a:gd name="adj1" fmla="val -26501"/>
+              <a:gd name="adj2" fmla="val 82871"/>
+              <a:gd name="adj3" fmla="val 16667"/>
+            </a:avLst>
+          </a:prstGeom>
+        </p:spPr>
+        <p:style>
+          <a:lnRef idx="2">
+            <a:schemeClr val="accent5"/>
+          </a:lnRef>
+          <a:fillRef idx="1">
+            <a:schemeClr val="lt1"/>
+          </a:fillRef>
+          <a:effectRef idx="0">
+            <a:schemeClr val="accent5"/>
+          </a:effectRef>
+          <a:fontRef idx="minor">
+            <a:schemeClr val="dk1"/>
+          </a:fontRef>
+        </p:style>
+        <p:txBody>
+          <a:bodyPr rtlCol="0" anchor="ctr"/>
+          <a:lstStyle/>
+          <a:p>
+            <a:pPr>
+              <a:lnSpc>
+                <a:spcPct val="150000"/>
+              </a:lnSpc>
+            </a:pPr>
+            <a:r>
+              <a:rPr lang="zh-CN" altLang="en-US" sz="2000" dirty="0" smtClean="0">
+                <a:solidFill>
+                  <a:schemeClr val="tx1">
+                    <a:lumMod val="75000"/>
+                    <a:lumOff val="25000"/>
+                  </a:schemeClr>
+                </a:solidFill>
+                <a:latin typeface="微软雅黑" pitchFamily="34" charset="-122"/>
+                <a:ea typeface="微软雅黑" pitchFamily="34" charset="-122"/>
+              </a:rPr>
+              <a:t>子路径字符串</a:t>
+            </a:r>
+            <a:endParaRPr lang="en-US" altLang="zh-CN" sz="2000" dirty="0">
+              <a:solidFill>
+                <a:schemeClr val="tx1">
+                  <a:lumMod val="75000"/>
+                  <a:lumOff val="25000"/>
+                </a:schemeClr>
+              </a:solidFill>
+              <a:latin typeface="微软雅黑" pitchFamily="34" charset="-122"/>
+              <a:ea typeface="微软雅黑" pitchFamily="34" charset="-122"/>
+            </a:endParaRPr>
+          </a:p>
+        </p:txBody>
+      </p:sp>
+      <p:sp>
+        <p:nvSpPr>
+          <p:cNvPr id="9" name="圆角矩形标注 8"/>
+          <p:cNvSpPr/>
+          <p:nvPr/>
+        </p:nvSpPr>
+        <p:spPr>
+          <a:xfrm>
+            <a:off x="4228466" y="5368385"/>
+            <a:ext cx="1420010" cy="890977"/>
+          </a:xfrm>
+          <a:prstGeom prst="wedgeRoundRectCallout">
+            <a:avLst>
+              <a:gd name="adj1" fmla="val 54863"/>
+              <a:gd name="adj2" fmla="val -19335"/>
+              <a:gd name="adj3" fmla="val 16667"/>
+            </a:avLst>
+          </a:prstGeom>
+        </p:spPr>
+        <p:style>
+          <a:lnRef idx="2">
+            <a:schemeClr val="accent5"/>
+          </a:lnRef>
+          <a:fillRef idx="1">
+            <a:schemeClr val="lt1"/>
+          </a:fillRef>
+          <a:effectRef idx="0">
+            <a:schemeClr val="accent5"/>
+          </a:effectRef>
+          <a:fontRef idx="minor">
+            <a:schemeClr val="dk1"/>
+          </a:fontRef>
+        </p:style>
+        <p:txBody>
+          <a:bodyPr rtlCol="0" anchor="ctr"/>
+          <a:lstStyle/>
+          <a:p>
+            <a:pPr>
+              <a:lnSpc>
+                <a:spcPct val="150000"/>
+              </a:lnSpc>
+            </a:pPr>
+            <a:r>
+              <a:rPr lang="zh-CN" altLang="en-US" sz="2000" dirty="0">
+                <a:solidFill>
+                  <a:schemeClr val="tx1">
+                    <a:lumMod val="75000"/>
+                    <a:lumOff val="25000"/>
+                  </a:schemeClr>
+                </a:solidFill>
+                <a:latin typeface="微软雅黑" pitchFamily="34" charset="-122"/>
+                <a:ea typeface="微软雅黑" pitchFamily="34" charset="-122"/>
+              </a:rPr>
+              <a:t>拆分</a:t>
+            </a:r>
+            <a:r>
+              <a:rPr lang="zh-CN" altLang="en-US" sz="2000" dirty="0" smtClean="0">
+                <a:solidFill>
+                  <a:schemeClr val="tx1">
+                    <a:lumMod val="75000"/>
+                    <a:lumOff val="25000"/>
+                  </a:schemeClr>
+                </a:solidFill>
+                <a:latin typeface="微软雅黑" pitchFamily="34" charset="-122"/>
+                <a:ea typeface="微软雅黑" pitchFamily="34" charset="-122"/>
+              </a:rPr>
+              <a:t>成指令数组</a:t>
+            </a:r>
+            <a:endParaRPr lang="en-US" altLang="zh-CN" sz="2000" dirty="0">
+              <a:solidFill>
+                <a:schemeClr val="tx1">
+                  <a:lumMod val="75000"/>
+                  <a:lumOff val="25000"/>
+                </a:schemeClr>
+              </a:solidFill>
+              <a:latin typeface="微软雅黑" pitchFamily="34" charset="-122"/>
+              <a:ea typeface="微软雅黑" pitchFamily="34" charset="-122"/>
+            </a:endParaRPr>
+          </a:p>
+        </p:txBody>
+      </p:sp>
     </p:spTree>
     <p:extLst>
       <p:ext uri="{BB962C8B-B14F-4D97-AF65-F5344CB8AC3E}">
-        <p14:creationId xmlns:p14="http://schemas.microsoft.com/office/powerpoint/2010/main" val="1982442164"/>
+        <p14:creationId xmlns:p14="http://schemas.microsoft.com/office/powerpoint/2010/main" val="2069653049"/>
       </p:ext>
     </p:extLst>
   </p:cSld>
   <p:clrMapOvr>
     <a:masterClrMapping/>
   </p:clrMapOvr>
-  <p:timing>
-    <p:tnLst>
-      <p:par>
-        <p:cTn id="1" dur="indefinite" restart="never" nodeType="tmRoot"/>
-      </p:par>
-    </p:tnLst>
-  </p:timing>
 </p:sld>
 </file>
 
@@ -5271,10 +7442,463 @@
           <a:chExt cx="0" cy="0"/>
         </a:xfrm>
       </p:grpSpPr>
+      <p:pic>
+        <p:nvPicPr>
+          <p:cNvPr id="2" name="图片 1" descr="屏幕剪辑"/>
+          <p:cNvPicPr>
+            <a:picLocks noChangeAspect="1"/>
+          </p:cNvPicPr>
+          <p:nvPr/>
+        </p:nvPicPr>
+        <p:blipFill>
+          <a:blip r:embed="rId2">
+            <a:extLst>
+              <a:ext uri="{28A0092B-C50C-407E-A947-70E740481C1C}">
+                <a14:useLocalDpi xmlns:a14="http://schemas.microsoft.com/office/drawing/2010/main" val="0"/>
+              </a:ext>
+            </a:extLst>
+          </a:blip>
+          <a:stretch>
+            <a:fillRect/>
+          </a:stretch>
+        </p:blipFill>
+        <p:spPr>
+          <a:xfrm>
+            <a:off x="899592" y="675333"/>
+            <a:ext cx="6897063" cy="3905795"/>
+          </a:xfrm>
+          <a:prstGeom prst="rect">
+            <a:avLst/>
+          </a:prstGeom>
+          <a:ln>
+            <a:noFill/>
+          </a:ln>
+          <a:effectLst>
+            <a:outerShdw blurRad="292100" dist="139700" dir="2700000" algn="tl" rotWithShape="0">
+              <a:srgbClr val="333333">
+                <a:alpha val="65000"/>
+              </a:srgbClr>
+            </a:outerShdw>
+          </a:effectLst>
+        </p:spPr>
+      </p:pic>
+      <p:sp>
+        <p:nvSpPr>
+          <p:cNvPr id="3" name="圆角矩形标注 2"/>
+          <p:cNvSpPr/>
+          <p:nvPr/>
+        </p:nvSpPr>
+        <p:spPr>
+          <a:xfrm>
+            <a:off x="5148063" y="799141"/>
+            <a:ext cx="3024337" cy="480716"/>
+          </a:xfrm>
+          <a:prstGeom prst="wedgeRoundRectCallout">
+            <a:avLst>
+              <a:gd name="adj1" fmla="val -26501"/>
+              <a:gd name="adj2" fmla="val 82871"/>
+              <a:gd name="adj3" fmla="val 16667"/>
+            </a:avLst>
+          </a:prstGeom>
+        </p:spPr>
+        <p:style>
+          <a:lnRef idx="2">
+            <a:schemeClr val="accent5"/>
+          </a:lnRef>
+          <a:fillRef idx="1">
+            <a:schemeClr val="lt1"/>
+          </a:fillRef>
+          <a:effectRef idx="0">
+            <a:schemeClr val="accent5"/>
+          </a:effectRef>
+          <a:fontRef idx="minor">
+            <a:schemeClr val="dk1"/>
+          </a:fontRef>
+        </p:style>
+        <p:txBody>
+          <a:bodyPr rtlCol="0" anchor="ctr"/>
+          <a:lstStyle/>
+          <a:p>
+            <a:pPr>
+              <a:lnSpc>
+                <a:spcPct val="150000"/>
+              </a:lnSpc>
+            </a:pPr>
+            <a:r>
+              <a:rPr lang="zh-CN" altLang="en-US" sz="2000" dirty="0" smtClean="0">
+                <a:solidFill>
+                  <a:schemeClr val="tx1">
+                    <a:lumMod val="75000"/>
+                    <a:lumOff val="25000"/>
+                  </a:schemeClr>
+                </a:solidFill>
+                <a:latin typeface="微软雅黑" pitchFamily="34" charset="-122"/>
+                <a:ea typeface="微软雅黑" pitchFamily="34" charset="-122"/>
+              </a:rPr>
+              <a:t>拆分指令中的字母，数值</a:t>
+            </a:r>
+            <a:endParaRPr lang="en-US" altLang="zh-CN" sz="2000" dirty="0">
+              <a:solidFill>
+                <a:schemeClr val="tx1">
+                  <a:lumMod val="75000"/>
+                  <a:lumOff val="25000"/>
+                </a:schemeClr>
+              </a:solidFill>
+              <a:latin typeface="微软雅黑" pitchFamily="34" charset="-122"/>
+              <a:ea typeface="微软雅黑" pitchFamily="34" charset="-122"/>
+            </a:endParaRPr>
+          </a:p>
+        </p:txBody>
+      </p:sp>
+      <p:sp>
+        <p:nvSpPr>
+          <p:cNvPr id="4" name="圆角矩形标注 3"/>
+          <p:cNvSpPr/>
+          <p:nvPr/>
+        </p:nvSpPr>
+        <p:spPr>
+          <a:xfrm>
+            <a:off x="1403648" y="116632"/>
+            <a:ext cx="3168352" cy="480716"/>
+          </a:xfrm>
+          <a:prstGeom prst="wedgeRoundRectCallout">
+            <a:avLst>
+              <a:gd name="adj1" fmla="val -9481"/>
+              <a:gd name="adj2" fmla="val 88549"/>
+              <a:gd name="adj3" fmla="val 16667"/>
+            </a:avLst>
+          </a:prstGeom>
+        </p:spPr>
+        <p:style>
+          <a:lnRef idx="2">
+            <a:schemeClr val="accent6"/>
+          </a:lnRef>
+          <a:fillRef idx="1">
+            <a:schemeClr val="lt1"/>
+          </a:fillRef>
+          <a:effectRef idx="0">
+            <a:schemeClr val="accent6"/>
+          </a:effectRef>
+          <a:fontRef idx="minor">
+            <a:schemeClr val="dk1"/>
+          </a:fontRef>
+        </p:style>
+        <p:txBody>
+          <a:bodyPr rtlCol="0" anchor="ctr"/>
+          <a:lstStyle/>
+          <a:p>
+            <a:pPr>
+              <a:lnSpc>
+                <a:spcPct val="150000"/>
+              </a:lnSpc>
+            </a:pPr>
+            <a:r>
+              <a:rPr lang="zh-CN" altLang="en-US" sz="2000" dirty="0" smtClean="0">
+                <a:solidFill>
+                  <a:schemeClr val="tx1">
+                    <a:lumMod val="75000"/>
+                    <a:lumOff val="25000"/>
+                  </a:schemeClr>
+                </a:solidFill>
+                <a:latin typeface="微软雅黑" pitchFamily="34" charset="-122"/>
+                <a:ea typeface="微软雅黑" pitchFamily="34" charset="-122"/>
+              </a:rPr>
+              <a:t>拆分指令中的字母和数值</a:t>
+            </a:r>
+            <a:endParaRPr lang="en-US" altLang="zh-CN" sz="2000" dirty="0">
+              <a:solidFill>
+                <a:schemeClr val="tx1">
+                  <a:lumMod val="75000"/>
+                  <a:lumOff val="25000"/>
+                </a:schemeClr>
+              </a:solidFill>
+              <a:latin typeface="微软雅黑" pitchFamily="34" charset="-122"/>
+              <a:ea typeface="微软雅黑" pitchFamily="34" charset="-122"/>
+            </a:endParaRPr>
+          </a:p>
+        </p:txBody>
+      </p:sp>
+      <p:sp>
+        <p:nvSpPr>
+          <p:cNvPr id="5" name="圆角矩形标注 4"/>
+          <p:cNvSpPr/>
+          <p:nvPr/>
+        </p:nvSpPr>
+        <p:spPr>
+          <a:xfrm>
+            <a:off x="3779913" y="3861048"/>
+            <a:ext cx="2664296" cy="480716"/>
+          </a:xfrm>
+          <a:prstGeom prst="wedgeRoundRectCallout">
+            <a:avLst>
+              <a:gd name="adj1" fmla="val -57638"/>
+              <a:gd name="adj2" fmla="val -5140"/>
+              <a:gd name="adj3" fmla="val 16667"/>
+            </a:avLst>
+          </a:prstGeom>
+        </p:spPr>
+        <p:style>
+          <a:lnRef idx="2">
+            <a:schemeClr val="accent5"/>
+          </a:lnRef>
+          <a:fillRef idx="1">
+            <a:schemeClr val="lt1"/>
+          </a:fillRef>
+          <a:effectRef idx="0">
+            <a:schemeClr val="accent5"/>
+          </a:effectRef>
+          <a:fontRef idx="minor">
+            <a:schemeClr val="dk1"/>
+          </a:fontRef>
+        </p:style>
+        <p:txBody>
+          <a:bodyPr rtlCol="0" anchor="ctr"/>
+          <a:lstStyle/>
+          <a:p>
+            <a:pPr>
+              <a:lnSpc>
+                <a:spcPct val="150000"/>
+              </a:lnSpc>
+            </a:pPr>
+            <a:r>
+              <a:rPr lang="zh-CN" altLang="en-US" sz="2000" dirty="0" smtClean="0">
+                <a:solidFill>
+                  <a:schemeClr val="tx1">
+                    <a:lumMod val="75000"/>
+                    <a:lumOff val="25000"/>
+                  </a:schemeClr>
+                </a:solidFill>
+                <a:latin typeface="微软雅黑" pitchFamily="34" charset="-122"/>
+                <a:ea typeface="微软雅黑" pitchFamily="34" charset="-122"/>
+              </a:rPr>
+              <a:t>将字符串转换为数值</a:t>
+            </a:r>
+            <a:endParaRPr lang="en-US" altLang="zh-CN" sz="2000" dirty="0">
+              <a:solidFill>
+                <a:schemeClr val="tx1">
+                  <a:lumMod val="75000"/>
+                  <a:lumOff val="25000"/>
+                </a:schemeClr>
+              </a:solidFill>
+              <a:latin typeface="微软雅黑" pitchFamily="34" charset="-122"/>
+              <a:ea typeface="微软雅黑" pitchFamily="34" charset="-122"/>
+            </a:endParaRPr>
+          </a:p>
+        </p:txBody>
+      </p:sp>
+      <p:sp>
+        <p:nvSpPr>
+          <p:cNvPr id="6" name="TextBox 5"/>
+          <p:cNvSpPr txBox="1"/>
+          <p:nvPr/>
+        </p:nvSpPr>
+        <p:spPr>
+          <a:xfrm>
+            <a:off x="676193" y="4653136"/>
+            <a:ext cx="7776000" cy="2308324"/>
+          </a:xfrm>
+          <a:prstGeom prst="rect">
+            <a:avLst/>
+          </a:prstGeom>
+          <a:noFill/>
+        </p:spPr>
+        <p:txBody>
+          <a:bodyPr wrap="square" rtlCol="0">
+            <a:spAutoFit/>
+          </a:bodyPr>
+          <a:lstStyle/>
+          <a:p>
+            <a:pPr>
+              <a:lnSpc>
+                <a:spcPct val="150000"/>
+              </a:lnSpc>
+            </a:pPr>
+            <a:r>
+              <a:rPr lang="zh-CN" altLang="en-US" sz="2400" dirty="0" smtClean="0">
+                <a:solidFill>
+                  <a:schemeClr val="tx1">
+                    <a:lumMod val="75000"/>
+                    <a:lumOff val="25000"/>
+                  </a:schemeClr>
+                </a:solidFill>
+                <a:latin typeface="微软雅黑" pitchFamily="34" charset="-122"/>
+                <a:ea typeface="微软雅黑" pitchFamily="34" charset="-122"/>
+              </a:rPr>
+              <a:t>这个正则表达式，略微复杂，查找字母（</a:t>
+            </a:r>
+            <a:r>
+              <a:rPr lang="en-US" altLang="zh-CN" sz="2400" dirty="0" smtClean="0">
+                <a:solidFill>
+                  <a:schemeClr val="tx1">
+                    <a:lumMod val="75000"/>
+                    <a:lumOff val="25000"/>
+                  </a:schemeClr>
+                </a:solidFill>
+                <a:latin typeface="微软雅黑" pitchFamily="34" charset="-122"/>
+                <a:ea typeface="微软雅黑" pitchFamily="34" charset="-122"/>
+              </a:rPr>
+              <a:t>[a-</a:t>
+            </a:r>
+            <a:r>
+              <a:rPr lang="en-US" altLang="zh-CN" sz="2400" dirty="0" err="1" smtClean="0">
+                <a:solidFill>
+                  <a:schemeClr val="tx1">
+                    <a:lumMod val="75000"/>
+                    <a:lumOff val="25000"/>
+                  </a:schemeClr>
+                </a:solidFill>
+                <a:latin typeface="微软雅黑" pitchFamily="34" charset="-122"/>
+                <a:ea typeface="微软雅黑" pitchFamily="34" charset="-122"/>
+              </a:rPr>
+              <a:t>zA</a:t>
+            </a:r>
+            <a:r>
+              <a:rPr lang="en-US" altLang="zh-CN" sz="2400" dirty="0" smtClean="0">
+                <a:solidFill>
+                  <a:schemeClr val="tx1">
+                    <a:lumMod val="75000"/>
+                    <a:lumOff val="25000"/>
+                  </a:schemeClr>
+                </a:solidFill>
+                <a:latin typeface="微软雅黑" pitchFamily="34" charset="-122"/>
+                <a:ea typeface="微软雅黑" pitchFamily="34" charset="-122"/>
+              </a:rPr>
+              <a:t>-Z]</a:t>
+            </a:r>
+            <a:r>
+              <a:rPr lang="zh-CN" altLang="en-US" sz="2400" dirty="0" smtClean="0">
+                <a:solidFill>
+                  <a:schemeClr val="tx1">
+                    <a:lumMod val="75000"/>
+                    <a:lumOff val="25000"/>
+                  </a:schemeClr>
+                </a:solidFill>
+                <a:latin typeface="微软雅黑" pitchFamily="34" charset="-122"/>
+                <a:ea typeface="微软雅黑" pitchFamily="34" charset="-122"/>
+              </a:rPr>
+              <a:t>）或者（符号‘</a:t>
+            </a:r>
+            <a:r>
+              <a:rPr lang="en-US" altLang="zh-CN" sz="2400" dirty="0" smtClean="0">
+                <a:solidFill>
+                  <a:schemeClr val="tx1">
+                    <a:lumMod val="75000"/>
+                    <a:lumOff val="25000"/>
+                  </a:schemeClr>
+                </a:solidFill>
+                <a:latin typeface="微软雅黑" pitchFamily="34" charset="-122"/>
+                <a:ea typeface="微软雅黑" pitchFamily="34" charset="-122"/>
+              </a:rPr>
+              <a:t>|</a:t>
+            </a:r>
+            <a:r>
+              <a:rPr lang="zh-CN" altLang="en-US" sz="2400" dirty="0" smtClean="0">
+                <a:solidFill>
+                  <a:schemeClr val="tx1">
+                    <a:lumMod val="75000"/>
+                    <a:lumOff val="25000"/>
+                  </a:schemeClr>
+                </a:solidFill>
+                <a:latin typeface="微软雅黑" pitchFamily="34" charset="-122"/>
+                <a:ea typeface="微软雅黑" pitchFamily="34" charset="-122"/>
+              </a:rPr>
+              <a:t>’）可能由负号开头的（‘</a:t>
+            </a:r>
+            <a:r>
+              <a:rPr lang="en-US" altLang="zh-CN" sz="2400" dirty="0" smtClean="0">
+                <a:solidFill>
+                  <a:schemeClr val="tx1">
+                    <a:lumMod val="75000"/>
+                    <a:lumOff val="25000"/>
+                  </a:schemeClr>
+                </a:solidFill>
+                <a:latin typeface="微软雅黑" pitchFamily="34" charset="-122"/>
+                <a:ea typeface="微软雅黑" pitchFamily="34" charset="-122"/>
+              </a:rPr>
+              <a:t>-</a:t>
+            </a:r>
+            <a:r>
+              <a:rPr lang="zh-CN" altLang="en-US" sz="2400" dirty="0" smtClean="0">
+                <a:solidFill>
+                  <a:schemeClr val="tx1">
+                    <a:lumMod val="75000"/>
+                    <a:lumOff val="25000"/>
+                  </a:schemeClr>
+                </a:solidFill>
+                <a:latin typeface="微软雅黑" pitchFamily="34" charset="-122"/>
+                <a:ea typeface="微软雅黑" pitchFamily="34" charset="-122"/>
+              </a:rPr>
+              <a:t>？’），非字母，逗号，空白符，负号的若干数字（可能有小数点，所以用排除法）（</a:t>
+            </a:r>
+            <a:r>
+              <a:rPr lang="en-US" altLang="zh-CN" sz="2400" dirty="0">
+                <a:solidFill>
+                  <a:schemeClr val="tx1">
+                    <a:lumMod val="75000"/>
+                    <a:lumOff val="25000"/>
+                  </a:schemeClr>
+                </a:solidFill>
+                <a:latin typeface="微软雅黑" pitchFamily="34" charset="-122"/>
+                <a:ea typeface="微软雅黑" pitchFamily="34" charset="-122"/>
+              </a:rPr>
+              <a:t>([^a-</a:t>
+            </a:r>
+            <a:r>
+              <a:rPr lang="en-US" altLang="zh-CN" sz="2400" dirty="0" err="1">
+                <a:solidFill>
+                  <a:schemeClr val="tx1">
+                    <a:lumMod val="75000"/>
+                    <a:lumOff val="25000"/>
+                  </a:schemeClr>
+                </a:solidFill>
+                <a:latin typeface="微软雅黑" pitchFamily="34" charset="-122"/>
+                <a:ea typeface="微软雅黑" pitchFamily="34" charset="-122"/>
+              </a:rPr>
+              <a:t>zA</a:t>
+            </a:r>
+            <a:r>
+              <a:rPr lang="en-US" altLang="zh-CN" sz="2400" dirty="0">
+                <a:solidFill>
+                  <a:schemeClr val="tx1">
+                    <a:lumMod val="75000"/>
+                    <a:lumOff val="25000"/>
+                  </a:schemeClr>
+                </a:solidFill>
+                <a:latin typeface="微软雅黑" pitchFamily="34" charset="-122"/>
+                <a:ea typeface="微软雅黑" pitchFamily="34" charset="-122"/>
+              </a:rPr>
+              <a:t>-Z,\s-])+</a:t>
+            </a:r>
+            <a:r>
+              <a:rPr lang="zh-CN" altLang="en-US" sz="2400" dirty="0" smtClean="0">
+                <a:solidFill>
+                  <a:schemeClr val="tx1">
+                    <a:lumMod val="75000"/>
+                    <a:lumOff val="25000"/>
+                  </a:schemeClr>
+                </a:solidFill>
+                <a:latin typeface="微软雅黑" pitchFamily="34" charset="-122"/>
+                <a:ea typeface="微软雅黑" pitchFamily="34" charset="-122"/>
+              </a:rPr>
+              <a:t>）</a:t>
+            </a:r>
+            <a:endParaRPr lang="en-US" altLang="zh-CN" sz="2400" dirty="0" smtClean="0">
+              <a:solidFill>
+                <a:schemeClr val="tx1">
+                  <a:lumMod val="75000"/>
+                  <a:lumOff val="25000"/>
+                </a:schemeClr>
+              </a:solidFill>
+              <a:latin typeface="微软雅黑" pitchFamily="34" charset="-122"/>
+              <a:ea typeface="微软雅黑" pitchFamily="34" charset="-122"/>
+            </a:endParaRPr>
+          </a:p>
+        </p:txBody>
+      </p:sp>
     </p:spTree>
     <p:extLst>
       <p:ext uri="{BB962C8B-B14F-4D97-AF65-F5344CB8AC3E}">
-        <p14:creationId xmlns:p14="http://schemas.microsoft.com/office/powerpoint/2010/main" val="385653637"/>
+        <p14:creationId xmlns:p14="http://schemas.microsoft.com/office/powerpoint/2010/main" val="459483419"/>
       </p:ext>
     </p:extLst>
   </p:cSld>
@@ -5301,16 +7925,1095 @@
           <a:chExt cx="0" cy="0"/>
         </a:xfrm>
       </p:grpSpPr>
+      <p:cxnSp>
+        <p:nvCxnSpPr>
+          <p:cNvPr id="20" name="直接连接符 19"/>
+          <p:cNvCxnSpPr/>
+          <p:nvPr/>
+        </p:nvCxnSpPr>
+        <p:spPr>
+          <a:xfrm>
+            <a:off x="4283968" y="6381328"/>
+            <a:ext cx="2296712" cy="0"/>
+          </a:xfrm>
+          <a:prstGeom prst="line">
+            <a:avLst/>
+          </a:prstGeom>
+        </p:spPr>
+        <p:style>
+          <a:lnRef idx="3">
+            <a:schemeClr val="accent2"/>
+          </a:lnRef>
+          <a:fillRef idx="0">
+            <a:schemeClr val="accent2"/>
+          </a:fillRef>
+          <a:effectRef idx="2">
+            <a:schemeClr val="accent2"/>
+          </a:effectRef>
+          <a:fontRef idx="minor">
+            <a:schemeClr val="tx1"/>
+          </a:fontRef>
+        </p:style>
+      </p:cxnSp>
+      <p:sp>
+        <p:nvSpPr>
+          <p:cNvPr id="4" name="TextBox 3"/>
+          <p:cNvSpPr txBox="1"/>
+          <p:nvPr/>
+        </p:nvSpPr>
+        <p:spPr>
+          <a:xfrm>
+            <a:off x="684000" y="260648"/>
+            <a:ext cx="7776000" cy="3416320"/>
+          </a:xfrm>
+          <a:prstGeom prst="rect">
+            <a:avLst/>
+          </a:prstGeom>
+          <a:noFill/>
+        </p:spPr>
+        <p:txBody>
+          <a:bodyPr wrap="square" rtlCol="0">
+            <a:spAutoFit/>
+          </a:bodyPr>
+          <a:lstStyle/>
+          <a:p>
+            <a:pPr>
+              <a:lnSpc>
+                <a:spcPct val="150000"/>
+              </a:lnSpc>
+            </a:pPr>
+            <a:r>
+              <a:rPr lang="en-US" altLang="zh-CN" sz="2400" b="1" dirty="0" smtClean="0">
+                <a:solidFill>
+                  <a:schemeClr val="tx1">
+                    <a:lumMod val="75000"/>
+                    <a:lumOff val="25000"/>
+                  </a:schemeClr>
+                </a:solidFill>
+                <a:latin typeface="微软雅黑" pitchFamily="34" charset="-122"/>
+                <a:ea typeface="微软雅黑" pitchFamily="34" charset="-122"/>
+              </a:rPr>
+              <a:t>5-b </a:t>
+            </a:r>
+            <a:r>
+              <a:rPr lang="zh-CN" altLang="en-US" sz="2400" b="1" dirty="0" smtClean="0">
+                <a:solidFill>
+                  <a:schemeClr val="tx1">
+                    <a:lumMod val="75000"/>
+                    <a:lumOff val="25000"/>
+                  </a:schemeClr>
+                </a:solidFill>
+                <a:latin typeface="微软雅黑" pitchFamily="34" charset="-122"/>
+                <a:ea typeface="微软雅黑" pitchFamily="34" charset="-122"/>
+              </a:rPr>
+              <a:t>转化为</a:t>
+            </a:r>
+            <a:r>
+              <a:rPr lang="zh-CN" altLang="en-US" sz="2400" b="1" dirty="0" smtClean="0">
+                <a:solidFill>
+                  <a:schemeClr val="tx1">
+                    <a:lumMod val="75000"/>
+                    <a:lumOff val="25000"/>
+                  </a:schemeClr>
+                </a:solidFill>
+                <a:latin typeface="微软雅黑" pitchFamily="34" charset="-122"/>
+                <a:ea typeface="微软雅黑" pitchFamily="34" charset="-122"/>
+              </a:rPr>
+              <a:t>绝对坐标的</a:t>
+            </a:r>
+            <a:r>
+              <a:rPr lang="en-US" altLang="zh-CN" sz="2400" b="1" dirty="0" smtClean="0">
+                <a:solidFill>
+                  <a:schemeClr val="tx1">
+                    <a:lumMod val="75000"/>
+                    <a:lumOff val="25000"/>
+                  </a:schemeClr>
+                </a:solidFill>
+                <a:latin typeface="微软雅黑" pitchFamily="34" charset="-122"/>
+                <a:ea typeface="微软雅黑" pitchFamily="34" charset="-122"/>
+              </a:rPr>
+              <a:t>C</a:t>
+            </a:r>
+            <a:r>
+              <a:rPr lang="zh-CN" altLang="en-US" sz="2400" b="1" dirty="0" smtClean="0">
+                <a:solidFill>
+                  <a:schemeClr val="tx1">
+                    <a:lumMod val="75000"/>
+                    <a:lumOff val="25000"/>
+                  </a:schemeClr>
+                </a:solidFill>
+                <a:latin typeface="微软雅黑" pitchFamily="34" charset="-122"/>
+                <a:ea typeface="微软雅黑" pitchFamily="34" charset="-122"/>
+              </a:rPr>
+              <a:t>指令</a:t>
+            </a:r>
+            <a:endParaRPr lang="en-US" altLang="zh-CN" sz="2400" b="1" dirty="0" smtClean="0">
+              <a:solidFill>
+                <a:schemeClr val="tx1">
+                  <a:lumMod val="75000"/>
+                  <a:lumOff val="25000"/>
+                </a:schemeClr>
+              </a:solidFill>
+              <a:latin typeface="微软雅黑" pitchFamily="34" charset="-122"/>
+              <a:ea typeface="微软雅黑" pitchFamily="34" charset="-122"/>
+            </a:endParaRPr>
+          </a:p>
+          <a:p>
+            <a:pPr>
+              <a:lnSpc>
+                <a:spcPct val="150000"/>
+              </a:lnSpc>
+            </a:pPr>
+            <a:r>
+              <a:rPr lang="zh-CN" altLang="en-US" sz="2400" dirty="0" smtClean="0">
+                <a:solidFill>
+                  <a:schemeClr val="tx1">
+                    <a:lumMod val="75000"/>
+                    <a:lumOff val="25000"/>
+                  </a:schemeClr>
+                </a:solidFill>
+                <a:latin typeface="微软雅黑" pitchFamily="34" charset="-122"/>
+                <a:ea typeface="微软雅黑" pitchFamily="34" charset="-122"/>
+              </a:rPr>
+              <a:t>绘图指令有很多种，直线，曲线，圆弧，贝塞尔曲线，但只有相同指令才能进行动画插值，平滑过渡</a:t>
+            </a:r>
+            <a:r>
+              <a:rPr lang="en-US" altLang="zh-CN" sz="2400" dirty="0" smtClean="0">
+                <a:solidFill>
+                  <a:schemeClr val="tx1">
+                    <a:lumMod val="75000"/>
+                    <a:lumOff val="25000"/>
+                  </a:schemeClr>
+                </a:solidFill>
+                <a:latin typeface="微软雅黑" pitchFamily="34" charset="-122"/>
+                <a:ea typeface="微软雅黑" pitchFamily="34" charset="-122"/>
+              </a:rPr>
+              <a:t>; </a:t>
+            </a:r>
+            <a:r>
+              <a:rPr lang="zh-CN" altLang="en-US" sz="2400" dirty="0" smtClean="0">
+                <a:solidFill>
+                  <a:schemeClr val="tx1">
+                    <a:lumMod val="75000"/>
+                    <a:lumOff val="25000"/>
+                  </a:schemeClr>
+                </a:solidFill>
+                <a:latin typeface="微软雅黑" pitchFamily="34" charset="-122"/>
+                <a:ea typeface="微软雅黑" pitchFamily="34" charset="-122"/>
+              </a:rPr>
+              <a:t>所以我们必须</a:t>
+            </a:r>
+            <a:r>
+              <a:rPr lang="zh-CN" altLang="en-US" sz="2400" b="1" dirty="0" smtClean="0">
+                <a:solidFill>
+                  <a:schemeClr val="tx1">
+                    <a:lumMod val="75000"/>
+                    <a:lumOff val="25000"/>
+                  </a:schemeClr>
+                </a:solidFill>
+                <a:latin typeface="微软雅黑" pitchFamily="34" charset="-122"/>
+                <a:ea typeface="微软雅黑" pitchFamily="34" charset="-122"/>
+              </a:rPr>
+              <a:t>将所有指令转化成相同的指令</a:t>
+            </a:r>
+            <a:r>
+              <a:rPr lang="en-US" altLang="zh-CN" sz="2400" dirty="0" smtClean="0">
+                <a:solidFill>
+                  <a:schemeClr val="tx1">
+                    <a:lumMod val="75000"/>
+                    <a:lumOff val="25000"/>
+                  </a:schemeClr>
+                </a:solidFill>
+                <a:latin typeface="微软雅黑" pitchFamily="34" charset="-122"/>
+                <a:ea typeface="微软雅黑" pitchFamily="34" charset="-122"/>
+              </a:rPr>
+              <a:t>.</a:t>
+            </a:r>
+            <a:r>
+              <a:rPr lang="zh-CN" altLang="en-US" sz="2400" dirty="0" smtClean="0">
+                <a:solidFill>
+                  <a:schemeClr val="tx1">
+                    <a:lumMod val="75000"/>
+                    <a:lumOff val="25000"/>
+                  </a:schemeClr>
+                </a:solidFill>
+                <a:latin typeface="微软雅黑" pitchFamily="34" charset="-122"/>
+                <a:ea typeface="微软雅黑" pitchFamily="34" charset="-122"/>
+              </a:rPr>
+              <a:t>那么只有</a:t>
+            </a:r>
+            <a:r>
+              <a:rPr lang="en-US" altLang="zh-CN" sz="2400" b="1" dirty="0" smtClean="0">
+                <a:solidFill>
+                  <a:schemeClr val="tx1">
+                    <a:lumMod val="75000"/>
+                    <a:lumOff val="25000"/>
+                  </a:schemeClr>
+                </a:solidFill>
+                <a:latin typeface="微软雅黑" pitchFamily="34" charset="-122"/>
+                <a:ea typeface="微软雅黑" pitchFamily="34" charset="-122"/>
+              </a:rPr>
+              <a:t>C</a:t>
+            </a:r>
+            <a:r>
+              <a:rPr lang="zh-CN" altLang="en-US" sz="2400" b="1" dirty="0" smtClean="0">
+                <a:solidFill>
+                  <a:schemeClr val="tx1">
+                    <a:lumMod val="75000"/>
+                    <a:lumOff val="25000"/>
+                  </a:schemeClr>
+                </a:solidFill>
+                <a:latin typeface="微软雅黑" pitchFamily="34" charset="-122"/>
+                <a:ea typeface="微软雅黑" pitchFamily="34" charset="-122"/>
+              </a:rPr>
+              <a:t>指令强大到能替换所有指令</a:t>
+            </a:r>
+            <a:r>
+              <a:rPr lang="en-US" altLang="zh-CN" sz="2400" dirty="0" smtClean="0">
+                <a:solidFill>
+                  <a:schemeClr val="tx1">
+                    <a:lumMod val="75000"/>
+                    <a:lumOff val="25000"/>
+                  </a:schemeClr>
+                </a:solidFill>
+                <a:latin typeface="微软雅黑" pitchFamily="34" charset="-122"/>
+                <a:ea typeface="微软雅黑" pitchFamily="34" charset="-122"/>
+              </a:rPr>
+              <a:t>,</a:t>
+            </a:r>
+            <a:r>
+              <a:rPr lang="zh-CN" altLang="en-US" sz="2400" dirty="0" smtClean="0">
+                <a:solidFill>
+                  <a:schemeClr val="tx1">
+                    <a:lumMod val="75000"/>
+                    <a:lumOff val="25000"/>
+                  </a:schemeClr>
+                </a:solidFill>
+                <a:latin typeface="微软雅黑" pitchFamily="34" charset="-122"/>
+                <a:ea typeface="微软雅黑" pitchFamily="34" charset="-122"/>
+              </a:rPr>
+              <a:t>如果</a:t>
+            </a:r>
+            <a:r>
+              <a:rPr lang="en-US" altLang="zh-CN" sz="2400" dirty="0" smtClean="0">
+                <a:solidFill>
+                  <a:schemeClr val="tx1">
+                    <a:lumMod val="75000"/>
+                    <a:lumOff val="25000"/>
+                  </a:schemeClr>
+                </a:solidFill>
+                <a:latin typeface="微软雅黑" pitchFamily="34" charset="-122"/>
+                <a:ea typeface="微软雅黑" pitchFamily="34" charset="-122"/>
+              </a:rPr>
+              <a:t>C</a:t>
+            </a:r>
+            <a:r>
+              <a:rPr lang="zh-CN" altLang="en-US" sz="2400" dirty="0" smtClean="0">
+                <a:solidFill>
+                  <a:schemeClr val="tx1">
+                    <a:lumMod val="75000"/>
+                    <a:lumOff val="25000"/>
+                  </a:schemeClr>
+                </a:solidFill>
+                <a:latin typeface="微软雅黑" pitchFamily="34" charset="-122"/>
+                <a:ea typeface="微软雅黑" pitchFamily="34" charset="-122"/>
+              </a:rPr>
+              <a:t>指令的</a:t>
+            </a:r>
+            <a:r>
+              <a:rPr lang="en-US" altLang="zh-CN" sz="2400" dirty="0" smtClean="0">
+                <a:solidFill>
+                  <a:schemeClr val="tx1">
+                    <a:lumMod val="75000"/>
+                    <a:lumOff val="25000"/>
+                  </a:schemeClr>
+                </a:solidFill>
+                <a:latin typeface="微软雅黑" pitchFamily="34" charset="-122"/>
+                <a:ea typeface="微软雅黑" pitchFamily="34" charset="-122"/>
+              </a:rPr>
+              <a:t>2</a:t>
+            </a:r>
+            <a:r>
+              <a:rPr lang="zh-CN" altLang="en-US" sz="2400" dirty="0" smtClean="0">
+                <a:solidFill>
+                  <a:schemeClr val="tx1">
+                    <a:lumMod val="75000"/>
+                    <a:lumOff val="25000"/>
+                  </a:schemeClr>
+                </a:solidFill>
+                <a:latin typeface="微软雅黑" pitchFamily="34" charset="-122"/>
+                <a:ea typeface="微软雅黑" pitchFamily="34" charset="-122"/>
+              </a:rPr>
+              <a:t>个控制点分别和起点和终点重合，那么，它就是一条直线</a:t>
+            </a:r>
+            <a:r>
+              <a:rPr lang="en-US" altLang="zh-CN" sz="2400" dirty="0" smtClean="0">
+                <a:solidFill>
+                  <a:schemeClr val="tx1">
+                    <a:lumMod val="75000"/>
+                    <a:lumOff val="25000"/>
+                  </a:schemeClr>
+                </a:solidFill>
+                <a:latin typeface="微软雅黑" pitchFamily="34" charset="-122"/>
+                <a:ea typeface="微软雅黑" pitchFamily="34" charset="-122"/>
+              </a:rPr>
+              <a:t>.</a:t>
+            </a:r>
+            <a:endParaRPr lang="en-US" altLang="zh-CN" sz="2400" dirty="0">
+              <a:solidFill>
+                <a:schemeClr val="tx1">
+                  <a:lumMod val="75000"/>
+                  <a:lumOff val="25000"/>
+                </a:schemeClr>
+              </a:solidFill>
+              <a:latin typeface="微软雅黑" pitchFamily="34" charset="-122"/>
+              <a:ea typeface="微软雅黑" pitchFamily="34" charset="-122"/>
+            </a:endParaRPr>
+          </a:p>
+        </p:txBody>
+      </p:sp>
+      <p:grpSp>
+        <p:nvGrpSpPr>
+          <p:cNvPr id="11" name="组合 10"/>
+          <p:cNvGrpSpPr/>
+          <p:nvPr/>
+        </p:nvGrpSpPr>
+        <p:grpSpPr>
+          <a:xfrm>
+            <a:off x="4148211" y="4388921"/>
+            <a:ext cx="2606722" cy="2113359"/>
+            <a:chOff x="2688609" y="4490202"/>
+            <a:chExt cx="2606722" cy="2113359"/>
+          </a:xfrm>
+        </p:grpSpPr>
+        <p:sp>
+          <p:nvSpPr>
+            <p:cNvPr id="3" name="任意多边形 2"/>
+            <p:cNvSpPr/>
+            <p:nvPr/>
+          </p:nvSpPr>
+          <p:spPr>
+            <a:xfrm>
+              <a:off x="2688609" y="4869243"/>
+              <a:ext cx="2606722" cy="792005"/>
+            </a:xfrm>
+            <a:custGeom>
+              <a:avLst/>
+              <a:gdLst>
+                <a:gd name="connsiteX0" fmla="*/ 0 w 2606722"/>
+                <a:gd name="connsiteY0" fmla="*/ 792005 h 792005"/>
+                <a:gd name="connsiteX1" fmla="*/ 1009934 w 2606722"/>
+                <a:gd name="connsiteY1" fmla="*/ 435 h 792005"/>
+                <a:gd name="connsiteX2" fmla="*/ 2606722 w 2606722"/>
+                <a:gd name="connsiteY2" fmla="*/ 682823 h 792005"/>
+              </a:gdLst>
+              <a:ahLst/>
+              <a:cxnLst>
+                <a:cxn ang="0">
+                  <a:pos x="connsiteX0" y="connsiteY0"/>
+                </a:cxn>
+                <a:cxn ang="0">
+                  <a:pos x="connsiteX1" y="connsiteY1"/>
+                </a:cxn>
+                <a:cxn ang="0">
+                  <a:pos x="connsiteX2" y="connsiteY2"/>
+                </a:cxn>
+              </a:cxnLst>
+              <a:rect l="l" t="t" r="r" b="b"/>
+              <a:pathLst>
+                <a:path w="2606722" h="792005">
+                  <a:moveTo>
+                    <a:pt x="0" y="792005"/>
+                  </a:moveTo>
+                  <a:cubicBezTo>
+                    <a:pt x="287740" y="405318"/>
+                    <a:pt x="575480" y="18632"/>
+                    <a:pt x="1009934" y="435"/>
+                  </a:cubicBezTo>
+                  <a:cubicBezTo>
+                    <a:pt x="1444388" y="-17762"/>
+                    <a:pt x="2286000" y="539522"/>
+                    <a:pt x="2606722" y="682823"/>
+                  </a:cubicBezTo>
+                </a:path>
+              </a:pathLst>
+            </a:custGeom>
+          </p:spPr>
+          <p:style>
+            <a:lnRef idx="3">
+              <a:schemeClr val="accent2"/>
+            </a:lnRef>
+            <a:fillRef idx="0">
+              <a:schemeClr val="accent2"/>
+            </a:fillRef>
+            <a:effectRef idx="2">
+              <a:schemeClr val="accent2"/>
+            </a:effectRef>
+            <a:fontRef idx="minor">
+              <a:schemeClr val="tx1"/>
+            </a:fontRef>
+          </p:style>
+          <p:txBody>
+            <a:bodyPr rtlCol="0" anchor="ctr"/>
+            <a:lstStyle/>
+            <a:p>
+              <a:pPr algn="ctr"/>
+              <a:endParaRPr lang="zh-CN" altLang="en-US"/>
+            </a:p>
+          </p:txBody>
+        </p:sp>
+        <p:cxnSp>
+          <p:nvCxnSpPr>
+            <p:cNvPr id="6" name="直接连接符 5"/>
+            <p:cNvCxnSpPr>
+              <a:stCxn id="3" idx="0"/>
+            </p:cNvCxnSpPr>
+            <p:nvPr/>
+          </p:nvCxnSpPr>
+          <p:spPr>
+            <a:xfrm flipV="1">
+              <a:off x="2688609" y="4610531"/>
+              <a:ext cx="659255" cy="1050717"/>
+            </a:xfrm>
+            <a:prstGeom prst="line">
+              <a:avLst/>
+            </a:prstGeom>
+          </p:spPr>
+          <p:style>
+            <a:lnRef idx="3">
+              <a:schemeClr val="accent5"/>
+            </a:lnRef>
+            <a:fillRef idx="0">
+              <a:schemeClr val="accent5"/>
+            </a:fillRef>
+            <a:effectRef idx="2">
+              <a:schemeClr val="accent5"/>
+            </a:effectRef>
+            <a:fontRef idx="minor">
+              <a:schemeClr val="tx1"/>
+            </a:fontRef>
+          </p:style>
+        </p:cxnSp>
+        <p:cxnSp>
+          <p:nvCxnSpPr>
+            <p:cNvPr id="8" name="直接连接符 7"/>
+            <p:cNvCxnSpPr>
+              <a:stCxn id="3" idx="2"/>
+              <a:endCxn id="10" idx="5"/>
+            </p:cNvCxnSpPr>
+            <p:nvPr/>
+          </p:nvCxnSpPr>
+          <p:spPr>
+            <a:xfrm flipH="1" flipV="1">
+              <a:off x="4376906" y="4866797"/>
+              <a:ext cx="918425" cy="685269"/>
+            </a:xfrm>
+            <a:prstGeom prst="line">
+              <a:avLst/>
+            </a:prstGeom>
+          </p:spPr>
+          <p:style>
+            <a:lnRef idx="3">
+              <a:schemeClr val="accent5"/>
+            </a:lnRef>
+            <a:fillRef idx="0">
+              <a:schemeClr val="accent5"/>
+            </a:fillRef>
+            <a:effectRef idx="2">
+              <a:schemeClr val="accent5"/>
+            </a:effectRef>
+            <a:fontRef idx="minor">
+              <a:schemeClr val="tx1"/>
+            </a:fontRef>
+          </p:style>
+        </p:cxnSp>
+        <p:sp>
+          <p:nvSpPr>
+            <p:cNvPr id="9" name="椭圆 8"/>
+            <p:cNvSpPr/>
+            <p:nvPr/>
+          </p:nvSpPr>
+          <p:spPr>
+            <a:xfrm>
+              <a:off x="3239852" y="4490202"/>
+              <a:ext cx="216024" cy="216024"/>
+            </a:xfrm>
+            <a:prstGeom prst="ellipse">
+              <a:avLst/>
+            </a:prstGeom>
+          </p:spPr>
+          <p:style>
+            <a:lnRef idx="1">
+              <a:schemeClr val="accent4"/>
+            </a:lnRef>
+            <a:fillRef idx="3">
+              <a:schemeClr val="accent4"/>
+            </a:fillRef>
+            <a:effectRef idx="2">
+              <a:schemeClr val="accent4"/>
+            </a:effectRef>
+            <a:fontRef idx="minor">
+              <a:schemeClr val="lt1"/>
+            </a:fontRef>
+          </p:style>
+          <p:txBody>
+            <a:bodyPr rtlCol="0" anchor="ctr"/>
+            <a:lstStyle/>
+            <a:p>
+              <a:pPr algn="ctr"/>
+              <a:endParaRPr lang="zh-CN" altLang="en-US"/>
+            </a:p>
+          </p:txBody>
+        </p:sp>
+        <p:sp>
+          <p:nvSpPr>
+            <p:cNvPr id="10" name="椭圆 9"/>
+            <p:cNvSpPr/>
+            <p:nvPr/>
+          </p:nvSpPr>
+          <p:spPr>
+            <a:xfrm>
+              <a:off x="4192518" y="4682409"/>
+              <a:ext cx="216024" cy="216024"/>
+            </a:xfrm>
+            <a:prstGeom prst="ellipse">
+              <a:avLst/>
+            </a:prstGeom>
+          </p:spPr>
+          <p:style>
+            <a:lnRef idx="1">
+              <a:schemeClr val="accent4"/>
+            </a:lnRef>
+            <a:fillRef idx="3">
+              <a:schemeClr val="accent4"/>
+            </a:fillRef>
+            <a:effectRef idx="2">
+              <a:schemeClr val="accent4"/>
+            </a:effectRef>
+            <a:fontRef idx="minor">
+              <a:schemeClr val="lt1"/>
+            </a:fontRef>
+          </p:style>
+          <p:txBody>
+            <a:bodyPr rtlCol="0" anchor="ctr"/>
+            <a:lstStyle/>
+            <a:p>
+              <a:pPr algn="ctr"/>
+              <a:endParaRPr lang="zh-CN" altLang="en-US"/>
+            </a:p>
+          </p:txBody>
+        </p:sp>
+        <p:sp>
+          <p:nvSpPr>
+            <p:cNvPr id="21" name="椭圆 20"/>
+            <p:cNvSpPr/>
+            <p:nvPr/>
+          </p:nvSpPr>
+          <p:spPr>
+            <a:xfrm>
+              <a:off x="2726567" y="6387537"/>
+              <a:ext cx="216024" cy="216024"/>
+            </a:xfrm>
+            <a:prstGeom prst="ellipse">
+              <a:avLst/>
+            </a:prstGeom>
+          </p:spPr>
+          <p:style>
+            <a:lnRef idx="1">
+              <a:schemeClr val="accent4"/>
+            </a:lnRef>
+            <a:fillRef idx="3">
+              <a:schemeClr val="accent4"/>
+            </a:fillRef>
+            <a:effectRef idx="2">
+              <a:schemeClr val="accent4"/>
+            </a:effectRef>
+            <a:fontRef idx="minor">
+              <a:schemeClr val="lt1"/>
+            </a:fontRef>
+          </p:style>
+          <p:txBody>
+            <a:bodyPr rtlCol="0" anchor="ctr"/>
+            <a:lstStyle/>
+            <a:p>
+              <a:pPr algn="ctr"/>
+              <a:endParaRPr lang="zh-CN" altLang="en-US"/>
+            </a:p>
+          </p:txBody>
+        </p:sp>
+        <p:sp>
+          <p:nvSpPr>
+            <p:cNvPr id="22" name="椭圆 21"/>
+            <p:cNvSpPr/>
+            <p:nvPr/>
+          </p:nvSpPr>
+          <p:spPr>
+            <a:xfrm>
+              <a:off x="5079307" y="6366438"/>
+              <a:ext cx="216024" cy="216024"/>
+            </a:xfrm>
+            <a:prstGeom prst="ellipse">
+              <a:avLst/>
+            </a:prstGeom>
+          </p:spPr>
+          <p:style>
+            <a:lnRef idx="1">
+              <a:schemeClr val="accent4"/>
+            </a:lnRef>
+            <a:fillRef idx="3">
+              <a:schemeClr val="accent4"/>
+            </a:fillRef>
+            <a:effectRef idx="2">
+              <a:schemeClr val="accent4"/>
+            </a:effectRef>
+            <a:fontRef idx="minor">
+              <a:schemeClr val="lt1"/>
+            </a:fontRef>
+          </p:style>
+          <p:txBody>
+            <a:bodyPr rtlCol="0" anchor="ctr"/>
+            <a:lstStyle/>
+            <a:p>
+              <a:pPr algn="ctr"/>
+              <a:endParaRPr lang="zh-CN" altLang="en-US"/>
+            </a:p>
+          </p:txBody>
+        </p:sp>
+      </p:grpSp>
+      <p:sp>
+        <p:nvSpPr>
+          <p:cNvPr id="12" name="TextBox 11"/>
+          <p:cNvSpPr txBox="1"/>
+          <p:nvPr/>
+        </p:nvSpPr>
+        <p:spPr>
+          <a:xfrm>
+            <a:off x="4115128" y="3890843"/>
+            <a:ext cx="1242594" cy="461665"/>
+          </a:xfrm>
+          <a:prstGeom prst="rect">
+            <a:avLst/>
+          </a:prstGeom>
+          <a:noFill/>
+        </p:spPr>
+        <p:txBody>
+          <a:bodyPr wrap="square" rtlCol="0">
+            <a:spAutoFit/>
+          </a:bodyPr>
+          <a:lstStyle/>
+          <a:p>
+            <a:r>
+              <a:rPr lang="en-US" altLang="zh-CN" sz="2400" dirty="0" smtClean="0">
+                <a:latin typeface="微软雅黑" pitchFamily="34" charset="-122"/>
+                <a:ea typeface="微软雅黑" pitchFamily="34" charset="-122"/>
+              </a:rPr>
+              <a:t>x1,y1</a:t>
+            </a:r>
+            <a:endParaRPr lang="zh-CN" altLang="en-US" sz="2400" dirty="0">
+              <a:latin typeface="微软雅黑" pitchFamily="34" charset="-122"/>
+              <a:ea typeface="微软雅黑" pitchFamily="34" charset="-122"/>
+            </a:endParaRPr>
+          </a:p>
+        </p:txBody>
+      </p:sp>
+      <p:sp>
+        <p:nvSpPr>
+          <p:cNvPr id="13" name="TextBox 12"/>
+          <p:cNvSpPr txBox="1"/>
+          <p:nvPr/>
+        </p:nvSpPr>
+        <p:spPr>
+          <a:xfrm>
+            <a:off x="5273622" y="4119463"/>
+            <a:ext cx="1242594" cy="461665"/>
+          </a:xfrm>
+          <a:prstGeom prst="rect">
+            <a:avLst/>
+          </a:prstGeom>
+          <a:noFill/>
+        </p:spPr>
+        <p:txBody>
+          <a:bodyPr wrap="square" rtlCol="0">
+            <a:spAutoFit/>
+          </a:bodyPr>
+          <a:lstStyle/>
+          <a:p>
+            <a:r>
+              <a:rPr lang="en-US" altLang="zh-CN" sz="2400" dirty="0" smtClean="0">
+                <a:latin typeface="微软雅黑" pitchFamily="34" charset="-122"/>
+                <a:ea typeface="微软雅黑" pitchFamily="34" charset="-122"/>
+              </a:rPr>
+              <a:t>x2,y2</a:t>
+            </a:r>
+            <a:endParaRPr lang="zh-CN" altLang="en-US" sz="2400" dirty="0">
+              <a:latin typeface="微软雅黑" pitchFamily="34" charset="-122"/>
+              <a:ea typeface="微软雅黑" pitchFamily="34" charset="-122"/>
+            </a:endParaRPr>
+          </a:p>
+        </p:txBody>
+      </p:sp>
+      <p:sp>
+        <p:nvSpPr>
+          <p:cNvPr id="14" name="TextBox 13"/>
+          <p:cNvSpPr txBox="1"/>
+          <p:nvPr/>
+        </p:nvSpPr>
+        <p:spPr>
+          <a:xfrm>
+            <a:off x="6929806" y="5055567"/>
+            <a:ext cx="1242594" cy="461665"/>
+          </a:xfrm>
+          <a:prstGeom prst="rect">
+            <a:avLst/>
+          </a:prstGeom>
+          <a:noFill/>
+        </p:spPr>
+        <p:txBody>
+          <a:bodyPr wrap="square" rtlCol="0">
+            <a:spAutoFit/>
+          </a:bodyPr>
+          <a:lstStyle/>
+          <a:p>
+            <a:r>
+              <a:rPr lang="en-US" altLang="zh-CN" sz="2400" dirty="0" err="1" smtClean="0">
+                <a:latin typeface="微软雅黑" pitchFamily="34" charset="-122"/>
+                <a:ea typeface="微软雅黑" pitchFamily="34" charset="-122"/>
+              </a:rPr>
+              <a:t>x,y</a:t>
+            </a:r>
+            <a:endParaRPr lang="zh-CN" altLang="en-US" sz="2400" dirty="0">
+              <a:latin typeface="微软雅黑" pitchFamily="34" charset="-122"/>
+              <a:ea typeface="微软雅黑" pitchFamily="34" charset="-122"/>
+            </a:endParaRPr>
+          </a:p>
+        </p:txBody>
+      </p:sp>
+      <p:sp>
+        <p:nvSpPr>
+          <p:cNvPr id="24" name="TextBox 23"/>
+          <p:cNvSpPr txBox="1"/>
+          <p:nvPr/>
+        </p:nvSpPr>
+        <p:spPr>
+          <a:xfrm>
+            <a:off x="5777678" y="5790552"/>
+            <a:ext cx="1242594" cy="461665"/>
+          </a:xfrm>
+          <a:prstGeom prst="rect">
+            <a:avLst/>
+          </a:prstGeom>
+          <a:noFill/>
+        </p:spPr>
+        <p:txBody>
+          <a:bodyPr wrap="square" rtlCol="0">
+            <a:spAutoFit/>
+          </a:bodyPr>
+          <a:lstStyle/>
+          <a:p>
+            <a:r>
+              <a:rPr lang="en-US" altLang="zh-CN" sz="2400" dirty="0" smtClean="0">
+                <a:latin typeface="微软雅黑" pitchFamily="34" charset="-122"/>
+                <a:ea typeface="微软雅黑" pitchFamily="34" charset="-122"/>
+              </a:rPr>
+              <a:t>x2,y2</a:t>
+            </a:r>
+            <a:endParaRPr lang="zh-CN" altLang="en-US" sz="2400" dirty="0">
+              <a:latin typeface="微软雅黑" pitchFamily="34" charset="-122"/>
+              <a:ea typeface="微软雅黑" pitchFamily="34" charset="-122"/>
+            </a:endParaRPr>
+          </a:p>
+        </p:txBody>
+      </p:sp>
+      <p:sp>
+        <p:nvSpPr>
+          <p:cNvPr id="25" name="TextBox 24"/>
+          <p:cNvSpPr txBox="1"/>
+          <p:nvPr/>
+        </p:nvSpPr>
+        <p:spPr>
+          <a:xfrm>
+            <a:off x="6876256" y="6042483"/>
+            <a:ext cx="1242594" cy="461665"/>
+          </a:xfrm>
+          <a:prstGeom prst="rect">
+            <a:avLst/>
+          </a:prstGeom>
+          <a:noFill/>
+        </p:spPr>
+        <p:txBody>
+          <a:bodyPr wrap="square" rtlCol="0">
+            <a:spAutoFit/>
+          </a:bodyPr>
+          <a:lstStyle/>
+          <a:p>
+            <a:r>
+              <a:rPr lang="en-US" altLang="zh-CN" sz="2400" dirty="0" err="1" smtClean="0">
+                <a:latin typeface="微软雅黑" pitchFamily="34" charset="-122"/>
+                <a:ea typeface="微软雅黑" pitchFamily="34" charset="-122"/>
+              </a:rPr>
+              <a:t>x,y</a:t>
+            </a:r>
+            <a:endParaRPr lang="zh-CN" altLang="en-US" sz="2400" dirty="0">
+              <a:latin typeface="微软雅黑" pitchFamily="34" charset="-122"/>
+              <a:ea typeface="微软雅黑" pitchFamily="34" charset="-122"/>
+            </a:endParaRPr>
+          </a:p>
+        </p:txBody>
+      </p:sp>
+      <p:sp>
+        <p:nvSpPr>
+          <p:cNvPr id="15" name="TextBox 14"/>
+          <p:cNvSpPr txBox="1"/>
+          <p:nvPr/>
+        </p:nvSpPr>
+        <p:spPr>
+          <a:xfrm>
+            <a:off x="3275856" y="5199583"/>
+            <a:ext cx="1242594" cy="461665"/>
+          </a:xfrm>
+          <a:prstGeom prst="rect">
+            <a:avLst/>
+          </a:prstGeom>
+          <a:noFill/>
+        </p:spPr>
+        <p:txBody>
+          <a:bodyPr wrap="square" rtlCol="0">
+            <a:spAutoFit/>
+          </a:bodyPr>
+          <a:lstStyle/>
+          <a:p>
+            <a:r>
+              <a:rPr lang="en-US" altLang="zh-CN" sz="2400" dirty="0" smtClean="0">
+                <a:latin typeface="微软雅黑" pitchFamily="34" charset="-122"/>
+                <a:ea typeface="微软雅黑" pitchFamily="34" charset="-122"/>
+              </a:rPr>
+              <a:t>x0,y0</a:t>
+            </a:r>
+            <a:endParaRPr lang="zh-CN" altLang="en-US" sz="2400" dirty="0">
+              <a:latin typeface="微软雅黑" pitchFamily="34" charset="-122"/>
+              <a:ea typeface="微软雅黑" pitchFamily="34" charset="-122"/>
+            </a:endParaRPr>
+          </a:p>
+        </p:txBody>
+      </p:sp>
+      <p:sp>
+        <p:nvSpPr>
+          <p:cNvPr id="26" name="TextBox 25"/>
+          <p:cNvSpPr txBox="1"/>
+          <p:nvPr/>
+        </p:nvSpPr>
+        <p:spPr>
+          <a:xfrm>
+            <a:off x="3275856" y="6173145"/>
+            <a:ext cx="1242594" cy="461665"/>
+          </a:xfrm>
+          <a:prstGeom prst="rect">
+            <a:avLst/>
+          </a:prstGeom>
+          <a:noFill/>
+        </p:spPr>
+        <p:txBody>
+          <a:bodyPr wrap="square" rtlCol="0">
+            <a:spAutoFit/>
+          </a:bodyPr>
+          <a:lstStyle/>
+          <a:p>
+            <a:r>
+              <a:rPr lang="en-US" altLang="zh-CN" sz="2400" dirty="0" smtClean="0">
+                <a:latin typeface="微软雅黑" pitchFamily="34" charset="-122"/>
+                <a:ea typeface="微软雅黑" pitchFamily="34" charset="-122"/>
+              </a:rPr>
+              <a:t>x0,y0</a:t>
+            </a:r>
+            <a:endParaRPr lang="zh-CN" altLang="en-US" sz="2400" dirty="0">
+              <a:latin typeface="微软雅黑" pitchFamily="34" charset="-122"/>
+              <a:ea typeface="微软雅黑" pitchFamily="34" charset="-122"/>
+            </a:endParaRPr>
+          </a:p>
+        </p:txBody>
+      </p:sp>
+      <p:sp>
+        <p:nvSpPr>
+          <p:cNvPr id="16" name="TextBox 15"/>
+          <p:cNvSpPr txBox="1"/>
+          <p:nvPr/>
+        </p:nvSpPr>
+        <p:spPr>
+          <a:xfrm>
+            <a:off x="850848" y="4490184"/>
+            <a:ext cx="3667602" cy="461665"/>
+          </a:xfrm>
+          <a:prstGeom prst="rect">
+            <a:avLst/>
+          </a:prstGeom>
+          <a:noFill/>
+        </p:spPr>
+        <p:txBody>
+          <a:bodyPr wrap="square" rtlCol="0">
+            <a:spAutoFit/>
+          </a:bodyPr>
+          <a:lstStyle/>
+          <a:p>
+            <a:r>
+              <a:rPr lang="en-US" altLang="zh-CN" sz="2400" b="1" dirty="0" smtClean="0">
+                <a:solidFill>
+                  <a:schemeClr val="tx1">
+                    <a:lumMod val="75000"/>
+                    <a:lumOff val="25000"/>
+                  </a:schemeClr>
+                </a:solidFill>
+                <a:latin typeface="微软雅黑" pitchFamily="34" charset="-122"/>
+                <a:ea typeface="微软雅黑" pitchFamily="34" charset="-122"/>
+              </a:rPr>
+              <a:t>C x1,y1 x2,y2 </a:t>
+            </a:r>
+            <a:r>
+              <a:rPr lang="en-US" altLang="zh-CN" sz="2400" b="1" dirty="0" err="1" smtClean="0">
+                <a:solidFill>
+                  <a:schemeClr val="tx1">
+                    <a:lumMod val="75000"/>
+                    <a:lumOff val="25000"/>
+                  </a:schemeClr>
+                </a:solidFill>
+                <a:latin typeface="微软雅黑" pitchFamily="34" charset="-122"/>
+                <a:ea typeface="微软雅黑" pitchFamily="34" charset="-122"/>
+              </a:rPr>
+              <a:t>x,y</a:t>
+            </a:r>
+            <a:endParaRPr lang="zh-CN" altLang="en-US" sz="2400" b="1" dirty="0">
+              <a:solidFill>
+                <a:schemeClr val="tx1">
+                  <a:lumMod val="75000"/>
+                  <a:lumOff val="25000"/>
+                </a:schemeClr>
+              </a:solidFill>
+              <a:latin typeface="微软雅黑" pitchFamily="34" charset="-122"/>
+              <a:ea typeface="微软雅黑" pitchFamily="34" charset="-122"/>
+            </a:endParaRPr>
+          </a:p>
+        </p:txBody>
+      </p:sp>
+      <p:sp>
+        <p:nvSpPr>
+          <p:cNvPr id="23" name="TextBox 22"/>
+          <p:cNvSpPr txBox="1"/>
+          <p:nvPr/>
+        </p:nvSpPr>
+        <p:spPr>
+          <a:xfrm>
+            <a:off x="4365590" y="5811651"/>
+            <a:ext cx="1242594" cy="461665"/>
+          </a:xfrm>
+          <a:prstGeom prst="rect">
+            <a:avLst/>
+          </a:prstGeom>
+          <a:noFill/>
+        </p:spPr>
+        <p:txBody>
+          <a:bodyPr wrap="square" rtlCol="0">
+            <a:spAutoFit/>
+          </a:bodyPr>
+          <a:lstStyle/>
+          <a:p>
+            <a:r>
+              <a:rPr lang="en-US" altLang="zh-CN" sz="2400" dirty="0" smtClean="0">
+                <a:latin typeface="微软雅黑" pitchFamily="34" charset="-122"/>
+                <a:ea typeface="微软雅黑" pitchFamily="34" charset="-122"/>
+              </a:rPr>
+              <a:t>x1,y1</a:t>
+            </a:r>
+            <a:endParaRPr lang="zh-CN" altLang="en-US" sz="2400" dirty="0">
+              <a:latin typeface="微软雅黑" pitchFamily="34" charset="-122"/>
+              <a:ea typeface="微软雅黑" pitchFamily="34" charset="-122"/>
+            </a:endParaRPr>
+          </a:p>
+        </p:txBody>
+      </p:sp>
+      <p:sp>
+        <p:nvSpPr>
+          <p:cNvPr id="28" name="圆角矩形标注 27"/>
+          <p:cNvSpPr/>
+          <p:nvPr/>
+        </p:nvSpPr>
+        <p:spPr>
+          <a:xfrm>
+            <a:off x="1187624" y="6142033"/>
+            <a:ext cx="1796886" cy="462271"/>
+          </a:xfrm>
+          <a:prstGeom prst="wedgeRoundRectCallout">
+            <a:avLst>
+              <a:gd name="adj1" fmla="val 65984"/>
+              <a:gd name="adj2" fmla="val 5650"/>
+              <a:gd name="adj3" fmla="val 16667"/>
+            </a:avLst>
+          </a:prstGeom>
+        </p:spPr>
+        <p:style>
+          <a:lnRef idx="2">
+            <a:schemeClr val="accent5"/>
+          </a:lnRef>
+          <a:fillRef idx="1">
+            <a:schemeClr val="lt1"/>
+          </a:fillRef>
+          <a:effectRef idx="0">
+            <a:schemeClr val="accent5"/>
+          </a:effectRef>
+          <a:fontRef idx="minor">
+            <a:schemeClr val="dk1"/>
+          </a:fontRef>
+        </p:style>
+        <p:txBody>
+          <a:bodyPr rtlCol="0" anchor="ctr"/>
+          <a:lstStyle/>
+          <a:p>
+            <a:pPr>
+              <a:lnSpc>
+                <a:spcPct val="150000"/>
+              </a:lnSpc>
+            </a:pPr>
+            <a:r>
+              <a:rPr lang="zh-CN" altLang="en-US" sz="2000" dirty="0" smtClean="0">
+                <a:solidFill>
+                  <a:schemeClr val="tx1">
+                    <a:lumMod val="75000"/>
+                    <a:lumOff val="25000"/>
+                  </a:schemeClr>
+                </a:solidFill>
+                <a:latin typeface="微软雅黑" pitchFamily="34" charset="-122"/>
+                <a:ea typeface="微软雅黑" pitchFamily="34" charset="-122"/>
+              </a:rPr>
+              <a:t>重合成直线</a:t>
+            </a:r>
+            <a:endParaRPr lang="en-US" altLang="zh-CN" sz="2000" dirty="0">
+              <a:solidFill>
+                <a:schemeClr val="tx1">
+                  <a:lumMod val="75000"/>
+                  <a:lumOff val="25000"/>
+                </a:schemeClr>
+              </a:solidFill>
+              <a:latin typeface="微软雅黑" pitchFamily="34" charset="-122"/>
+              <a:ea typeface="微软雅黑" pitchFamily="34" charset="-122"/>
+            </a:endParaRPr>
+          </a:p>
+        </p:txBody>
+      </p:sp>
     </p:spTree>
     <p:extLst>
       <p:ext uri="{BB962C8B-B14F-4D97-AF65-F5344CB8AC3E}">
-        <p14:creationId xmlns:p14="http://schemas.microsoft.com/office/powerpoint/2010/main" val="1471859948"/>
+        <p14:creationId xmlns:p14="http://schemas.microsoft.com/office/powerpoint/2010/main" val="2760546975"/>
       </p:ext>
     </p:extLst>
   </p:cSld>
   <p:clrMapOvr>
     <a:masterClrMapping/>
   </p:clrMapOvr>
+  <p:timing>
+    <p:tnLst>
+      <p:par>
+        <p:cTn id="1" dur="indefinite" restart="never" nodeType="tmRoot"/>
+      </p:par>
+    </p:tnLst>
+  </p:timing>
 </p:sld>
 </file>
 
@@ -5333,14 +9036,14 @@
       </p:grpSpPr>
       <p:sp>
         <p:nvSpPr>
-          <p:cNvPr id="4" name="TextBox 3"/>
+          <p:cNvPr id="2" name="TextBox 1"/>
           <p:cNvSpPr txBox="1"/>
           <p:nvPr/>
         </p:nvSpPr>
         <p:spPr>
           <a:xfrm>
-            <a:off x="467544" y="476672"/>
-            <a:ext cx="7776864" cy="523220"/>
+            <a:off x="684000" y="260648"/>
+            <a:ext cx="7776000" cy="5078313"/>
           </a:xfrm>
           <a:prstGeom prst="rect">
             <a:avLst/>
@@ -5353,21 +9056,130 @@
           </a:bodyPr>
           <a:lstStyle/>
           <a:p>
-            <a:r>
-              <a:rPr lang="en-US" altLang="zh-CN" sz="2800" b="1" dirty="0">
-                <a:solidFill>
-                  <a:schemeClr val="tx1">
-                    <a:lumMod val="75000"/>
-                    <a:lumOff val="25000"/>
-                  </a:schemeClr>
-                </a:solidFill>
-                <a:latin typeface="微软雅黑" pitchFamily="34" charset="-122"/>
-                <a:ea typeface="微软雅黑" pitchFamily="34" charset="-122"/>
-              </a:rPr>
-              <a:t>7</a:t>
-            </a:r>
-            <a:r>
-              <a:rPr lang="en-US" altLang="zh-CN" sz="2800" b="1" dirty="0" smtClean="0">
+            <a:pPr>
+              <a:lnSpc>
+                <a:spcPct val="150000"/>
+              </a:lnSpc>
+            </a:pPr>
+            <a:r>
+              <a:rPr lang="zh-CN" altLang="en-US" sz="2400" dirty="0" smtClean="0">
+                <a:solidFill>
+                  <a:schemeClr val="tx1">
+                    <a:lumMod val="75000"/>
+                    <a:lumOff val="25000"/>
+                  </a:schemeClr>
+                </a:solidFill>
+                <a:latin typeface="微软雅黑" pitchFamily="34" charset="-122"/>
+                <a:ea typeface="微软雅黑" pitchFamily="34" charset="-122"/>
+              </a:rPr>
+              <a:t>在替换过程中，如果遇到小写字母开头的指令，也就是使用的相对坐标，需要将其替换为大写字母开头的绝对指令</a:t>
+            </a:r>
+            <a:r>
+              <a:rPr lang="en-US" altLang="zh-CN" sz="2400" dirty="0" smtClean="0">
+                <a:solidFill>
+                  <a:schemeClr val="tx1">
+                    <a:lumMod val="75000"/>
+                    <a:lumOff val="25000"/>
+                  </a:schemeClr>
+                </a:solidFill>
+                <a:latin typeface="微软雅黑" pitchFamily="34" charset="-122"/>
+                <a:ea typeface="微软雅黑" pitchFamily="34" charset="-122"/>
+              </a:rPr>
+              <a:t>.  </a:t>
+            </a:r>
+            <a:r>
+              <a:rPr lang="zh-CN" altLang="en-US" sz="2400" dirty="0" smtClean="0">
+                <a:solidFill>
+                  <a:schemeClr val="tx1">
+                    <a:lumMod val="75000"/>
+                    <a:lumOff val="25000"/>
+                  </a:schemeClr>
+                </a:solidFill>
+                <a:latin typeface="微软雅黑" pitchFamily="34" charset="-122"/>
+                <a:ea typeface="微软雅黑" pitchFamily="34" charset="-122"/>
+              </a:rPr>
+              <a:t>方法非常简单，就是记录路径</a:t>
+            </a:r>
+            <a:r>
+              <a:rPr lang="zh-CN" altLang="en-US" sz="2400" b="1" dirty="0" smtClean="0">
+                <a:solidFill>
+                  <a:schemeClr val="tx1">
+                    <a:lumMod val="75000"/>
+                    <a:lumOff val="25000"/>
+                  </a:schemeClr>
+                </a:solidFill>
+                <a:latin typeface="微软雅黑" pitchFamily="34" charset="-122"/>
+                <a:ea typeface="微软雅黑" pitchFamily="34" charset="-122"/>
+              </a:rPr>
+              <a:t>上一个绘制指令的终点</a:t>
+            </a:r>
+            <a:r>
+              <a:rPr lang="zh-CN" altLang="en-US" sz="2400" dirty="0" smtClean="0">
+                <a:solidFill>
+                  <a:schemeClr val="tx1">
+                    <a:lumMod val="75000"/>
+                    <a:lumOff val="25000"/>
+                  </a:schemeClr>
+                </a:solidFill>
+                <a:latin typeface="微软雅黑" pitchFamily="34" charset="-122"/>
+                <a:ea typeface="微软雅黑" pitchFamily="34" charset="-122"/>
+              </a:rPr>
+              <a:t>，然后</a:t>
+            </a:r>
+            <a:r>
+              <a:rPr lang="zh-CN" altLang="en-US" sz="2400" b="1" dirty="0" smtClean="0">
+                <a:solidFill>
+                  <a:schemeClr val="tx1">
+                    <a:lumMod val="75000"/>
+                    <a:lumOff val="25000"/>
+                  </a:schemeClr>
+                </a:solidFill>
+                <a:latin typeface="微软雅黑" pitchFamily="34" charset="-122"/>
+                <a:ea typeface="微软雅黑" pitchFamily="34" charset="-122"/>
+              </a:rPr>
+              <a:t>和小写指令中的坐标相加</a:t>
+            </a:r>
+            <a:r>
+              <a:rPr lang="zh-CN" altLang="en-US" sz="2400" dirty="0" smtClean="0">
+                <a:solidFill>
+                  <a:schemeClr val="tx1">
+                    <a:lumMod val="75000"/>
+                    <a:lumOff val="25000"/>
+                  </a:schemeClr>
+                </a:solidFill>
+                <a:latin typeface="微软雅黑" pitchFamily="34" charset="-122"/>
+                <a:ea typeface="微软雅黑" pitchFamily="34" charset="-122"/>
+              </a:rPr>
+              <a:t>，就得到</a:t>
+            </a:r>
+            <a:r>
+              <a:rPr lang="zh-CN" altLang="en-US" sz="2400" b="1" dirty="0" smtClean="0">
+                <a:solidFill>
+                  <a:schemeClr val="tx1">
+                    <a:lumMod val="75000"/>
+                    <a:lumOff val="25000"/>
+                  </a:schemeClr>
+                </a:solidFill>
+                <a:latin typeface="微软雅黑" pitchFamily="34" charset="-122"/>
+                <a:ea typeface="微软雅黑" pitchFamily="34" charset="-122"/>
+              </a:rPr>
+              <a:t>绝对坐标</a:t>
+            </a:r>
+            <a:r>
+              <a:rPr lang="zh-CN" altLang="en-US" sz="2400" dirty="0" smtClean="0">
+                <a:solidFill>
+                  <a:schemeClr val="tx1">
+                    <a:lumMod val="75000"/>
+                    <a:lumOff val="25000"/>
+                  </a:schemeClr>
+                </a:solidFill>
+                <a:latin typeface="微软雅黑" pitchFamily="34" charset="-122"/>
+                <a:ea typeface="微软雅黑" pitchFamily="34" charset="-122"/>
+              </a:rPr>
+              <a:t>，最后将指令改为大写</a:t>
+            </a:r>
+            <a:r>
+              <a:rPr lang="en-US" altLang="zh-CN" sz="2400" dirty="0" smtClean="0">
                 <a:solidFill>
                   <a:schemeClr val="tx1">
                     <a:lumMod val="75000"/>
@@ -5379,20 +9191,170 @@
               </a:rPr>
               <a:t>.</a:t>
             </a:r>
-            <a:r>
-              <a:rPr lang="zh-CN" altLang="en-US" sz="2800" b="1" dirty="0" smtClean="0">
-                <a:solidFill>
-                  <a:schemeClr val="tx1">
-                    <a:lumMod val="75000"/>
-                    <a:lumOff val="25000"/>
-                  </a:schemeClr>
-                </a:solidFill>
-                <a:latin typeface="微软雅黑" pitchFamily="34" charset="-122"/>
-                <a:ea typeface="微软雅黑" pitchFamily="34" charset="-122"/>
-              </a:rPr>
-              <a:t>更多思考</a:t>
-            </a:r>
-            <a:endParaRPr lang="zh-CN" altLang="en-US" sz="2800" b="1" dirty="0">
+          </a:p>
+          <a:p>
+            <a:pPr>
+              <a:lnSpc>
+                <a:spcPct val="150000"/>
+              </a:lnSpc>
+            </a:pPr>
+            <a:r>
+              <a:rPr lang="zh-CN" altLang="en-US" sz="2400" dirty="0">
+                <a:solidFill>
+                  <a:schemeClr val="tx1">
+                    <a:lumMod val="75000"/>
+                    <a:lumOff val="25000"/>
+                  </a:schemeClr>
+                </a:solidFill>
+                <a:latin typeface="微软雅黑" pitchFamily="34" charset="-122"/>
+                <a:ea typeface="微软雅黑" pitchFamily="34" charset="-122"/>
+              </a:rPr>
+              <a:t>指令</a:t>
+            </a:r>
+            <a:r>
+              <a:rPr lang="zh-CN" altLang="en-US" sz="2400" dirty="0" smtClean="0">
+                <a:solidFill>
+                  <a:schemeClr val="tx1">
+                    <a:lumMod val="75000"/>
+                    <a:lumOff val="25000"/>
+                  </a:schemeClr>
+                </a:solidFill>
+                <a:latin typeface="微软雅黑" pitchFamily="34" charset="-122"/>
+                <a:ea typeface="微软雅黑" pitchFamily="34" charset="-122"/>
+              </a:rPr>
+              <a:t>的变换，将</a:t>
+            </a:r>
+            <a:r>
+              <a:rPr lang="en-US" altLang="zh-CN" sz="2400" b="1" dirty="0" smtClean="0">
+                <a:solidFill>
+                  <a:schemeClr val="tx1">
+                    <a:lumMod val="75000"/>
+                    <a:lumOff val="25000"/>
+                  </a:schemeClr>
+                </a:solidFill>
+                <a:latin typeface="微软雅黑" pitchFamily="34" charset="-122"/>
+                <a:ea typeface="微软雅黑" pitchFamily="34" charset="-122"/>
+              </a:rPr>
+              <a:t>H,V</a:t>
+            </a:r>
+            <a:r>
+              <a:rPr lang="zh-CN" altLang="en-US" sz="2400" b="1" dirty="0" smtClean="0">
+                <a:solidFill>
+                  <a:schemeClr val="tx1">
+                    <a:lumMod val="75000"/>
+                    <a:lumOff val="25000"/>
+                  </a:schemeClr>
+                </a:solidFill>
+                <a:latin typeface="微软雅黑" pitchFamily="34" charset="-122"/>
+                <a:ea typeface="微软雅黑" pitchFamily="34" charset="-122"/>
+              </a:rPr>
+              <a:t>等水平指令改为直线指令</a:t>
+            </a:r>
+            <a:r>
+              <a:rPr lang="en-US" altLang="zh-CN" sz="2400" b="1" dirty="0" smtClean="0">
+                <a:solidFill>
+                  <a:schemeClr val="tx1">
+                    <a:lumMod val="75000"/>
+                    <a:lumOff val="25000"/>
+                  </a:schemeClr>
+                </a:solidFill>
+                <a:latin typeface="微软雅黑" pitchFamily="34" charset="-122"/>
+                <a:ea typeface="微软雅黑" pitchFamily="34" charset="-122"/>
+              </a:rPr>
+              <a:t>L</a:t>
+            </a:r>
+            <a:r>
+              <a:rPr lang="zh-CN" altLang="en-US" sz="2400" dirty="0" smtClean="0">
+                <a:solidFill>
+                  <a:schemeClr val="tx1">
+                    <a:lumMod val="75000"/>
+                    <a:lumOff val="25000"/>
+                  </a:schemeClr>
+                </a:solidFill>
+                <a:latin typeface="微软雅黑" pitchFamily="34" charset="-122"/>
+                <a:ea typeface="微软雅黑" pitchFamily="34" charset="-122"/>
+              </a:rPr>
+              <a:t>，然后再变为</a:t>
+            </a:r>
+            <a:r>
+              <a:rPr lang="zh-CN" altLang="en-US" sz="2400" b="1" dirty="0" smtClean="0">
+                <a:solidFill>
+                  <a:schemeClr val="tx1">
+                    <a:lumMod val="75000"/>
+                    <a:lumOff val="25000"/>
+                  </a:schemeClr>
+                </a:solidFill>
+                <a:latin typeface="微软雅黑" pitchFamily="34" charset="-122"/>
+                <a:ea typeface="微软雅黑" pitchFamily="34" charset="-122"/>
+              </a:rPr>
+              <a:t>直线状态的</a:t>
+            </a:r>
+            <a:r>
+              <a:rPr lang="en-US" altLang="zh-CN" sz="2400" b="1" dirty="0" smtClean="0">
+                <a:solidFill>
+                  <a:schemeClr val="tx1">
+                    <a:lumMod val="75000"/>
+                    <a:lumOff val="25000"/>
+                  </a:schemeClr>
+                </a:solidFill>
+                <a:latin typeface="微软雅黑" pitchFamily="34" charset="-122"/>
+                <a:ea typeface="微软雅黑" pitchFamily="34" charset="-122"/>
+              </a:rPr>
+              <a:t>C</a:t>
+            </a:r>
+            <a:r>
+              <a:rPr lang="zh-CN" altLang="en-US" sz="2400" b="1" dirty="0" smtClean="0">
+                <a:solidFill>
+                  <a:schemeClr val="tx1">
+                    <a:lumMod val="75000"/>
+                    <a:lumOff val="25000"/>
+                  </a:schemeClr>
+                </a:solidFill>
+                <a:latin typeface="微软雅黑" pitchFamily="34" charset="-122"/>
+                <a:ea typeface="微软雅黑" pitchFamily="34" charset="-122"/>
+              </a:rPr>
+              <a:t>命令</a:t>
+            </a:r>
+            <a:r>
+              <a:rPr lang="en-US" altLang="zh-CN" sz="2400" dirty="0" smtClean="0">
+                <a:solidFill>
+                  <a:schemeClr val="tx1">
+                    <a:lumMod val="75000"/>
+                    <a:lumOff val="25000"/>
+                  </a:schemeClr>
+                </a:solidFill>
+                <a:latin typeface="微软雅黑" pitchFamily="34" charset="-122"/>
+                <a:ea typeface="微软雅黑" pitchFamily="34" charset="-122"/>
+              </a:rPr>
+              <a:t>.  S</a:t>
+            </a:r>
+            <a:r>
+              <a:rPr lang="zh-CN" altLang="en-US" sz="2400" dirty="0" smtClean="0">
+                <a:solidFill>
+                  <a:schemeClr val="tx1">
+                    <a:lumMod val="75000"/>
+                    <a:lumOff val="25000"/>
+                  </a:schemeClr>
+                </a:solidFill>
+                <a:latin typeface="微软雅黑" pitchFamily="34" charset="-122"/>
+                <a:ea typeface="微软雅黑" pitchFamily="34" charset="-122"/>
+              </a:rPr>
+              <a:t>指令比较特殊，它的第一个控制点是根据上一个指令的第二个控制点，相对终点作对称得出的</a:t>
+            </a:r>
+            <a:r>
+              <a:rPr lang="en-US" altLang="zh-CN" sz="2400" dirty="0" smtClean="0">
+                <a:solidFill>
+                  <a:schemeClr val="tx1">
+                    <a:lumMod val="75000"/>
+                    <a:lumOff val="25000"/>
+                  </a:schemeClr>
+                </a:solidFill>
+                <a:latin typeface="微软雅黑" pitchFamily="34" charset="-122"/>
+                <a:ea typeface="微软雅黑" pitchFamily="34" charset="-122"/>
+              </a:rPr>
+              <a:t>.</a:t>
+            </a:r>
+            <a:endParaRPr lang="en-US" altLang="zh-CN" sz="2400" dirty="0">
               <a:solidFill>
                 <a:schemeClr val="tx1">
                   <a:lumMod val="75000"/>
@@ -5405,234 +9367,10 @@
           </a:p>
         </p:txBody>
       </p:sp>
-      <p:sp>
-        <p:nvSpPr>
-          <p:cNvPr id="9" name="TextBox 8"/>
-          <p:cNvSpPr txBox="1"/>
-          <p:nvPr/>
-        </p:nvSpPr>
-        <p:spPr>
-          <a:xfrm>
-            <a:off x="611560" y="3628181"/>
-            <a:ext cx="7776864" cy="1384995"/>
-          </a:xfrm>
-          <a:prstGeom prst="rect">
-            <a:avLst/>
-          </a:prstGeom>
-          <a:noFill/>
-        </p:spPr>
-        <p:txBody>
-          <a:bodyPr wrap="square" rtlCol="0">
-            <a:spAutoFit/>
-          </a:bodyPr>
-          <a:lstStyle/>
-          <a:p>
-            <a:r>
-              <a:rPr lang="en-US" altLang="zh-CN" sz="2800" b="1" dirty="0" smtClean="0">
-                <a:solidFill>
-                  <a:schemeClr val="tx1">
-                    <a:lumMod val="75000"/>
-                    <a:lumOff val="25000"/>
-                  </a:schemeClr>
-                </a:solidFill>
-                <a:latin typeface="微软雅黑" pitchFamily="34" charset="-122"/>
-                <a:ea typeface="微软雅黑" pitchFamily="34" charset="-122"/>
-              </a:rPr>
-              <a:t>	</a:t>
-            </a:r>
-            <a:r>
-              <a:rPr lang="zh-CN" altLang="en-US" sz="2800" b="1" dirty="0" smtClean="0">
-                <a:solidFill>
-                  <a:schemeClr val="tx1">
-                    <a:lumMod val="75000"/>
-                    <a:lumOff val="25000"/>
-                  </a:schemeClr>
-                </a:solidFill>
-                <a:latin typeface="微软雅黑" pitchFamily="34" charset="-122"/>
-                <a:ea typeface="微软雅黑" pitchFamily="34" charset="-122"/>
-              </a:rPr>
-              <a:t>本期内容就讲到这里，谢谢大家！</a:t>
-            </a:r>
-            <a:endParaRPr lang="en-US" altLang="zh-CN" sz="2800" b="1" dirty="0" smtClean="0">
-              <a:solidFill>
-                <a:schemeClr val="tx1">
-                  <a:lumMod val="75000"/>
-                  <a:lumOff val="25000"/>
-                </a:schemeClr>
-              </a:solidFill>
-              <a:latin typeface="微软雅黑" pitchFamily="34" charset="-122"/>
-              <a:ea typeface="微软雅黑" pitchFamily="34" charset="-122"/>
-            </a:endParaRPr>
-          </a:p>
-          <a:p>
-            <a:endParaRPr lang="en-US" altLang="zh-CN" sz="2800" b="1" dirty="0" smtClean="0">
-              <a:solidFill>
-                <a:schemeClr val="tx1">
-                  <a:lumMod val="75000"/>
-                  <a:lumOff val="25000"/>
-                </a:schemeClr>
-              </a:solidFill>
-              <a:latin typeface="微软雅黑" pitchFamily="34" charset="-122"/>
-              <a:ea typeface="微软雅黑" pitchFamily="34" charset="-122"/>
-            </a:endParaRPr>
-          </a:p>
-          <a:p>
-            <a:r>
-              <a:rPr lang="en-US" altLang="zh-CN" sz="2800" b="1" dirty="0">
-                <a:solidFill>
-                  <a:schemeClr val="tx1">
-                    <a:lumMod val="75000"/>
-                    <a:lumOff val="25000"/>
-                  </a:schemeClr>
-                </a:solidFill>
-                <a:latin typeface="微软雅黑" pitchFamily="34" charset="-122"/>
-                <a:ea typeface="微软雅黑" pitchFamily="34" charset="-122"/>
-              </a:rPr>
-              <a:t>	</a:t>
-            </a:r>
-            <a:r>
-              <a:rPr lang="en-US" altLang="zh-CN" sz="2800" b="1" dirty="0" smtClean="0">
-                <a:solidFill>
-                  <a:schemeClr val="tx1">
-                    <a:lumMod val="75000"/>
-                    <a:lumOff val="25000"/>
-                  </a:schemeClr>
-                </a:solidFill>
-                <a:latin typeface="微软雅黑" pitchFamily="34" charset="-122"/>
-                <a:ea typeface="微软雅黑" pitchFamily="34" charset="-122"/>
-              </a:rPr>
-              <a:t>	</a:t>
-            </a:r>
-            <a:endParaRPr lang="zh-CN" altLang="en-US" sz="2800" b="1" dirty="0">
-              <a:solidFill>
-                <a:schemeClr val="tx1">
-                  <a:lumMod val="75000"/>
-                  <a:lumOff val="25000"/>
-                </a:schemeClr>
-              </a:solidFill>
-              <a:latin typeface="微软雅黑" pitchFamily="34" charset="-122"/>
-              <a:ea typeface="微软雅黑" pitchFamily="34" charset="-122"/>
-            </a:endParaRPr>
-          </a:p>
-        </p:txBody>
-      </p:sp>
-      <p:sp>
-        <p:nvSpPr>
-          <p:cNvPr id="5" name="TextBox 4"/>
-          <p:cNvSpPr txBox="1"/>
-          <p:nvPr/>
-        </p:nvSpPr>
-        <p:spPr>
-          <a:xfrm>
-            <a:off x="467544" y="1268760"/>
-            <a:ext cx="7632848" cy="1135054"/>
-          </a:xfrm>
-          <a:prstGeom prst="rect">
-            <a:avLst/>
-          </a:prstGeom>
-          <a:noFill/>
-        </p:spPr>
-        <p:txBody>
-          <a:bodyPr wrap="square" rtlCol="0">
-            <a:spAutoFit/>
-          </a:bodyPr>
-          <a:lstStyle/>
-          <a:p>
-            <a:pPr marL="342900" indent="-342900">
-              <a:lnSpc>
-                <a:spcPct val="150000"/>
-              </a:lnSpc>
-              <a:buFont typeface="Arial" pitchFamily="34" charset="0"/>
-              <a:buChar char="•"/>
-            </a:pPr>
-            <a:r>
-              <a:rPr lang="zh-CN" altLang="en-US" sz="2400" dirty="0" smtClean="0">
-                <a:solidFill>
-                  <a:schemeClr val="tx1">
-                    <a:lumMod val="75000"/>
-                    <a:lumOff val="25000"/>
-                  </a:schemeClr>
-                </a:solidFill>
-                <a:latin typeface="微软雅黑" pitchFamily="34" charset="-122"/>
-                <a:ea typeface="微软雅黑" pitchFamily="34" charset="-122"/>
-              </a:rPr>
-              <a:t>如何通过</a:t>
-            </a:r>
-            <a:r>
-              <a:rPr lang="en-US" altLang="zh-CN" sz="2400" dirty="0" smtClean="0">
-                <a:solidFill>
-                  <a:schemeClr val="tx1">
-                    <a:lumMod val="75000"/>
-                    <a:lumOff val="25000"/>
-                  </a:schemeClr>
-                </a:solidFill>
-                <a:latin typeface="微软雅黑" pitchFamily="34" charset="-122"/>
-                <a:ea typeface="微软雅黑" pitchFamily="34" charset="-122"/>
-              </a:rPr>
-              <a:t>JS</a:t>
-            </a:r>
-            <a:r>
-              <a:rPr lang="zh-CN" altLang="en-US" sz="2400" dirty="0" smtClean="0">
-                <a:solidFill>
-                  <a:schemeClr val="tx1">
-                    <a:lumMod val="75000"/>
-                    <a:lumOff val="25000"/>
-                  </a:schemeClr>
-                </a:solidFill>
-                <a:latin typeface="微软雅黑" pitchFamily="34" charset="-122"/>
-                <a:ea typeface="微软雅黑" pitchFamily="34" charset="-122"/>
-              </a:rPr>
-              <a:t>动画插值实现变形</a:t>
-            </a:r>
-            <a:endParaRPr lang="en-US" altLang="zh-CN" sz="2400" dirty="0" smtClean="0">
-              <a:solidFill>
-                <a:schemeClr val="tx1">
-                  <a:lumMod val="75000"/>
-                  <a:lumOff val="25000"/>
-                </a:schemeClr>
-              </a:solidFill>
-              <a:latin typeface="微软雅黑" pitchFamily="34" charset="-122"/>
-              <a:ea typeface="微软雅黑" pitchFamily="34" charset="-122"/>
-            </a:endParaRPr>
-          </a:p>
-          <a:p>
-            <a:pPr marL="342900" indent="-342900">
-              <a:lnSpc>
-                <a:spcPct val="150000"/>
-              </a:lnSpc>
-              <a:buFont typeface="Arial" pitchFamily="34" charset="0"/>
-              <a:buChar char="•"/>
-            </a:pPr>
-            <a:r>
-              <a:rPr lang="zh-CN" altLang="en-US" sz="2400" dirty="0" smtClean="0">
-                <a:solidFill>
-                  <a:schemeClr val="tx1">
-                    <a:lumMod val="75000"/>
-                    <a:lumOff val="25000"/>
-                  </a:schemeClr>
-                </a:solidFill>
-                <a:latin typeface="微软雅黑" pitchFamily="34" charset="-122"/>
-                <a:ea typeface="微软雅黑" pitchFamily="34" charset="-122"/>
-              </a:rPr>
-              <a:t>如果不增加路径数目，如何变形呢？</a:t>
-            </a:r>
-            <a:endParaRPr lang="en-US" altLang="zh-CN" sz="2400" dirty="0" smtClean="0">
-              <a:solidFill>
-                <a:schemeClr val="tx1">
-                  <a:lumMod val="75000"/>
-                  <a:lumOff val="25000"/>
-                </a:schemeClr>
-              </a:solidFill>
-              <a:latin typeface="微软雅黑" pitchFamily="34" charset="-122"/>
-              <a:ea typeface="微软雅黑" pitchFamily="34" charset="-122"/>
-            </a:endParaRPr>
-          </a:p>
-        </p:txBody>
-      </p:sp>
     </p:spTree>
     <p:extLst>
       <p:ext uri="{BB962C8B-B14F-4D97-AF65-F5344CB8AC3E}">
-        <p14:creationId xmlns:p14="http://schemas.microsoft.com/office/powerpoint/2010/main" val="2328121375"/>
+        <p14:creationId xmlns:p14="http://schemas.microsoft.com/office/powerpoint/2010/main" val="3005301401"/>
       </p:ext>
     </p:extLst>
   </p:cSld>
@@ -5823,7 +9561,20 @@
                 <a:latin typeface="微软雅黑" pitchFamily="34" charset="-122"/>
                 <a:ea typeface="微软雅黑" pitchFamily="34" charset="-122"/>
               </a:rPr>
-              <a:t>本期我们的目标是</a:t>
+              <a:t>本期我们的目标是制作英文字母（数字）的文字变形动画</a:t>
+            </a:r>
+            <a:r>
+              <a:rPr lang="en-US" altLang="zh-CN" sz="2400" dirty="0" smtClean="0">
+                <a:solidFill>
+                  <a:schemeClr val="tx1">
+                    <a:lumMod val="75000"/>
+                    <a:lumOff val="25000"/>
+                  </a:schemeClr>
+                </a:solidFill>
+                <a:latin typeface="微软雅黑" pitchFamily="34" charset="-122"/>
+                <a:ea typeface="微软雅黑" pitchFamily="34" charset="-122"/>
+              </a:rPr>
+              <a:t>. 26</a:t>
             </a:r>
             <a:r>
               <a:rPr lang="zh-CN" altLang="en-US" sz="2400" dirty="0" smtClean="0">
@@ -5836,20 +9587,7 @@
                 <a:latin typeface="微软雅黑" pitchFamily="34" charset="-122"/>
                 <a:ea typeface="微软雅黑" pitchFamily="34" charset="-122"/>
               </a:rPr>
-              <a:t>制作</a:t>
-            </a:r>
-            <a:r>
-              <a:rPr lang="zh-CN" altLang="en-US" sz="2400" dirty="0" smtClean="0">
-                <a:solidFill>
-                  <a:schemeClr val="tx1">
-                    <a:lumMod val="75000"/>
-                    <a:lumOff val="25000"/>
-                  </a:schemeClr>
-                </a:solidFill>
-                <a:latin typeface="微软雅黑" pitchFamily="34" charset="-122"/>
-                <a:ea typeface="微软雅黑" pitchFamily="34" charset="-122"/>
-              </a:rPr>
-              <a:t>英文字母（数字）的文字变形动画</a:t>
+              <a:t>个英文字母和数字可以任意的相互变形，转换</a:t>
             </a:r>
             <a:r>
               <a:rPr lang="en-US" altLang="zh-CN" sz="2400" dirty="0" smtClean="0">
@@ -5862,44 +9600,8 @@
                 <a:latin typeface="微软雅黑" pitchFamily="34" charset="-122"/>
                 <a:ea typeface="微软雅黑" pitchFamily="34" charset="-122"/>
               </a:rPr>
-              <a:t>. 26</a:t>
-            </a:r>
-            <a:r>
-              <a:rPr lang="zh-CN" altLang="en-US" sz="2400" dirty="0" smtClean="0">
-                <a:solidFill>
-                  <a:schemeClr val="tx1">
-                    <a:lumMod val="75000"/>
-                    <a:lumOff val="25000"/>
-                  </a:schemeClr>
-                </a:solidFill>
-                <a:latin typeface="微软雅黑" pitchFamily="34" charset="-122"/>
-                <a:ea typeface="微软雅黑" pitchFamily="34" charset="-122"/>
-              </a:rPr>
-              <a:t>个英文字母和数字可以任意的相互变形，转换</a:t>
-            </a:r>
-            <a:r>
-              <a:rPr lang="en-US" altLang="zh-CN" sz="2400" dirty="0" smtClean="0">
-                <a:solidFill>
-                  <a:schemeClr val="tx1">
-                    <a:lumMod val="75000"/>
-                    <a:lumOff val="25000"/>
-                  </a:schemeClr>
-                </a:solidFill>
-                <a:latin typeface="微软雅黑" pitchFamily="34" charset="-122"/>
-                <a:ea typeface="微软雅黑" pitchFamily="34" charset="-122"/>
-              </a:rPr>
               <a:t>.</a:t>
             </a:r>
-            <a:endParaRPr lang="en-US" altLang="zh-CN" sz="2400" dirty="0" smtClean="0">
-              <a:solidFill>
-                <a:schemeClr val="tx1">
-                  <a:lumMod val="75000"/>
-                  <a:lumOff val="25000"/>
-                </a:schemeClr>
-              </a:solidFill>
-              <a:latin typeface="微软雅黑" pitchFamily="34" charset="-122"/>
-              <a:ea typeface="微软雅黑" pitchFamily="34" charset="-122"/>
-            </a:endParaRPr>
           </a:p>
         </p:txBody>
       </p:sp>
@@ -6073,6 +9775,2706 @@
 </p:sld>
 </file>
 
+<file path=ppt/slides/slide20.xml><?xml version="1.0" encoding="utf-8"?>
+<p:sld xmlns:a="http://schemas.openxmlformats.org/drawingml/2006/main" xmlns:r="http://schemas.openxmlformats.org/officeDocument/2006/relationships" xmlns:p="http://schemas.openxmlformats.org/presentationml/2006/main">
+  <p:cSld>
+    <p:spTree>
+      <p:nvGrpSpPr>
+        <p:cNvPr id="1" name=""/>
+        <p:cNvGrpSpPr/>
+        <p:nvPr/>
+      </p:nvGrpSpPr>
+      <p:grpSpPr>
+        <a:xfrm>
+          <a:off x="0" y="0"/>
+          <a:ext cx="0" cy="0"/>
+          <a:chOff x="0" y="0"/>
+          <a:chExt cx="0" cy="0"/>
+        </a:xfrm>
+      </p:grpSpPr>
+      <p:pic>
+        <p:nvPicPr>
+          <p:cNvPr id="2" name="图片 1" descr="屏幕剪辑"/>
+          <p:cNvPicPr>
+            <a:picLocks noChangeAspect="1"/>
+          </p:cNvPicPr>
+          <p:nvPr/>
+        </p:nvPicPr>
+        <p:blipFill>
+          <a:blip r:embed="rId2">
+            <a:extLst>
+              <a:ext uri="{28A0092B-C50C-407E-A947-70E740481C1C}">
+                <a14:useLocalDpi xmlns:a14="http://schemas.microsoft.com/office/drawing/2010/main" val="0"/>
+              </a:ext>
+            </a:extLst>
+          </a:blip>
+          <a:stretch>
+            <a:fillRect/>
+          </a:stretch>
+        </p:blipFill>
+        <p:spPr>
+          <a:xfrm>
+            <a:off x="971600" y="1052736"/>
+            <a:ext cx="4877481" cy="5087060"/>
+          </a:xfrm>
+          <a:prstGeom prst="rect">
+            <a:avLst/>
+          </a:prstGeom>
+          <a:ln>
+            <a:noFill/>
+          </a:ln>
+          <a:effectLst>
+            <a:outerShdw blurRad="292100" dist="139700" dir="2700000" algn="tl" rotWithShape="0">
+              <a:srgbClr val="333333">
+                <a:alpha val="65000"/>
+              </a:srgbClr>
+            </a:outerShdw>
+          </a:effectLst>
+        </p:spPr>
+      </p:pic>
+      <p:sp>
+        <p:nvSpPr>
+          <p:cNvPr id="3" name="圆角矩形标注 2"/>
+          <p:cNvSpPr/>
+          <p:nvPr/>
+        </p:nvSpPr>
+        <p:spPr>
+          <a:xfrm>
+            <a:off x="1619672" y="356990"/>
+            <a:ext cx="3456384" cy="480716"/>
+          </a:xfrm>
+          <a:prstGeom prst="wedgeRoundRectCallout">
+            <a:avLst>
+              <a:gd name="adj1" fmla="val -9481"/>
+              <a:gd name="adj2" fmla="val 88549"/>
+              <a:gd name="adj3" fmla="val 16667"/>
+            </a:avLst>
+          </a:prstGeom>
+        </p:spPr>
+        <p:style>
+          <a:lnRef idx="2">
+            <a:schemeClr val="accent6"/>
+          </a:lnRef>
+          <a:fillRef idx="1">
+            <a:schemeClr val="lt1"/>
+          </a:fillRef>
+          <a:effectRef idx="0">
+            <a:schemeClr val="accent6"/>
+          </a:effectRef>
+          <a:fontRef idx="minor">
+            <a:schemeClr val="dk1"/>
+          </a:fontRef>
+        </p:style>
+        <p:txBody>
+          <a:bodyPr rtlCol="0" anchor="ctr"/>
+          <a:lstStyle/>
+          <a:p>
+            <a:pPr>
+              <a:lnSpc>
+                <a:spcPct val="150000"/>
+              </a:lnSpc>
+            </a:pPr>
+            <a:r>
+              <a:rPr lang="zh-CN" altLang="en-US" sz="2000" dirty="0" smtClean="0">
+                <a:solidFill>
+                  <a:schemeClr val="tx1">
+                    <a:lumMod val="75000"/>
+                    <a:lumOff val="25000"/>
+                  </a:schemeClr>
+                </a:solidFill>
+                <a:latin typeface="微软雅黑" pitchFamily="34" charset="-122"/>
+                <a:ea typeface="微软雅黑" pitchFamily="34" charset="-122"/>
+              </a:rPr>
+              <a:t>将指令改为绝对坐标的</a:t>
+            </a:r>
+            <a:r>
+              <a:rPr lang="en-US" altLang="zh-CN" sz="2000" dirty="0" smtClean="0">
+                <a:solidFill>
+                  <a:schemeClr val="tx1">
+                    <a:lumMod val="75000"/>
+                    <a:lumOff val="25000"/>
+                  </a:schemeClr>
+                </a:solidFill>
+                <a:latin typeface="微软雅黑" pitchFamily="34" charset="-122"/>
+                <a:ea typeface="微软雅黑" pitchFamily="34" charset="-122"/>
+              </a:rPr>
+              <a:t>C</a:t>
+            </a:r>
+            <a:r>
+              <a:rPr lang="zh-CN" altLang="en-US" sz="2000" dirty="0" smtClean="0">
+                <a:solidFill>
+                  <a:schemeClr val="tx1">
+                    <a:lumMod val="75000"/>
+                    <a:lumOff val="25000"/>
+                  </a:schemeClr>
+                </a:solidFill>
+                <a:latin typeface="微软雅黑" pitchFamily="34" charset="-122"/>
+                <a:ea typeface="微软雅黑" pitchFamily="34" charset="-122"/>
+              </a:rPr>
+              <a:t>指令</a:t>
+            </a:r>
+            <a:endParaRPr lang="en-US" altLang="zh-CN" sz="2000" dirty="0">
+              <a:solidFill>
+                <a:schemeClr val="tx1">
+                  <a:lumMod val="75000"/>
+                  <a:lumOff val="25000"/>
+                </a:schemeClr>
+              </a:solidFill>
+              <a:latin typeface="微软雅黑" pitchFamily="34" charset="-122"/>
+              <a:ea typeface="微软雅黑" pitchFamily="34" charset="-122"/>
+            </a:endParaRPr>
+          </a:p>
+        </p:txBody>
+      </p:sp>
+      <p:sp>
+        <p:nvSpPr>
+          <p:cNvPr id="4" name="圆角矩形标注 3"/>
+          <p:cNvSpPr/>
+          <p:nvPr/>
+        </p:nvSpPr>
+        <p:spPr>
+          <a:xfrm>
+            <a:off x="3635895" y="2492896"/>
+            <a:ext cx="2520281" cy="864096"/>
+          </a:xfrm>
+          <a:prstGeom prst="wedgeRoundRectCallout">
+            <a:avLst>
+              <a:gd name="adj1" fmla="val -69971"/>
+              <a:gd name="adj2" fmla="val 17459"/>
+              <a:gd name="adj3" fmla="val 16667"/>
+            </a:avLst>
+          </a:prstGeom>
+        </p:spPr>
+        <p:style>
+          <a:lnRef idx="2">
+            <a:schemeClr val="accent5"/>
+          </a:lnRef>
+          <a:fillRef idx="1">
+            <a:schemeClr val="lt1"/>
+          </a:fillRef>
+          <a:effectRef idx="0">
+            <a:schemeClr val="accent5"/>
+          </a:effectRef>
+          <a:fontRef idx="minor">
+            <a:schemeClr val="dk1"/>
+          </a:fontRef>
+        </p:style>
+        <p:txBody>
+          <a:bodyPr rtlCol="0" anchor="ctr"/>
+          <a:lstStyle/>
+          <a:p>
+            <a:pPr>
+              <a:lnSpc>
+                <a:spcPct val="150000"/>
+              </a:lnSpc>
+            </a:pPr>
+            <a:r>
+              <a:rPr lang="zh-CN" altLang="en-US" sz="2000" dirty="0" smtClean="0">
+                <a:solidFill>
+                  <a:schemeClr val="tx1">
+                    <a:lumMod val="75000"/>
+                    <a:lumOff val="25000"/>
+                  </a:schemeClr>
+                </a:solidFill>
+                <a:latin typeface="微软雅黑" pitchFamily="34" charset="-122"/>
+                <a:ea typeface="微软雅黑" pitchFamily="34" charset="-122"/>
+              </a:rPr>
+              <a:t>针对不同的指令，采用不同转换方式</a:t>
+            </a:r>
+            <a:endParaRPr lang="en-US" altLang="zh-CN" sz="2000" dirty="0">
+              <a:solidFill>
+                <a:schemeClr val="tx1">
+                  <a:lumMod val="75000"/>
+                  <a:lumOff val="25000"/>
+                </a:schemeClr>
+              </a:solidFill>
+              <a:latin typeface="微软雅黑" pitchFamily="34" charset="-122"/>
+              <a:ea typeface="微软雅黑" pitchFamily="34" charset="-122"/>
+            </a:endParaRPr>
+          </a:p>
+        </p:txBody>
+      </p:sp>
+    </p:spTree>
+    <p:extLst>
+      <p:ext uri="{BB962C8B-B14F-4D97-AF65-F5344CB8AC3E}">
+        <p14:creationId xmlns:p14="http://schemas.microsoft.com/office/powerpoint/2010/main" val="1675595037"/>
+      </p:ext>
+    </p:extLst>
+  </p:cSld>
+  <p:clrMapOvr>
+    <a:masterClrMapping/>
+  </p:clrMapOvr>
+</p:sld>
+</file>
+
+<file path=ppt/slides/slide21.xml><?xml version="1.0" encoding="utf-8"?>
+<p:sld xmlns:a="http://schemas.openxmlformats.org/drawingml/2006/main" xmlns:r="http://schemas.openxmlformats.org/officeDocument/2006/relationships" xmlns:p="http://schemas.openxmlformats.org/presentationml/2006/main">
+  <p:cSld>
+    <p:spTree>
+      <p:nvGrpSpPr>
+        <p:cNvPr id="1" name=""/>
+        <p:cNvGrpSpPr/>
+        <p:nvPr/>
+      </p:nvGrpSpPr>
+      <p:grpSpPr>
+        <a:xfrm>
+          <a:off x="0" y="0"/>
+          <a:ext cx="0" cy="0"/>
+          <a:chOff x="0" y="0"/>
+          <a:chExt cx="0" cy="0"/>
+        </a:xfrm>
+      </p:grpSpPr>
+      <p:pic>
+        <p:nvPicPr>
+          <p:cNvPr id="2" name="图片 1" descr="屏幕剪辑"/>
+          <p:cNvPicPr>
+            <a:picLocks noChangeAspect="1"/>
+          </p:cNvPicPr>
+          <p:nvPr/>
+        </p:nvPicPr>
+        <p:blipFill>
+          <a:blip r:embed="rId2">
+            <a:extLst>
+              <a:ext uri="{28A0092B-C50C-407E-A947-70E740481C1C}">
+                <a14:useLocalDpi xmlns:a14="http://schemas.microsoft.com/office/drawing/2010/main" val="0"/>
+              </a:ext>
+            </a:extLst>
+          </a:blip>
+          <a:stretch>
+            <a:fillRect/>
+          </a:stretch>
+        </p:blipFill>
+        <p:spPr>
+          <a:xfrm>
+            <a:off x="1187624" y="548680"/>
+            <a:ext cx="4058216" cy="1743318"/>
+          </a:xfrm>
+          <a:prstGeom prst="rect">
+            <a:avLst/>
+          </a:prstGeom>
+          <a:ln>
+            <a:noFill/>
+          </a:ln>
+          <a:effectLst>
+            <a:outerShdw blurRad="292100" dist="139700" dir="2700000" algn="tl" rotWithShape="0">
+              <a:srgbClr val="333333">
+                <a:alpha val="65000"/>
+              </a:srgbClr>
+            </a:outerShdw>
+          </a:effectLst>
+        </p:spPr>
+      </p:pic>
+      <p:sp>
+        <p:nvSpPr>
+          <p:cNvPr id="3" name="圆角矩形标注 2"/>
+          <p:cNvSpPr/>
+          <p:nvPr/>
+        </p:nvSpPr>
+        <p:spPr>
+          <a:xfrm>
+            <a:off x="5245841" y="764704"/>
+            <a:ext cx="2134472" cy="864096"/>
+          </a:xfrm>
+          <a:prstGeom prst="wedgeRoundRectCallout">
+            <a:avLst>
+              <a:gd name="adj1" fmla="val -59101"/>
+              <a:gd name="adj2" fmla="val 11141"/>
+              <a:gd name="adj3" fmla="val 16667"/>
+            </a:avLst>
+          </a:prstGeom>
+        </p:spPr>
+        <p:style>
+          <a:lnRef idx="2">
+            <a:schemeClr val="accent5"/>
+          </a:lnRef>
+          <a:fillRef idx="1">
+            <a:schemeClr val="lt1"/>
+          </a:fillRef>
+          <a:effectRef idx="0">
+            <a:schemeClr val="accent5"/>
+          </a:effectRef>
+          <a:fontRef idx="minor">
+            <a:schemeClr val="dk1"/>
+          </a:fontRef>
+        </p:style>
+        <p:txBody>
+          <a:bodyPr rtlCol="0" anchor="ctr"/>
+          <a:lstStyle/>
+          <a:p>
+            <a:pPr>
+              <a:lnSpc>
+                <a:spcPct val="150000"/>
+              </a:lnSpc>
+            </a:pPr>
+            <a:r>
+              <a:rPr lang="zh-CN" altLang="en-US" sz="2000" dirty="0" smtClean="0">
+                <a:solidFill>
+                  <a:schemeClr val="tx1">
+                    <a:lumMod val="75000"/>
+                    <a:lumOff val="25000"/>
+                  </a:schemeClr>
+                </a:solidFill>
+                <a:latin typeface="微软雅黑" pitchFamily="34" charset="-122"/>
+                <a:ea typeface="微软雅黑" pitchFamily="34" charset="-122"/>
+              </a:rPr>
+              <a:t>转换函数，具体请参考源代码</a:t>
+            </a:r>
+            <a:endParaRPr lang="en-US" altLang="zh-CN" sz="2000" dirty="0">
+              <a:solidFill>
+                <a:schemeClr val="tx1">
+                  <a:lumMod val="75000"/>
+                  <a:lumOff val="25000"/>
+                </a:schemeClr>
+              </a:solidFill>
+              <a:latin typeface="微软雅黑" pitchFamily="34" charset="-122"/>
+              <a:ea typeface="微软雅黑" pitchFamily="34" charset="-122"/>
+            </a:endParaRPr>
+          </a:p>
+        </p:txBody>
+      </p:sp>
+      <p:pic>
+        <p:nvPicPr>
+          <p:cNvPr id="7" name="图片 6" descr="屏幕剪辑"/>
+          <p:cNvPicPr>
+            <a:picLocks noChangeAspect="1"/>
+          </p:cNvPicPr>
+          <p:nvPr/>
+        </p:nvPicPr>
+        <p:blipFill>
+          <a:blip r:embed="rId3">
+            <a:extLst>
+              <a:ext uri="{28A0092B-C50C-407E-A947-70E740481C1C}">
+                <a14:useLocalDpi xmlns:a14="http://schemas.microsoft.com/office/drawing/2010/main" val="0"/>
+              </a:ext>
+            </a:extLst>
+          </a:blip>
+          <a:stretch>
+            <a:fillRect/>
+          </a:stretch>
+        </p:blipFill>
+        <p:spPr>
+          <a:xfrm>
+            <a:off x="1547664" y="2809788"/>
+            <a:ext cx="2257740" cy="1238423"/>
+          </a:xfrm>
+          <a:prstGeom prst="rect">
+            <a:avLst/>
+          </a:prstGeom>
+          <a:ln>
+            <a:noFill/>
+          </a:ln>
+          <a:effectLst>
+            <a:outerShdw blurRad="292100" dist="139700" dir="2700000" algn="tl" rotWithShape="0">
+              <a:srgbClr val="333333">
+                <a:alpha val="65000"/>
+              </a:srgbClr>
+            </a:outerShdw>
+          </a:effectLst>
+        </p:spPr>
+      </p:pic>
+      <p:pic>
+        <p:nvPicPr>
+          <p:cNvPr id="8" name="图片 7" descr="屏幕剪辑"/>
+          <p:cNvPicPr>
+            <a:picLocks noChangeAspect="1"/>
+          </p:cNvPicPr>
+          <p:nvPr/>
+        </p:nvPicPr>
+        <p:blipFill>
+          <a:blip r:embed="rId4">
+            <a:extLst>
+              <a:ext uri="{28A0092B-C50C-407E-A947-70E740481C1C}">
+                <a14:useLocalDpi xmlns:a14="http://schemas.microsoft.com/office/drawing/2010/main" val="0"/>
+              </a:ext>
+            </a:extLst>
+          </a:blip>
+          <a:stretch>
+            <a:fillRect/>
+          </a:stretch>
+        </p:blipFill>
+        <p:spPr>
+          <a:xfrm>
+            <a:off x="5245840" y="2708920"/>
+            <a:ext cx="2410161" cy="2105319"/>
+          </a:xfrm>
+          <a:prstGeom prst="rect">
+            <a:avLst/>
+          </a:prstGeom>
+          <a:ln>
+            <a:noFill/>
+          </a:ln>
+          <a:effectLst>
+            <a:outerShdw blurRad="292100" dist="139700" dir="2700000" algn="tl" rotWithShape="0">
+              <a:srgbClr val="333333">
+                <a:alpha val="65000"/>
+              </a:srgbClr>
+            </a:outerShdw>
+          </a:effectLst>
+        </p:spPr>
+      </p:pic>
+      <p:sp>
+        <p:nvSpPr>
+          <p:cNvPr id="9" name="左箭头 8"/>
+          <p:cNvSpPr/>
+          <p:nvPr/>
+        </p:nvSpPr>
+        <p:spPr>
+          <a:xfrm rot="10800000">
+            <a:off x="4355976" y="3284984"/>
+            <a:ext cx="576064" cy="432048"/>
+          </a:xfrm>
+          <a:prstGeom prst="leftArrow">
+            <a:avLst/>
+          </a:prstGeom>
+        </p:spPr>
+        <p:style>
+          <a:lnRef idx="2">
+            <a:schemeClr val="accent2"/>
+          </a:lnRef>
+          <a:fillRef idx="1">
+            <a:schemeClr val="lt1"/>
+          </a:fillRef>
+          <a:effectRef idx="0">
+            <a:schemeClr val="accent2"/>
+          </a:effectRef>
+          <a:fontRef idx="minor">
+            <a:schemeClr val="dk1"/>
+          </a:fontRef>
+        </p:style>
+        <p:txBody>
+          <a:bodyPr rtlCol="0" anchor="ctr"/>
+          <a:lstStyle/>
+          <a:p>
+            <a:pPr algn="ctr"/>
+            <a:endParaRPr lang="zh-CN" altLang="en-US"/>
+          </a:p>
+        </p:txBody>
+      </p:sp>
+    </p:spTree>
+    <p:extLst>
+      <p:ext uri="{BB962C8B-B14F-4D97-AF65-F5344CB8AC3E}">
+        <p14:creationId xmlns:p14="http://schemas.microsoft.com/office/powerpoint/2010/main" val="2285073015"/>
+      </p:ext>
+    </p:extLst>
+  </p:cSld>
+  <p:clrMapOvr>
+    <a:masterClrMapping/>
+  </p:clrMapOvr>
+</p:sld>
+</file>
+
+<file path=ppt/slides/slide22.xml><?xml version="1.0" encoding="utf-8"?>
+<p:sld xmlns:a="http://schemas.openxmlformats.org/drawingml/2006/main" xmlns:r="http://schemas.openxmlformats.org/officeDocument/2006/relationships" xmlns:p="http://schemas.openxmlformats.org/presentationml/2006/main">
+  <p:cSld>
+    <p:spTree>
+      <p:nvGrpSpPr>
+        <p:cNvPr id="1" name=""/>
+        <p:cNvGrpSpPr/>
+        <p:nvPr/>
+      </p:nvGrpSpPr>
+      <p:grpSpPr>
+        <a:xfrm>
+          <a:off x="0" y="0"/>
+          <a:ext cx="0" cy="0"/>
+          <a:chOff x="0" y="0"/>
+          <a:chExt cx="0" cy="0"/>
+        </a:xfrm>
+      </p:grpSpPr>
+      <p:sp>
+        <p:nvSpPr>
+          <p:cNvPr id="4" name="TextBox 3"/>
+          <p:cNvSpPr txBox="1"/>
+          <p:nvPr/>
+        </p:nvSpPr>
+        <p:spPr>
+          <a:xfrm>
+            <a:off x="684000" y="260648"/>
+            <a:ext cx="7776000" cy="2862322"/>
+          </a:xfrm>
+          <a:prstGeom prst="rect">
+            <a:avLst/>
+          </a:prstGeom>
+          <a:noFill/>
+        </p:spPr>
+        <p:txBody>
+          <a:bodyPr wrap="square" rtlCol="0">
+            <a:spAutoFit/>
+          </a:bodyPr>
+          <a:lstStyle/>
+          <a:p>
+            <a:pPr>
+              <a:lnSpc>
+                <a:spcPct val="150000"/>
+              </a:lnSpc>
+            </a:pPr>
+            <a:r>
+              <a:rPr lang="en-US" altLang="zh-CN" sz="2400" b="1" dirty="0" smtClean="0">
+                <a:solidFill>
+                  <a:schemeClr val="tx1">
+                    <a:lumMod val="75000"/>
+                    <a:lumOff val="25000"/>
+                  </a:schemeClr>
+                </a:solidFill>
+                <a:latin typeface="微软雅黑" pitchFamily="34" charset="-122"/>
+                <a:ea typeface="微软雅黑" pitchFamily="34" charset="-122"/>
+              </a:rPr>
+              <a:t>5-c </a:t>
+            </a:r>
+            <a:r>
+              <a:rPr lang="zh-CN" altLang="en-US" sz="2400" b="1" dirty="0" smtClean="0">
+                <a:solidFill>
+                  <a:schemeClr val="tx1">
+                    <a:lumMod val="75000"/>
+                    <a:lumOff val="25000"/>
+                  </a:schemeClr>
+                </a:solidFill>
+                <a:latin typeface="微软雅黑" pitchFamily="34" charset="-122"/>
+                <a:ea typeface="微软雅黑" pitchFamily="34" charset="-122"/>
+              </a:rPr>
+              <a:t>增加路径和指令数目到</a:t>
+            </a:r>
+            <a:r>
+              <a:rPr lang="zh-CN" altLang="en-US" sz="2400" b="1" dirty="0" smtClean="0">
+                <a:solidFill>
+                  <a:schemeClr val="tx1">
+                    <a:lumMod val="75000"/>
+                    <a:lumOff val="25000"/>
+                  </a:schemeClr>
+                </a:solidFill>
+                <a:latin typeface="微软雅黑" pitchFamily="34" charset="-122"/>
+                <a:ea typeface="微软雅黑" pitchFamily="34" charset="-122"/>
+              </a:rPr>
+              <a:t>最大</a:t>
+            </a:r>
+            <a:endParaRPr lang="en-US" altLang="zh-CN" sz="2400" b="1" dirty="0" smtClean="0">
+              <a:solidFill>
+                <a:schemeClr val="tx1">
+                  <a:lumMod val="75000"/>
+                  <a:lumOff val="25000"/>
+                </a:schemeClr>
+              </a:solidFill>
+              <a:latin typeface="微软雅黑" pitchFamily="34" charset="-122"/>
+              <a:ea typeface="微软雅黑" pitchFamily="34" charset="-122"/>
+            </a:endParaRPr>
+          </a:p>
+          <a:p>
+            <a:pPr>
+              <a:lnSpc>
+                <a:spcPct val="150000"/>
+              </a:lnSpc>
+            </a:pPr>
+            <a:r>
+              <a:rPr lang="zh-CN" altLang="en-US" sz="2400" dirty="0" smtClean="0">
+                <a:solidFill>
+                  <a:schemeClr val="tx1">
+                    <a:lumMod val="75000"/>
+                    <a:lumOff val="25000"/>
+                  </a:schemeClr>
+                </a:solidFill>
+                <a:latin typeface="微软雅黑" pitchFamily="34" charset="-122"/>
+                <a:ea typeface="微软雅黑" pitchFamily="34" charset="-122"/>
+              </a:rPr>
+              <a:t>将指令全部改成大写的绝对坐标，并且都是</a:t>
+            </a:r>
+            <a:r>
+              <a:rPr lang="en-US" altLang="zh-CN" sz="2400" dirty="0" smtClean="0">
+                <a:solidFill>
+                  <a:schemeClr val="tx1">
+                    <a:lumMod val="75000"/>
+                    <a:lumOff val="25000"/>
+                  </a:schemeClr>
+                </a:solidFill>
+                <a:latin typeface="微软雅黑" pitchFamily="34" charset="-122"/>
+                <a:ea typeface="微软雅黑" pitchFamily="34" charset="-122"/>
+              </a:rPr>
+              <a:t>C</a:t>
+            </a:r>
+            <a:r>
+              <a:rPr lang="zh-CN" altLang="en-US" sz="2400" dirty="0" smtClean="0">
+                <a:solidFill>
+                  <a:schemeClr val="tx1">
+                    <a:lumMod val="75000"/>
+                    <a:lumOff val="25000"/>
+                  </a:schemeClr>
+                </a:solidFill>
+                <a:latin typeface="微软雅黑" pitchFamily="34" charset="-122"/>
+                <a:ea typeface="微软雅黑" pitchFamily="34" charset="-122"/>
+              </a:rPr>
+              <a:t>指令之后，我们将统一路径数量和路径中的指令数目</a:t>
+            </a:r>
+            <a:r>
+              <a:rPr lang="en-US" altLang="zh-CN" sz="2400" dirty="0">
+                <a:solidFill>
+                  <a:schemeClr val="tx1">
+                    <a:lumMod val="75000"/>
+                    <a:lumOff val="25000"/>
+                  </a:schemeClr>
+                </a:solidFill>
+                <a:latin typeface="微软雅黑" pitchFamily="34" charset="-122"/>
+                <a:ea typeface="微软雅黑" pitchFamily="34" charset="-122"/>
+              </a:rPr>
+              <a:t>(</a:t>
+            </a:r>
+            <a:r>
+              <a:rPr lang="zh-CN" altLang="en-US" sz="2400" dirty="0" smtClean="0">
+                <a:solidFill>
+                  <a:schemeClr val="tx1">
+                    <a:lumMod val="75000"/>
+                    <a:lumOff val="25000"/>
+                  </a:schemeClr>
+                </a:solidFill>
+                <a:latin typeface="微软雅黑" pitchFamily="34" charset="-122"/>
+                <a:ea typeface="微软雅黑" pitchFamily="34" charset="-122"/>
+              </a:rPr>
+              <a:t>在遍历解析指令的过程中，已经记录了指令的最大路径和最大指令数目</a:t>
+            </a:r>
+            <a:r>
+              <a:rPr lang="en-US" altLang="zh-CN" sz="2400" dirty="0" smtClean="0">
+                <a:solidFill>
+                  <a:schemeClr val="tx1">
+                    <a:lumMod val="75000"/>
+                    <a:lumOff val="25000"/>
+                  </a:schemeClr>
+                </a:solidFill>
+                <a:latin typeface="微软雅黑" pitchFamily="34" charset="-122"/>
+                <a:ea typeface="微软雅黑" pitchFamily="34" charset="-122"/>
+              </a:rPr>
+              <a:t>).</a:t>
+            </a:r>
+            <a:endParaRPr lang="en-US" altLang="zh-CN" sz="2400" dirty="0">
+              <a:solidFill>
+                <a:schemeClr val="tx1">
+                  <a:lumMod val="75000"/>
+                  <a:lumOff val="25000"/>
+                </a:schemeClr>
+              </a:solidFill>
+              <a:latin typeface="微软雅黑" pitchFamily="34" charset="-122"/>
+              <a:ea typeface="微软雅黑" pitchFamily="34" charset="-122"/>
+            </a:endParaRPr>
+          </a:p>
+        </p:txBody>
+      </p:sp>
+      <p:pic>
+        <p:nvPicPr>
+          <p:cNvPr id="2" name="图片 1" descr="屏幕剪辑"/>
+          <p:cNvPicPr>
+            <a:picLocks noChangeAspect="1"/>
+          </p:cNvPicPr>
+          <p:nvPr/>
+        </p:nvPicPr>
+        <p:blipFill>
+          <a:blip r:embed="rId2">
+            <a:extLst>
+              <a:ext uri="{28A0092B-C50C-407E-A947-70E740481C1C}">
+                <a14:useLocalDpi xmlns:a14="http://schemas.microsoft.com/office/drawing/2010/main" val="0"/>
+              </a:ext>
+            </a:extLst>
+          </a:blip>
+          <a:stretch>
+            <a:fillRect/>
+          </a:stretch>
+        </p:blipFill>
+        <p:spPr>
+          <a:xfrm>
+            <a:off x="1043608" y="3088297"/>
+            <a:ext cx="6763694" cy="3458058"/>
+          </a:xfrm>
+          <a:prstGeom prst="rect">
+            <a:avLst/>
+          </a:prstGeom>
+          <a:ln>
+            <a:noFill/>
+          </a:ln>
+          <a:effectLst>
+            <a:outerShdw blurRad="292100" dist="139700" dir="2700000" algn="tl" rotWithShape="0">
+              <a:srgbClr val="333333">
+                <a:alpha val="65000"/>
+              </a:srgbClr>
+            </a:outerShdw>
+          </a:effectLst>
+        </p:spPr>
+      </p:pic>
+      <p:sp>
+        <p:nvSpPr>
+          <p:cNvPr id="5" name="圆角矩形标注 4"/>
+          <p:cNvSpPr/>
+          <p:nvPr/>
+        </p:nvSpPr>
+        <p:spPr>
+          <a:xfrm>
+            <a:off x="5153009" y="4853936"/>
+            <a:ext cx="1867263" cy="480716"/>
+          </a:xfrm>
+          <a:prstGeom prst="wedgeRoundRectCallout">
+            <a:avLst>
+              <a:gd name="adj1" fmla="val -41246"/>
+              <a:gd name="adj2" fmla="val -61921"/>
+              <a:gd name="adj3" fmla="val 16667"/>
+            </a:avLst>
+          </a:prstGeom>
+        </p:spPr>
+        <p:style>
+          <a:lnRef idx="2">
+            <a:schemeClr val="accent5"/>
+          </a:lnRef>
+          <a:fillRef idx="1">
+            <a:schemeClr val="lt1"/>
+          </a:fillRef>
+          <a:effectRef idx="0">
+            <a:schemeClr val="accent5"/>
+          </a:effectRef>
+          <a:fontRef idx="minor">
+            <a:schemeClr val="dk1"/>
+          </a:fontRef>
+        </p:style>
+        <p:txBody>
+          <a:bodyPr rtlCol="0" anchor="ctr"/>
+          <a:lstStyle/>
+          <a:p>
+            <a:pPr>
+              <a:lnSpc>
+                <a:spcPct val="150000"/>
+              </a:lnSpc>
+            </a:pPr>
+            <a:r>
+              <a:rPr lang="zh-CN" altLang="en-US" sz="2000" dirty="0" smtClean="0">
+                <a:solidFill>
+                  <a:schemeClr val="tx1">
+                    <a:lumMod val="75000"/>
+                    <a:lumOff val="25000"/>
+                  </a:schemeClr>
+                </a:solidFill>
+                <a:latin typeface="微软雅黑" pitchFamily="34" charset="-122"/>
+                <a:ea typeface="微软雅黑" pitchFamily="34" charset="-122"/>
+              </a:rPr>
+              <a:t>增加拷贝路径</a:t>
+            </a:r>
+            <a:endParaRPr lang="en-US" altLang="zh-CN" sz="2000" dirty="0">
+              <a:solidFill>
+                <a:schemeClr val="tx1">
+                  <a:lumMod val="75000"/>
+                  <a:lumOff val="25000"/>
+                </a:schemeClr>
+              </a:solidFill>
+              <a:latin typeface="微软雅黑" pitchFamily="34" charset="-122"/>
+              <a:ea typeface="微软雅黑" pitchFamily="34" charset="-122"/>
+            </a:endParaRPr>
+          </a:p>
+        </p:txBody>
+      </p:sp>
+      <p:sp>
+        <p:nvSpPr>
+          <p:cNvPr id="6" name="圆角矩形标注 5"/>
+          <p:cNvSpPr/>
+          <p:nvPr/>
+        </p:nvSpPr>
+        <p:spPr>
+          <a:xfrm>
+            <a:off x="2267744" y="6021288"/>
+            <a:ext cx="3096344" cy="480716"/>
+          </a:xfrm>
+          <a:prstGeom prst="wedgeRoundRectCallout">
+            <a:avLst>
+              <a:gd name="adj1" fmla="val -31744"/>
+              <a:gd name="adj2" fmla="val -78955"/>
+              <a:gd name="adj3" fmla="val 16667"/>
+            </a:avLst>
+          </a:prstGeom>
+        </p:spPr>
+        <p:style>
+          <a:lnRef idx="2">
+            <a:schemeClr val="accent5"/>
+          </a:lnRef>
+          <a:fillRef idx="1">
+            <a:schemeClr val="lt1"/>
+          </a:fillRef>
+          <a:effectRef idx="0">
+            <a:schemeClr val="accent5"/>
+          </a:effectRef>
+          <a:fontRef idx="minor">
+            <a:schemeClr val="dk1"/>
+          </a:fontRef>
+        </p:style>
+        <p:txBody>
+          <a:bodyPr rtlCol="0" anchor="ctr"/>
+          <a:lstStyle/>
+          <a:p>
+            <a:pPr>
+              <a:lnSpc>
+                <a:spcPct val="150000"/>
+              </a:lnSpc>
+            </a:pPr>
+            <a:r>
+              <a:rPr lang="zh-CN" altLang="en-US" sz="2000" dirty="0" smtClean="0">
+                <a:solidFill>
+                  <a:schemeClr val="tx1">
+                    <a:lumMod val="75000"/>
+                    <a:lumOff val="25000"/>
+                  </a:schemeClr>
+                </a:solidFill>
+                <a:latin typeface="微软雅黑" pitchFamily="34" charset="-122"/>
+                <a:ea typeface="微软雅黑" pitchFamily="34" charset="-122"/>
+              </a:rPr>
+              <a:t>为每条路径增加指令点</a:t>
+            </a:r>
+            <a:endParaRPr lang="en-US" altLang="zh-CN" sz="2000" dirty="0">
+              <a:solidFill>
+                <a:schemeClr val="tx1">
+                  <a:lumMod val="75000"/>
+                  <a:lumOff val="25000"/>
+                </a:schemeClr>
+              </a:solidFill>
+              <a:latin typeface="微软雅黑" pitchFamily="34" charset="-122"/>
+              <a:ea typeface="微软雅黑" pitchFamily="34" charset="-122"/>
+            </a:endParaRPr>
+          </a:p>
+        </p:txBody>
+      </p:sp>
+    </p:spTree>
+    <p:extLst>
+      <p:ext uri="{BB962C8B-B14F-4D97-AF65-F5344CB8AC3E}">
+        <p14:creationId xmlns:p14="http://schemas.microsoft.com/office/powerpoint/2010/main" val="3799328196"/>
+      </p:ext>
+    </p:extLst>
+  </p:cSld>
+  <p:clrMapOvr>
+    <a:masterClrMapping/>
+  </p:clrMapOvr>
+  <p:timing>
+    <p:tnLst>
+      <p:par>
+        <p:cTn id="1" dur="indefinite" restart="never" nodeType="tmRoot"/>
+      </p:par>
+    </p:tnLst>
+  </p:timing>
+</p:sld>
+</file>
+
+<file path=ppt/slides/slide23.xml><?xml version="1.0" encoding="utf-8"?>
+<p:sld xmlns:a="http://schemas.openxmlformats.org/drawingml/2006/main" xmlns:r="http://schemas.openxmlformats.org/officeDocument/2006/relationships" xmlns:p="http://schemas.openxmlformats.org/presentationml/2006/main">
+  <p:cSld>
+    <p:spTree>
+      <p:nvGrpSpPr>
+        <p:cNvPr id="1" name=""/>
+        <p:cNvGrpSpPr/>
+        <p:nvPr/>
+      </p:nvGrpSpPr>
+      <p:grpSpPr>
+        <a:xfrm>
+          <a:off x="0" y="0"/>
+          <a:ext cx="0" cy="0"/>
+          <a:chOff x="0" y="0"/>
+          <a:chExt cx="0" cy="0"/>
+        </a:xfrm>
+      </p:grpSpPr>
+      <p:sp>
+        <p:nvSpPr>
+          <p:cNvPr id="2" name="TextBox 1"/>
+          <p:cNvSpPr txBox="1"/>
+          <p:nvPr/>
+        </p:nvSpPr>
+        <p:spPr>
+          <a:xfrm>
+            <a:off x="684000" y="260648"/>
+            <a:ext cx="7776000" cy="1754326"/>
+          </a:xfrm>
+          <a:prstGeom prst="rect">
+            <a:avLst/>
+          </a:prstGeom>
+          <a:noFill/>
+        </p:spPr>
+        <p:txBody>
+          <a:bodyPr wrap="square" rtlCol="0">
+            <a:spAutoFit/>
+          </a:bodyPr>
+          <a:lstStyle/>
+          <a:p>
+            <a:pPr>
+              <a:lnSpc>
+                <a:spcPct val="150000"/>
+              </a:lnSpc>
+            </a:pPr>
+            <a:r>
+              <a:rPr lang="zh-CN" altLang="en-US" sz="2400" dirty="0" smtClean="0">
+                <a:solidFill>
+                  <a:schemeClr val="tx1">
+                    <a:lumMod val="75000"/>
+                    <a:lumOff val="25000"/>
+                  </a:schemeClr>
+                </a:solidFill>
+                <a:latin typeface="微软雅黑" pitchFamily="34" charset="-122"/>
+                <a:ea typeface="微软雅黑" pitchFamily="34" charset="-122"/>
+              </a:rPr>
+              <a:t>如果路径小于最大路径数目，比如字母</a:t>
+            </a:r>
+            <a:r>
+              <a:rPr lang="en-US" altLang="zh-CN" sz="2400" dirty="0" smtClean="0">
+                <a:solidFill>
+                  <a:schemeClr val="tx1">
+                    <a:lumMod val="75000"/>
+                    <a:lumOff val="25000"/>
+                  </a:schemeClr>
+                </a:solidFill>
+                <a:latin typeface="微软雅黑" pitchFamily="34" charset="-122"/>
+                <a:ea typeface="微软雅黑" pitchFamily="34" charset="-122"/>
+              </a:rPr>
+              <a:t>O</a:t>
+            </a:r>
+            <a:r>
+              <a:rPr lang="zh-CN" altLang="en-US" sz="2400" dirty="0" smtClean="0">
+                <a:solidFill>
+                  <a:schemeClr val="tx1">
+                    <a:lumMod val="75000"/>
+                    <a:lumOff val="25000"/>
+                  </a:schemeClr>
+                </a:solidFill>
+                <a:latin typeface="微软雅黑" pitchFamily="34" charset="-122"/>
+                <a:ea typeface="微软雅黑" pitchFamily="34" charset="-122"/>
+              </a:rPr>
+              <a:t>的路径是</a:t>
+            </a:r>
+            <a:r>
+              <a:rPr lang="en-US" altLang="zh-CN" sz="2400" dirty="0" smtClean="0">
+                <a:solidFill>
+                  <a:schemeClr val="tx1">
+                    <a:lumMod val="75000"/>
+                    <a:lumOff val="25000"/>
+                  </a:schemeClr>
+                </a:solidFill>
+                <a:latin typeface="微软雅黑" pitchFamily="34" charset="-122"/>
+                <a:ea typeface="微软雅黑" pitchFamily="34" charset="-122"/>
+              </a:rPr>
+              <a:t>2</a:t>
+            </a:r>
+            <a:r>
+              <a:rPr lang="zh-CN" altLang="en-US" sz="2400" dirty="0" smtClean="0">
+                <a:solidFill>
+                  <a:schemeClr val="tx1">
+                    <a:lumMod val="75000"/>
+                    <a:lumOff val="25000"/>
+                  </a:schemeClr>
+                </a:solidFill>
+                <a:latin typeface="微软雅黑" pitchFamily="34" charset="-122"/>
+                <a:ea typeface="微软雅黑" pitchFamily="34" charset="-122"/>
+              </a:rPr>
+              <a:t>条，而字母</a:t>
+            </a:r>
+            <a:r>
+              <a:rPr lang="en-US" altLang="zh-CN" sz="2400" dirty="0" smtClean="0">
+                <a:solidFill>
+                  <a:schemeClr val="tx1">
+                    <a:lumMod val="75000"/>
+                    <a:lumOff val="25000"/>
+                  </a:schemeClr>
+                </a:solidFill>
+                <a:latin typeface="微软雅黑" pitchFamily="34" charset="-122"/>
+                <a:ea typeface="微软雅黑" pitchFamily="34" charset="-122"/>
+              </a:rPr>
+              <a:t>L</a:t>
+            </a:r>
+            <a:r>
+              <a:rPr lang="zh-CN" altLang="en-US" sz="2400" dirty="0" smtClean="0">
+                <a:solidFill>
+                  <a:schemeClr val="tx1">
+                    <a:lumMod val="75000"/>
+                    <a:lumOff val="25000"/>
+                  </a:schemeClr>
+                </a:solidFill>
+                <a:latin typeface="微软雅黑" pitchFamily="34" charset="-122"/>
+                <a:ea typeface="微软雅黑" pitchFamily="34" charset="-122"/>
+              </a:rPr>
+              <a:t>的路径只有一条，那就复制</a:t>
+            </a:r>
+            <a:r>
+              <a:rPr lang="en-US" altLang="zh-CN" sz="2400" dirty="0" smtClean="0">
+                <a:solidFill>
+                  <a:schemeClr val="tx1">
+                    <a:lumMod val="75000"/>
+                    <a:lumOff val="25000"/>
+                  </a:schemeClr>
+                </a:solidFill>
+                <a:latin typeface="微软雅黑" pitchFamily="34" charset="-122"/>
+                <a:ea typeface="微软雅黑" pitchFamily="34" charset="-122"/>
+              </a:rPr>
+              <a:t>L</a:t>
+            </a:r>
+            <a:r>
+              <a:rPr lang="zh-CN" altLang="en-US" sz="2400" dirty="0" smtClean="0">
+                <a:solidFill>
+                  <a:schemeClr val="tx1">
+                    <a:lumMod val="75000"/>
+                    <a:lumOff val="25000"/>
+                  </a:schemeClr>
+                </a:solidFill>
+                <a:latin typeface="微软雅黑" pitchFamily="34" charset="-122"/>
+                <a:ea typeface="微软雅黑" pitchFamily="34" charset="-122"/>
+              </a:rPr>
+              <a:t>的第一条路径，变成两条完全一样的</a:t>
+            </a:r>
+            <a:r>
+              <a:rPr lang="en-US" altLang="zh-CN" sz="2400" dirty="0" smtClean="0">
+                <a:solidFill>
+                  <a:schemeClr val="tx1">
+                    <a:lumMod val="75000"/>
+                    <a:lumOff val="25000"/>
+                  </a:schemeClr>
+                </a:solidFill>
+                <a:latin typeface="微软雅黑" pitchFamily="34" charset="-122"/>
+                <a:ea typeface="微软雅黑" pitchFamily="34" charset="-122"/>
+              </a:rPr>
+              <a:t>. </a:t>
+            </a:r>
+            <a:endParaRPr lang="en-US" altLang="zh-CN" sz="2400" dirty="0">
+              <a:solidFill>
+                <a:schemeClr val="tx1">
+                  <a:lumMod val="75000"/>
+                  <a:lumOff val="25000"/>
+                </a:schemeClr>
+              </a:solidFill>
+              <a:latin typeface="微软雅黑" pitchFamily="34" charset="-122"/>
+              <a:ea typeface="微软雅黑" pitchFamily="34" charset="-122"/>
+            </a:endParaRPr>
+          </a:p>
+        </p:txBody>
+      </p:sp>
+      <p:pic>
+        <p:nvPicPr>
+          <p:cNvPr id="3" name="图片 2" descr="屏幕剪辑"/>
+          <p:cNvPicPr>
+            <a:picLocks noChangeAspect="1"/>
+          </p:cNvPicPr>
+          <p:nvPr/>
+        </p:nvPicPr>
+        <p:blipFill>
+          <a:blip r:embed="rId2">
+            <a:extLst>
+              <a:ext uri="{28A0092B-C50C-407E-A947-70E740481C1C}">
+                <a14:useLocalDpi xmlns:a14="http://schemas.microsoft.com/office/drawing/2010/main" val="0"/>
+              </a:ext>
+            </a:extLst>
+          </a:blip>
+          <a:stretch>
+            <a:fillRect/>
+          </a:stretch>
+        </p:blipFill>
+        <p:spPr>
+          <a:xfrm>
+            <a:off x="1619672" y="2183838"/>
+            <a:ext cx="4439270" cy="3143689"/>
+          </a:xfrm>
+          <a:prstGeom prst="rect">
+            <a:avLst/>
+          </a:prstGeom>
+          <a:ln>
+            <a:noFill/>
+          </a:ln>
+          <a:effectLst>
+            <a:outerShdw blurRad="292100" dist="139700" dir="2700000" algn="tl" rotWithShape="0">
+              <a:srgbClr val="333333">
+                <a:alpha val="65000"/>
+              </a:srgbClr>
+            </a:outerShdw>
+          </a:effectLst>
+        </p:spPr>
+      </p:pic>
+      <p:sp>
+        <p:nvSpPr>
+          <p:cNvPr id="4" name="圆角矩形标注 3"/>
+          <p:cNvSpPr/>
+          <p:nvPr/>
+        </p:nvSpPr>
+        <p:spPr>
+          <a:xfrm>
+            <a:off x="6086640" y="3140968"/>
+            <a:ext cx="1867263" cy="480716"/>
+          </a:xfrm>
+          <a:prstGeom prst="wedgeRoundRectCallout">
+            <a:avLst>
+              <a:gd name="adj1" fmla="val -45631"/>
+              <a:gd name="adj2" fmla="val 111261"/>
+              <a:gd name="adj3" fmla="val 16667"/>
+            </a:avLst>
+          </a:prstGeom>
+        </p:spPr>
+        <p:style>
+          <a:lnRef idx="2">
+            <a:schemeClr val="accent5"/>
+          </a:lnRef>
+          <a:fillRef idx="1">
+            <a:schemeClr val="lt1"/>
+          </a:fillRef>
+          <a:effectRef idx="0">
+            <a:schemeClr val="accent5"/>
+          </a:effectRef>
+          <a:fontRef idx="minor">
+            <a:schemeClr val="dk1"/>
+          </a:fontRef>
+        </p:style>
+        <p:txBody>
+          <a:bodyPr rtlCol="0" anchor="ctr"/>
+          <a:lstStyle/>
+          <a:p>
+            <a:pPr>
+              <a:lnSpc>
+                <a:spcPct val="150000"/>
+              </a:lnSpc>
+            </a:pPr>
+            <a:r>
+              <a:rPr lang="zh-CN" altLang="en-US" sz="2000" dirty="0">
+                <a:solidFill>
+                  <a:schemeClr val="tx1">
+                    <a:lumMod val="75000"/>
+                    <a:lumOff val="25000"/>
+                  </a:schemeClr>
+                </a:solidFill>
+                <a:latin typeface="微软雅黑" pitchFamily="34" charset="-122"/>
+                <a:ea typeface="微软雅黑" pitchFamily="34" charset="-122"/>
+              </a:rPr>
+              <a:t>拷贝</a:t>
+            </a:r>
+            <a:r>
+              <a:rPr lang="zh-CN" altLang="en-US" sz="2000" dirty="0" smtClean="0">
+                <a:solidFill>
+                  <a:schemeClr val="tx1">
+                    <a:lumMod val="75000"/>
+                    <a:lumOff val="25000"/>
+                  </a:schemeClr>
+                </a:solidFill>
+                <a:latin typeface="微软雅黑" pitchFamily="34" charset="-122"/>
+                <a:ea typeface="微软雅黑" pitchFamily="34" charset="-122"/>
+              </a:rPr>
+              <a:t>每个数据</a:t>
+            </a:r>
+            <a:endParaRPr lang="en-US" altLang="zh-CN" sz="2000" dirty="0">
+              <a:solidFill>
+                <a:schemeClr val="tx1">
+                  <a:lumMod val="75000"/>
+                  <a:lumOff val="25000"/>
+                </a:schemeClr>
+              </a:solidFill>
+              <a:latin typeface="微软雅黑" pitchFamily="34" charset="-122"/>
+              <a:ea typeface="微软雅黑" pitchFamily="34" charset="-122"/>
+            </a:endParaRPr>
+          </a:p>
+        </p:txBody>
+      </p:sp>
+    </p:spTree>
+    <p:extLst>
+      <p:ext uri="{BB962C8B-B14F-4D97-AF65-F5344CB8AC3E}">
+        <p14:creationId xmlns:p14="http://schemas.microsoft.com/office/powerpoint/2010/main" val="435935221"/>
+      </p:ext>
+    </p:extLst>
+  </p:cSld>
+  <p:clrMapOvr>
+    <a:masterClrMapping/>
+  </p:clrMapOvr>
+</p:sld>
+</file>
+
+<file path=ppt/slides/slide24.xml><?xml version="1.0" encoding="utf-8"?>
+<p:sld xmlns:a="http://schemas.openxmlformats.org/drawingml/2006/main" xmlns:r="http://schemas.openxmlformats.org/officeDocument/2006/relationships" xmlns:p="http://schemas.openxmlformats.org/presentationml/2006/main">
+  <p:cSld>
+    <p:spTree>
+      <p:nvGrpSpPr>
+        <p:cNvPr id="1" name=""/>
+        <p:cNvGrpSpPr/>
+        <p:nvPr/>
+      </p:nvGrpSpPr>
+      <p:grpSpPr>
+        <a:xfrm>
+          <a:off x="0" y="0"/>
+          <a:ext cx="0" cy="0"/>
+          <a:chOff x="0" y="0"/>
+          <a:chExt cx="0" cy="0"/>
+        </a:xfrm>
+      </p:grpSpPr>
+      <p:sp>
+        <p:nvSpPr>
+          <p:cNvPr id="2" name="TextBox 1"/>
+          <p:cNvSpPr txBox="1"/>
+          <p:nvPr/>
+        </p:nvSpPr>
+        <p:spPr>
+          <a:xfrm>
+            <a:off x="684000" y="260648"/>
+            <a:ext cx="7776000" cy="2308324"/>
+          </a:xfrm>
+          <a:prstGeom prst="rect">
+            <a:avLst/>
+          </a:prstGeom>
+          <a:noFill/>
+        </p:spPr>
+        <p:txBody>
+          <a:bodyPr wrap="square" rtlCol="0">
+            <a:spAutoFit/>
+          </a:bodyPr>
+          <a:lstStyle/>
+          <a:p>
+            <a:pPr>
+              <a:lnSpc>
+                <a:spcPct val="150000"/>
+              </a:lnSpc>
+            </a:pPr>
+            <a:r>
+              <a:rPr lang="zh-CN" altLang="en-US" sz="2400" dirty="0" smtClean="0">
+                <a:solidFill>
+                  <a:schemeClr val="tx1">
+                    <a:lumMod val="75000"/>
+                    <a:lumOff val="25000"/>
+                  </a:schemeClr>
+                </a:solidFill>
+                <a:latin typeface="微软雅黑" pitchFamily="34" charset="-122"/>
+                <a:ea typeface="微软雅黑" pitchFamily="34" charset="-122"/>
+              </a:rPr>
+              <a:t>如果路径中的指令数目小于最大值，就在路径中随机的插入</a:t>
+            </a:r>
+            <a:r>
+              <a:rPr lang="en-US" altLang="zh-CN" sz="2400" dirty="0" smtClean="0">
+                <a:solidFill>
+                  <a:schemeClr val="tx1">
+                    <a:lumMod val="75000"/>
+                    <a:lumOff val="25000"/>
+                  </a:schemeClr>
+                </a:solidFill>
+                <a:latin typeface="微软雅黑" pitchFamily="34" charset="-122"/>
+                <a:ea typeface="微软雅黑" pitchFamily="34" charset="-122"/>
+              </a:rPr>
+              <a:t>C</a:t>
+            </a:r>
+            <a:r>
+              <a:rPr lang="zh-CN" altLang="en-US" sz="2400" dirty="0" smtClean="0">
+                <a:solidFill>
+                  <a:schemeClr val="tx1">
+                    <a:lumMod val="75000"/>
+                    <a:lumOff val="25000"/>
+                  </a:schemeClr>
+                </a:solidFill>
+                <a:latin typeface="微软雅黑" pitchFamily="34" charset="-122"/>
+                <a:ea typeface="微软雅黑" pitchFamily="34" charset="-122"/>
+              </a:rPr>
+              <a:t>指令，插入的</a:t>
+            </a:r>
+            <a:r>
+              <a:rPr lang="en-US" altLang="zh-CN" sz="2400" dirty="0" smtClean="0">
+                <a:solidFill>
+                  <a:schemeClr val="tx1">
+                    <a:lumMod val="75000"/>
+                    <a:lumOff val="25000"/>
+                  </a:schemeClr>
+                </a:solidFill>
+                <a:latin typeface="微软雅黑" pitchFamily="34" charset="-122"/>
+                <a:ea typeface="微软雅黑" pitchFamily="34" charset="-122"/>
+              </a:rPr>
+              <a:t>C</a:t>
+            </a:r>
+            <a:r>
+              <a:rPr lang="zh-CN" altLang="en-US" sz="2400" dirty="0" smtClean="0">
+                <a:solidFill>
+                  <a:schemeClr val="tx1">
+                    <a:lumMod val="75000"/>
+                    <a:lumOff val="25000"/>
+                  </a:schemeClr>
+                </a:solidFill>
+                <a:latin typeface="微软雅黑" pitchFamily="34" charset="-122"/>
+                <a:ea typeface="微软雅黑" pitchFamily="34" charset="-122"/>
+              </a:rPr>
+              <a:t>指令收缩为</a:t>
+            </a:r>
+            <a:r>
+              <a:rPr lang="zh-CN" altLang="en-US" sz="2400" dirty="0">
+                <a:solidFill>
+                  <a:schemeClr val="tx1">
+                    <a:lumMod val="75000"/>
+                    <a:lumOff val="25000"/>
+                  </a:schemeClr>
+                </a:solidFill>
+                <a:latin typeface="微软雅黑" pitchFamily="34" charset="-122"/>
+                <a:ea typeface="微软雅黑" pitchFamily="34" charset="-122"/>
+              </a:rPr>
+              <a:t>一点</a:t>
+            </a:r>
+            <a:r>
+              <a:rPr lang="zh-CN" altLang="en-US" sz="2400" dirty="0" smtClean="0">
+                <a:solidFill>
+                  <a:schemeClr val="tx1">
+                    <a:lumMod val="75000"/>
+                    <a:lumOff val="25000"/>
+                  </a:schemeClr>
+                </a:solidFill>
+                <a:latin typeface="微软雅黑" pitchFamily="34" charset="-122"/>
+                <a:ea typeface="微软雅黑" pitchFamily="34" charset="-122"/>
+              </a:rPr>
+              <a:t>（起点，终点，两个控制点坐标完全相同），并且和一个已知</a:t>
+            </a:r>
+            <a:r>
+              <a:rPr lang="en-US" altLang="zh-CN" sz="2400" dirty="0" smtClean="0">
+                <a:solidFill>
+                  <a:schemeClr val="tx1">
+                    <a:lumMod val="75000"/>
+                    <a:lumOff val="25000"/>
+                  </a:schemeClr>
+                </a:solidFill>
+                <a:latin typeface="微软雅黑" pitchFamily="34" charset="-122"/>
+                <a:ea typeface="微软雅黑" pitchFamily="34" charset="-122"/>
+              </a:rPr>
+              <a:t>C</a:t>
+            </a:r>
+            <a:r>
+              <a:rPr lang="zh-CN" altLang="en-US" sz="2400" dirty="0" smtClean="0">
+                <a:solidFill>
+                  <a:schemeClr val="tx1">
+                    <a:lumMod val="75000"/>
+                    <a:lumOff val="25000"/>
+                  </a:schemeClr>
+                </a:solidFill>
+                <a:latin typeface="微软雅黑" pitchFamily="34" charset="-122"/>
+                <a:ea typeface="微软雅黑" pitchFamily="34" charset="-122"/>
+              </a:rPr>
+              <a:t>指令点重合</a:t>
+            </a:r>
+            <a:r>
+              <a:rPr lang="en-US" altLang="zh-CN" sz="2400" dirty="0" smtClean="0">
+                <a:solidFill>
+                  <a:schemeClr val="tx1">
+                    <a:lumMod val="75000"/>
+                    <a:lumOff val="25000"/>
+                  </a:schemeClr>
+                </a:solidFill>
+                <a:latin typeface="微软雅黑" pitchFamily="34" charset="-122"/>
+                <a:ea typeface="微软雅黑" pitchFamily="34" charset="-122"/>
+              </a:rPr>
+              <a:t>(</a:t>
+            </a:r>
+            <a:r>
+              <a:rPr lang="zh-CN" altLang="en-US" sz="2400" dirty="0" smtClean="0">
+                <a:solidFill>
+                  <a:schemeClr val="tx1">
+                    <a:lumMod val="75000"/>
+                    <a:lumOff val="25000"/>
+                  </a:schemeClr>
+                </a:solidFill>
+                <a:latin typeface="微软雅黑" pitchFamily="34" charset="-122"/>
+                <a:ea typeface="微软雅黑" pitchFamily="34" charset="-122"/>
+              </a:rPr>
+              <a:t>此时的路径中，除了</a:t>
+            </a:r>
+            <a:r>
+              <a:rPr lang="en-US" altLang="zh-CN" sz="2400" dirty="0" smtClean="0">
+                <a:solidFill>
+                  <a:schemeClr val="tx1">
+                    <a:lumMod val="75000"/>
+                    <a:lumOff val="25000"/>
+                  </a:schemeClr>
+                </a:solidFill>
+                <a:latin typeface="微软雅黑" pitchFamily="34" charset="-122"/>
+                <a:ea typeface="微软雅黑" pitchFamily="34" charset="-122"/>
+              </a:rPr>
+              <a:t>M</a:t>
+            </a:r>
+            <a:r>
+              <a:rPr lang="zh-CN" altLang="en-US" sz="2400" dirty="0" smtClean="0">
+                <a:solidFill>
+                  <a:schemeClr val="tx1">
+                    <a:lumMod val="75000"/>
+                    <a:lumOff val="25000"/>
+                  </a:schemeClr>
+                </a:solidFill>
+                <a:latin typeface="微软雅黑" pitchFamily="34" charset="-122"/>
+                <a:ea typeface="微软雅黑" pitchFamily="34" charset="-122"/>
+              </a:rPr>
+              <a:t>指令外，都已改为</a:t>
+            </a:r>
+            <a:r>
+              <a:rPr lang="en-US" altLang="zh-CN" sz="2400" dirty="0" smtClean="0">
+                <a:solidFill>
+                  <a:schemeClr val="tx1">
+                    <a:lumMod val="75000"/>
+                    <a:lumOff val="25000"/>
+                  </a:schemeClr>
+                </a:solidFill>
+                <a:latin typeface="微软雅黑" pitchFamily="34" charset="-122"/>
+                <a:ea typeface="微软雅黑" pitchFamily="34" charset="-122"/>
+              </a:rPr>
+              <a:t>C</a:t>
+            </a:r>
+            <a:r>
+              <a:rPr lang="zh-CN" altLang="en-US" sz="2400" dirty="0">
+                <a:solidFill>
+                  <a:schemeClr val="tx1">
+                    <a:lumMod val="75000"/>
+                    <a:lumOff val="25000"/>
+                  </a:schemeClr>
+                </a:solidFill>
+                <a:latin typeface="微软雅黑" pitchFamily="34" charset="-122"/>
+                <a:ea typeface="微软雅黑" pitchFamily="34" charset="-122"/>
+              </a:rPr>
+              <a:t>指令</a:t>
+            </a:r>
+            <a:r>
+              <a:rPr lang="en-US" altLang="zh-CN" sz="2400" dirty="0" smtClean="0">
+                <a:solidFill>
+                  <a:schemeClr val="tx1">
+                    <a:lumMod val="75000"/>
+                    <a:lumOff val="25000"/>
+                  </a:schemeClr>
+                </a:solidFill>
+                <a:latin typeface="微软雅黑" pitchFamily="34" charset="-122"/>
+                <a:ea typeface="微软雅黑" pitchFamily="34" charset="-122"/>
+              </a:rPr>
+              <a:t>). </a:t>
+            </a:r>
+            <a:endParaRPr lang="en-US" altLang="zh-CN" sz="2400" dirty="0">
+              <a:solidFill>
+                <a:schemeClr val="tx1">
+                  <a:lumMod val="75000"/>
+                  <a:lumOff val="25000"/>
+                </a:schemeClr>
+              </a:solidFill>
+              <a:latin typeface="微软雅黑" pitchFamily="34" charset="-122"/>
+              <a:ea typeface="微软雅黑" pitchFamily="34" charset="-122"/>
+            </a:endParaRPr>
+          </a:p>
+        </p:txBody>
+      </p:sp>
+      <p:pic>
+        <p:nvPicPr>
+          <p:cNvPr id="5" name="图片 4" descr="屏幕剪辑"/>
+          <p:cNvPicPr>
+            <a:picLocks noChangeAspect="1"/>
+          </p:cNvPicPr>
+          <p:nvPr/>
+        </p:nvPicPr>
+        <p:blipFill>
+          <a:blip r:embed="rId2">
+            <a:extLst>
+              <a:ext uri="{28A0092B-C50C-407E-A947-70E740481C1C}">
+                <a14:useLocalDpi xmlns:a14="http://schemas.microsoft.com/office/drawing/2010/main" val="0"/>
+              </a:ext>
+            </a:extLst>
+          </a:blip>
+          <a:stretch>
+            <a:fillRect/>
+          </a:stretch>
+        </p:blipFill>
+        <p:spPr>
+          <a:xfrm>
+            <a:off x="1331640" y="2492896"/>
+            <a:ext cx="4467849" cy="4182059"/>
+          </a:xfrm>
+          <a:prstGeom prst="rect">
+            <a:avLst/>
+          </a:prstGeom>
+          <a:ln>
+            <a:noFill/>
+          </a:ln>
+          <a:effectLst>
+            <a:outerShdw blurRad="292100" dist="139700" dir="2700000" algn="tl" rotWithShape="0">
+              <a:srgbClr val="333333">
+                <a:alpha val="65000"/>
+              </a:srgbClr>
+            </a:outerShdw>
+          </a:effectLst>
+        </p:spPr>
+      </p:pic>
+      <p:sp>
+        <p:nvSpPr>
+          <p:cNvPr id="4" name="圆角矩形标注 3"/>
+          <p:cNvSpPr/>
+          <p:nvPr/>
+        </p:nvSpPr>
+        <p:spPr>
+          <a:xfrm>
+            <a:off x="4199744" y="4869160"/>
+            <a:ext cx="2316472" cy="480716"/>
+          </a:xfrm>
+          <a:prstGeom prst="wedgeRoundRectCallout">
+            <a:avLst>
+              <a:gd name="adj1" fmla="val -45631"/>
+              <a:gd name="adj2" fmla="val 111261"/>
+              <a:gd name="adj3" fmla="val 16667"/>
+            </a:avLst>
+          </a:prstGeom>
+        </p:spPr>
+        <p:style>
+          <a:lnRef idx="2">
+            <a:schemeClr val="accent5"/>
+          </a:lnRef>
+          <a:fillRef idx="1">
+            <a:schemeClr val="lt1"/>
+          </a:fillRef>
+          <a:effectRef idx="0">
+            <a:schemeClr val="accent5"/>
+          </a:effectRef>
+          <a:fontRef idx="minor">
+            <a:schemeClr val="dk1"/>
+          </a:fontRef>
+        </p:style>
+        <p:txBody>
+          <a:bodyPr rtlCol="0" anchor="ctr"/>
+          <a:lstStyle/>
+          <a:p>
+            <a:pPr>
+              <a:lnSpc>
+                <a:spcPct val="150000"/>
+              </a:lnSpc>
+            </a:pPr>
+            <a:r>
+              <a:rPr lang="zh-CN" altLang="en-US" sz="2000" dirty="0" smtClean="0">
+                <a:solidFill>
+                  <a:schemeClr val="tx1">
+                    <a:lumMod val="75000"/>
+                    <a:lumOff val="25000"/>
+                  </a:schemeClr>
+                </a:solidFill>
+                <a:latin typeface="微软雅黑" pitchFamily="34" charset="-122"/>
+                <a:ea typeface="微软雅黑" pitchFamily="34" charset="-122"/>
+              </a:rPr>
+              <a:t>缩成一点的</a:t>
+            </a:r>
+            <a:r>
+              <a:rPr lang="en-US" altLang="zh-CN" sz="2000" dirty="0" smtClean="0">
+                <a:solidFill>
+                  <a:schemeClr val="tx1">
+                    <a:lumMod val="75000"/>
+                    <a:lumOff val="25000"/>
+                  </a:schemeClr>
+                </a:solidFill>
+                <a:latin typeface="微软雅黑" pitchFamily="34" charset="-122"/>
+                <a:ea typeface="微软雅黑" pitchFamily="34" charset="-122"/>
+              </a:rPr>
+              <a:t>C</a:t>
+            </a:r>
+            <a:r>
+              <a:rPr lang="zh-CN" altLang="en-US" sz="2000" dirty="0" smtClean="0">
+                <a:solidFill>
+                  <a:schemeClr val="tx1">
+                    <a:lumMod val="75000"/>
+                    <a:lumOff val="25000"/>
+                  </a:schemeClr>
+                </a:solidFill>
+                <a:latin typeface="微软雅黑" pitchFamily="34" charset="-122"/>
+                <a:ea typeface="微软雅黑" pitchFamily="34" charset="-122"/>
+              </a:rPr>
+              <a:t>指令</a:t>
+            </a:r>
+            <a:endParaRPr lang="en-US" altLang="zh-CN" sz="2000" dirty="0">
+              <a:solidFill>
+                <a:schemeClr val="tx1">
+                  <a:lumMod val="75000"/>
+                  <a:lumOff val="25000"/>
+                </a:schemeClr>
+              </a:solidFill>
+              <a:latin typeface="微软雅黑" pitchFamily="34" charset="-122"/>
+              <a:ea typeface="微软雅黑" pitchFamily="34" charset="-122"/>
+            </a:endParaRPr>
+          </a:p>
+        </p:txBody>
+      </p:sp>
+      <p:sp>
+        <p:nvSpPr>
+          <p:cNvPr id="7" name="圆角矩形标注 6"/>
+          <p:cNvSpPr/>
+          <p:nvPr/>
+        </p:nvSpPr>
+        <p:spPr>
+          <a:xfrm>
+            <a:off x="3851920" y="3717032"/>
+            <a:ext cx="2316472" cy="480716"/>
+          </a:xfrm>
+          <a:prstGeom prst="wedgeRoundRectCallout">
+            <a:avLst>
+              <a:gd name="adj1" fmla="val -57414"/>
+              <a:gd name="adj2" fmla="val -7979"/>
+              <a:gd name="adj3" fmla="val 16667"/>
+            </a:avLst>
+          </a:prstGeom>
+        </p:spPr>
+        <p:style>
+          <a:lnRef idx="2">
+            <a:schemeClr val="accent5"/>
+          </a:lnRef>
+          <a:fillRef idx="1">
+            <a:schemeClr val="lt1"/>
+          </a:fillRef>
+          <a:effectRef idx="0">
+            <a:schemeClr val="accent5"/>
+          </a:effectRef>
+          <a:fontRef idx="minor">
+            <a:schemeClr val="dk1"/>
+          </a:fontRef>
+        </p:style>
+        <p:txBody>
+          <a:bodyPr rtlCol="0" anchor="ctr"/>
+          <a:lstStyle/>
+          <a:p>
+            <a:pPr>
+              <a:lnSpc>
+                <a:spcPct val="150000"/>
+              </a:lnSpc>
+            </a:pPr>
+            <a:r>
+              <a:rPr lang="zh-CN" altLang="en-US" sz="2000" dirty="0" smtClean="0">
+                <a:solidFill>
+                  <a:schemeClr val="tx1">
+                    <a:lumMod val="75000"/>
+                    <a:lumOff val="25000"/>
+                  </a:schemeClr>
+                </a:solidFill>
+                <a:latin typeface="微软雅黑" pitchFamily="34" charset="-122"/>
+                <a:ea typeface="微软雅黑" pitchFamily="34" charset="-122"/>
+              </a:rPr>
+              <a:t>获取重合点的终点</a:t>
+            </a:r>
+            <a:endParaRPr lang="en-US" altLang="zh-CN" sz="2000" dirty="0">
+              <a:solidFill>
+                <a:schemeClr val="tx1">
+                  <a:lumMod val="75000"/>
+                  <a:lumOff val="25000"/>
+                </a:schemeClr>
+              </a:solidFill>
+              <a:latin typeface="微软雅黑" pitchFamily="34" charset="-122"/>
+              <a:ea typeface="微软雅黑" pitchFamily="34" charset="-122"/>
+            </a:endParaRPr>
+          </a:p>
+        </p:txBody>
+      </p:sp>
+    </p:spTree>
+    <p:extLst>
+      <p:ext uri="{BB962C8B-B14F-4D97-AF65-F5344CB8AC3E}">
+        <p14:creationId xmlns:p14="http://schemas.microsoft.com/office/powerpoint/2010/main" val="1866720782"/>
+      </p:ext>
+    </p:extLst>
+  </p:cSld>
+  <p:clrMapOvr>
+    <a:masterClrMapping/>
+  </p:clrMapOvr>
+</p:sld>
+</file>
+
+<file path=ppt/slides/slide25.xml><?xml version="1.0" encoding="utf-8"?>
+<p:sld xmlns:a="http://schemas.openxmlformats.org/drawingml/2006/main" xmlns:r="http://schemas.openxmlformats.org/officeDocument/2006/relationships" xmlns:p="http://schemas.openxmlformats.org/presentationml/2006/main">
+  <p:cSld>
+    <p:spTree>
+      <p:nvGrpSpPr>
+        <p:cNvPr id="1" name=""/>
+        <p:cNvGrpSpPr/>
+        <p:nvPr/>
+      </p:nvGrpSpPr>
+      <p:grpSpPr>
+        <a:xfrm>
+          <a:off x="0" y="0"/>
+          <a:ext cx="0" cy="0"/>
+          <a:chOff x="0" y="0"/>
+          <a:chExt cx="0" cy="0"/>
+        </a:xfrm>
+      </p:grpSpPr>
+      <p:pic>
+        <p:nvPicPr>
+          <p:cNvPr id="2" name="图片 1" descr="屏幕剪辑"/>
+          <p:cNvPicPr>
+            <a:picLocks noChangeAspect="1"/>
+          </p:cNvPicPr>
+          <p:nvPr/>
+        </p:nvPicPr>
+        <p:blipFill>
+          <a:blip r:embed="rId2">
+            <a:extLst>
+              <a:ext uri="{28A0092B-C50C-407E-A947-70E740481C1C}">
+                <a14:useLocalDpi xmlns:a14="http://schemas.microsoft.com/office/drawing/2010/main" val="0"/>
+              </a:ext>
+            </a:extLst>
+          </a:blip>
+          <a:stretch>
+            <a:fillRect/>
+          </a:stretch>
+        </p:blipFill>
+        <p:spPr>
+          <a:xfrm>
+            <a:off x="827584" y="620688"/>
+            <a:ext cx="3924848" cy="2476846"/>
+          </a:xfrm>
+          <a:prstGeom prst="rect">
+            <a:avLst/>
+          </a:prstGeom>
+          <a:ln>
+            <a:noFill/>
+          </a:ln>
+          <a:effectLst>
+            <a:outerShdw blurRad="292100" dist="139700" dir="2700000" algn="tl" rotWithShape="0">
+              <a:srgbClr val="333333">
+                <a:alpha val="65000"/>
+              </a:srgbClr>
+            </a:outerShdw>
+          </a:effectLst>
+        </p:spPr>
+      </p:pic>
+      <p:sp>
+        <p:nvSpPr>
+          <p:cNvPr id="3" name="圆角矩形标注 2"/>
+          <p:cNvSpPr/>
+          <p:nvPr/>
+        </p:nvSpPr>
+        <p:spPr>
+          <a:xfrm>
+            <a:off x="4860032" y="620688"/>
+            <a:ext cx="2592288" cy="1056780"/>
+          </a:xfrm>
+          <a:prstGeom prst="wedgeRoundRectCallout">
+            <a:avLst>
+              <a:gd name="adj1" fmla="val -57414"/>
+              <a:gd name="adj2" fmla="val -7979"/>
+              <a:gd name="adj3" fmla="val 16667"/>
+            </a:avLst>
+          </a:prstGeom>
+        </p:spPr>
+        <p:style>
+          <a:lnRef idx="2">
+            <a:schemeClr val="accent5"/>
+          </a:lnRef>
+          <a:fillRef idx="1">
+            <a:schemeClr val="lt1"/>
+          </a:fillRef>
+          <a:effectRef idx="0">
+            <a:schemeClr val="accent5"/>
+          </a:effectRef>
+          <a:fontRef idx="minor">
+            <a:schemeClr val="dk1"/>
+          </a:fontRef>
+        </p:style>
+        <p:txBody>
+          <a:bodyPr rtlCol="0" anchor="ctr"/>
+          <a:lstStyle/>
+          <a:p>
+            <a:pPr>
+              <a:lnSpc>
+                <a:spcPct val="150000"/>
+              </a:lnSpc>
+            </a:pPr>
+            <a:r>
+              <a:rPr lang="zh-CN" altLang="en-US" sz="2000" dirty="0" smtClean="0">
+                <a:solidFill>
+                  <a:schemeClr val="tx1">
+                    <a:lumMod val="75000"/>
+                    <a:lumOff val="25000"/>
+                  </a:schemeClr>
+                </a:solidFill>
+                <a:latin typeface="微软雅黑" pitchFamily="34" charset="-122"/>
+                <a:ea typeface="微软雅黑" pitchFamily="34" charset="-122"/>
+              </a:rPr>
+              <a:t>此时所有指令都变成了最多的</a:t>
+            </a:r>
+            <a:r>
+              <a:rPr lang="en-US" altLang="zh-CN" sz="2000" dirty="0" smtClean="0">
+                <a:solidFill>
+                  <a:schemeClr val="tx1">
+                    <a:lumMod val="75000"/>
+                    <a:lumOff val="25000"/>
+                  </a:schemeClr>
+                </a:solidFill>
+                <a:latin typeface="微软雅黑" pitchFamily="34" charset="-122"/>
+                <a:ea typeface="微软雅黑" pitchFamily="34" charset="-122"/>
+              </a:rPr>
+              <a:t>3</a:t>
+            </a:r>
+            <a:r>
+              <a:rPr lang="zh-CN" altLang="en-US" sz="2000" dirty="0" smtClean="0">
+                <a:solidFill>
+                  <a:schemeClr val="tx1">
+                    <a:lumMod val="75000"/>
+                    <a:lumOff val="25000"/>
+                  </a:schemeClr>
+                </a:solidFill>
+                <a:latin typeface="微软雅黑" pitchFamily="34" charset="-122"/>
+                <a:ea typeface="微软雅黑" pitchFamily="34" charset="-122"/>
+              </a:rPr>
+              <a:t>条路径</a:t>
+            </a:r>
+            <a:endParaRPr lang="en-US" altLang="zh-CN" sz="2000" dirty="0">
+              <a:solidFill>
+                <a:schemeClr val="tx1">
+                  <a:lumMod val="75000"/>
+                  <a:lumOff val="25000"/>
+                </a:schemeClr>
+              </a:solidFill>
+              <a:latin typeface="微软雅黑" pitchFamily="34" charset="-122"/>
+              <a:ea typeface="微软雅黑" pitchFamily="34" charset="-122"/>
+            </a:endParaRPr>
+          </a:p>
+        </p:txBody>
+      </p:sp>
+      <p:sp>
+        <p:nvSpPr>
+          <p:cNvPr id="4" name="圆角矩形标注 3"/>
+          <p:cNvSpPr/>
+          <p:nvPr/>
+        </p:nvSpPr>
+        <p:spPr>
+          <a:xfrm>
+            <a:off x="4535996" y="2445486"/>
+            <a:ext cx="3240360" cy="1728192"/>
+          </a:xfrm>
+          <a:prstGeom prst="wedgeRoundRectCallout">
+            <a:avLst>
+              <a:gd name="adj1" fmla="val -55308"/>
+              <a:gd name="adj2" fmla="val -30091"/>
+              <a:gd name="adj3" fmla="val 16667"/>
+            </a:avLst>
+          </a:prstGeom>
+        </p:spPr>
+        <p:style>
+          <a:lnRef idx="2">
+            <a:schemeClr val="accent5"/>
+          </a:lnRef>
+          <a:fillRef idx="1">
+            <a:schemeClr val="lt1"/>
+          </a:fillRef>
+          <a:effectRef idx="0">
+            <a:schemeClr val="accent5"/>
+          </a:effectRef>
+          <a:fontRef idx="minor">
+            <a:schemeClr val="dk1"/>
+          </a:fontRef>
+        </p:style>
+        <p:txBody>
+          <a:bodyPr rtlCol="0" anchor="ctr"/>
+          <a:lstStyle/>
+          <a:p>
+            <a:pPr>
+              <a:lnSpc>
+                <a:spcPct val="150000"/>
+              </a:lnSpc>
+            </a:pPr>
+            <a:r>
+              <a:rPr lang="zh-CN" altLang="en-US" sz="2000" dirty="0" smtClean="0">
+                <a:solidFill>
+                  <a:schemeClr val="tx1">
+                    <a:lumMod val="75000"/>
+                    <a:lumOff val="25000"/>
+                  </a:schemeClr>
+                </a:solidFill>
+                <a:latin typeface="微软雅黑" pitchFamily="34" charset="-122"/>
+                <a:ea typeface="微软雅黑" pitchFamily="34" charset="-122"/>
+              </a:rPr>
+              <a:t>所有路径都变成</a:t>
+            </a:r>
+            <a:r>
+              <a:rPr lang="en-US" altLang="zh-CN" sz="2000" dirty="0" smtClean="0">
+                <a:solidFill>
+                  <a:schemeClr val="tx1">
+                    <a:lumMod val="75000"/>
+                    <a:lumOff val="25000"/>
+                  </a:schemeClr>
+                </a:solidFill>
+                <a:latin typeface="微软雅黑" pitchFamily="34" charset="-122"/>
+                <a:ea typeface="微软雅黑" pitchFamily="34" charset="-122"/>
+              </a:rPr>
+              <a:t>25</a:t>
+            </a:r>
+            <a:r>
+              <a:rPr lang="zh-CN" altLang="en-US" sz="2000" dirty="0" smtClean="0">
+                <a:solidFill>
+                  <a:schemeClr val="tx1">
+                    <a:lumMod val="75000"/>
+                    <a:lumOff val="25000"/>
+                  </a:schemeClr>
+                </a:solidFill>
+                <a:latin typeface="微软雅黑" pitchFamily="34" charset="-122"/>
+                <a:ea typeface="微软雅黑" pitchFamily="34" charset="-122"/>
+              </a:rPr>
+              <a:t>个绘图指令，并且除了起始指令</a:t>
+            </a:r>
+            <a:r>
+              <a:rPr lang="en-US" altLang="zh-CN" sz="2000" dirty="0" smtClean="0">
+                <a:solidFill>
+                  <a:schemeClr val="tx1">
+                    <a:lumMod val="75000"/>
+                    <a:lumOff val="25000"/>
+                  </a:schemeClr>
+                </a:solidFill>
+                <a:latin typeface="微软雅黑" pitchFamily="34" charset="-122"/>
+                <a:ea typeface="微软雅黑" pitchFamily="34" charset="-122"/>
+              </a:rPr>
+              <a:t>M</a:t>
+            </a:r>
+            <a:r>
+              <a:rPr lang="zh-CN" altLang="en-US" sz="2000" dirty="0" smtClean="0">
+                <a:solidFill>
+                  <a:schemeClr val="tx1">
+                    <a:lumMod val="75000"/>
+                    <a:lumOff val="25000"/>
+                  </a:schemeClr>
+                </a:solidFill>
+                <a:latin typeface="微软雅黑" pitchFamily="34" charset="-122"/>
+                <a:ea typeface="微软雅黑" pitchFamily="34" charset="-122"/>
+              </a:rPr>
+              <a:t>，其余都是</a:t>
+            </a:r>
+            <a:r>
+              <a:rPr lang="en-US" altLang="zh-CN" sz="2000" dirty="0" smtClean="0">
+                <a:solidFill>
+                  <a:schemeClr val="tx1">
+                    <a:lumMod val="75000"/>
+                    <a:lumOff val="25000"/>
+                  </a:schemeClr>
+                </a:solidFill>
+                <a:latin typeface="微软雅黑" pitchFamily="34" charset="-122"/>
+                <a:ea typeface="微软雅黑" pitchFamily="34" charset="-122"/>
+              </a:rPr>
+              <a:t>C</a:t>
+            </a:r>
+            <a:r>
+              <a:rPr lang="zh-CN" altLang="en-US" sz="2000" dirty="0" smtClean="0">
+                <a:solidFill>
+                  <a:schemeClr val="tx1">
+                    <a:lumMod val="75000"/>
+                    <a:lumOff val="25000"/>
+                  </a:schemeClr>
+                </a:solidFill>
+                <a:latin typeface="微软雅黑" pitchFamily="34" charset="-122"/>
+                <a:ea typeface="微软雅黑" pitchFamily="34" charset="-122"/>
+              </a:rPr>
+              <a:t>指令</a:t>
+            </a:r>
+            <a:endParaRPr lang="en-US" altLang="zh-CN" sz="2000" dirty="0">
+              <a:solidFill>
+                <a:schemeClr val="tx1">
+                  <a:lumMod val="75000"/>
+                  <a:lumOff val="25000"/>
+                </a:schemeClr>
+              </a:solidFill>
+              <a:latin typeface="微软雅黑" pitchFamily="34" charset="-122"/>
+              <a:ea typeface="微软雅黑" pitchFamily="34" charset="-122"/>
+            </a:endParaRPr>
+          </a:p>
+        </p:txBody>
+      </p:sp>
+    </p:spTree>
+    <p:extLst>
+      <p:ext uri="{BB962C8B-B14F-4D97-AF65-F5344CB8AC3E}">
+        <p14:creationId xmlns:p14="http://schemas.microsoft.com/office/powerpoint/2010/main" val="1559901029"/>
+      </p:ext>
+    </p:extLst>
+  </p:cSld>
+  <p:clrMapOvr>
+    <a:masterClrMapping/>
+  </p:clrMapOvr>
+</p:sld>
+</file>
+
+<file path=ppt/slides/slide26.xml><?xml version="1.0" encoding="utf-8"?>
+<p:sld xmlns:a="http://schemas.openxmlformats.org/drawingml/2006/main" xmlns:r="http://schemas.openxmlformats.org/officeDocument/2006/relationships" xmlns:p="http://schemas.openxmlformats.org/presentationml/2006/main">
+  <p:cSld>
+    <p:spTree>
+      <p:nvGrpSpPr>
+        <p:cNvPr id="1" name=""/>
+        <p:cNvGrpSpPr/>
+        <p:nvPr/>
+      </p:nvGrpSpPr>
+      <p:grpSpPr>
+        <a:xfrm>
+          <a:off x="0" y="0"/>
+          <a:ext cx="0" cy="0"/>
+          <a:chOff x="0" y="0"/>
+          <a:chExt cx="0" cy="0"/>
+        </a:xfrm>
+      </p:grpSpPr>
+      <p:sp>
+        <p:nvSpPr>
+          <p:cNvPr id="4" name="TextBox 3"/>
+          <p:cNvSpPr txBox="1"/>
+          <p:nvPr/>
+        </p:nvSpPr>
+        <p:spPr>
+          <a:xfrm>
+            <a:off x="684000" y="260648"/>
+            <a:ext cx="7776000" cy="5539978"/>
+          </a:xfrm>
+          <a:prstGeom prst="rect">
+            <a:avLst/>
+          </a:prstGeom>
+          <a:noFill/>
+        </p:spPr>
+        <p:txBody>
+          <a:bodyPr wrap="square" rtlCol="0">
+            <a:spAutoFit/>
+          </a:bodyPr>
+          <a:lstStyle/>
+          <a:p>
+            <a:pPr>
+              <a:lnSpc>
+                <a:spcPct val="150000"/>
+              </a:lnSpc>
+            </a:pPr>
+            <a:r>
+              <a:rPr lang="en-US" altLang="zh-CN" sz="2800" b="1" dirty="0">
+                <a:solidFill>
+                  <a:schemeClr val="tx1">
+                    <a:lumMod val="75000"/>
+                    <a:lumOff val="25000"/>
+                  </a:schemeClr>
+                </a:solidFill>
+                <a:latin typeface="微软雅黑" pitchFamily="34" charset="-122"/>
+                <a:ea typeface="微软雅黑" pitchFamily="34" charset="-122"/>
+              </a:rPr>
+              <a:t>6</a:t>
+            </a:r>
+            <a:r>
+              <a:rPr lang="en-US" altLang="zh-CN" sz="2800" b="1" dirty="0" smtClean="0">
+                <a:solidFill>
+                  <a:schemeClr val="tx1">
+                    <a:lumMod val="75000"/>
+                    <a:lumOff val="25000"/>
+                  </a:schemeClr>
+                </a:solidFill>
+                <a:latin typeface="微软雅黑" pitchFamily="34" charset="-122"/>
+                <a:ea typeface="微软雅黑" pitchFamily="34" charset="-122"/>
+              </a:rPr>
+              <a:t>.</a:t>
+            </a:r>
+            <a:r>
+              <a:rPr lang="zh-CN" altLang="en-US" sz="2800" b="1" dirty="0" smtClean="0">
+                <a:solidFill>
+                  <a:schemeClr val="tx1">
+                    <a:lumMod val="75000"/>
+                    <a:lumOff val="25000"/>
+                  </a:schemeClr>
+                </a:solidFill>
+                <a:latin typeface="微软雅黑" pitchFamily="34" charset="-122"/>
+                <a:ea typeface="微软雅黑" pitchFamily="34" charset="-122"/>
+              </a:rPr>
+              <a:t> 动画</a:t>
+            </a:r>
+            <a:r>
+              <a:rPr lang="zh-CN" altLang="en-US" sz="2800" b="1" dirty="0" smtClean="0">
+                <a:solidFill>
+                  <a:schemeClr val="tx1">
+                    <a:lumMod val="75000"/>
+                    <a:lumOff val="25000"/>
+                  </a:schemeClr>
+                </a:solidFill>
+                <a:latin typeface="微软雅黑" pitchFamily="34" charset="-122"/>
+                <a:ea typeface="微软雅黑" pitchFamily="34" charset="-122"/>
+              </a:rPr>
+              <a:t>控制</a:t>
+            </a:r>
+          </a:p>
+          <a:p>
+            <a:pPr>
+              <a:lnSpc>
+                <a:spcPct val="150000"/>
+              </a:lnSpc>
+            </a:pPr>
+            <a:r>
+              <a:rPr lang="en-US" altLang="zh-CN" sz="2400" dirty="0" smtClean="0">
+                <a:solidFill>
+                  <a:schemeClr val="tx1">
+                    <a:lumMod val="75000"/>
+                    <a:lumOff val="25000"/>
+                  </a:schemeClr>
+                </a:solidFill>
+                <a:latin typeface="微软雅黑" pitchFamily="34" charset="-122"/>
+                <a:ea typeface="微软雅黑" pitchFamily="34" charset="-122"/>
+              </a:rPr>
+              <a:t>a.</a:t>
+            </a:r>
+            <a:r>
+              <a:rPr lang="zh-CN" altLang="en-US" sz="2400" dirty="0" smtClean="0">
+                <a:solidFill>
+                  <a:schemeClr val="tx1">
+                    <a:lumMod val="75000"/>
+                    <a:lumOff val="25000"/>
+                  </a:schemeClr>
+                </a:solidFill>
+                <a:latin typeface="微软雅黑" pitchFamily="34" charset="-122"/>
+                <a:ea typeface="微软雅黑" pitchFamily="34" charset="-122"/>
+              </a:rPr>
+              <a:t>首先将要显示的字符读取，然后通过字符在</a:t>
+            </a:r>
+            <a:r>
+              <a:rPr lang="en-US" altLang="zh-CN" sz="2400" dirty="0" smtClean="0">
+                <a:solidFill>
+                  <a:schemeClr val="tx1">
+                    <a:lumMod val="75000"/>
+                    <a:lumOff val="25000"/>
+                  </a:schemeClr>
+                </a:solidFill>
+                <a:latin typeface="微软雅黑" pitchFamily="34" charset="-122"/>
+                <a:ea typeface="微软雅黑" pitchFamily="34" charset="-122"/>
+              </a:rPr>
+              <a:t>letters</a:t>
+            </a:r>
+            <a:r>
+              <a:rPr lang="zh-CN" altLang="en-US" sz="2400" dirty="0" smtClean="0">
+                <a:solidFill>
+                  <a:schemeClr val="tx1">
+                    <a:lumMod val="75000"/>
+                    <a:lumOff val="25000"/>
+                  </a:schemeClr>
+                </a:solidFill>
+                <a:latin typeface="微软雅黑" pitchFamily="34" charset="-122"/>
+                <a:ea typeface="微软雅黑" pitchFamily="34" charset="-122"/>
+              </a:rPr>
+              <a:t>对象中获取对应的路径信息，然后设置标签的当前路径信息，并设置要切换的目标字母数字的路径信息</a:t>
+            </a:r>
+            <a:endParaRPr lang="en-US" altLang="zh-CN" sz="2400" dirty="0" smtClean="0">
+              <a:solidFill>
+                <a:schemeClr val="tx1">
+                  <a:lumMod val="75000"/>
+                  <a:lumOff val="25000"/>
+                </a:schemeClr>
+              </a:solidFill>
+              <a:latin typeface="微软雅黑" pitchFamily="34" charset="-122"/>
+              <a:ea typeface="微软雅黑" pitchFamily="34" charset="-122"/>
+            </a:endParaRPr>
+          </a:p>
+          <a:p>
+            <a:pPr>
+              <a:lnSpc>
+                <a:spcPct val="150000"/>
+              </a:lnSpc>
+            </a:pPr>
+            <a:r>
+              <a:rPr lang="en-US" altLang="zh-CN" sz="2400" dirty="0" smtClean="0">
+                <a:solidFill>
+                  <a:schemeClr val="tx1">
+                    <a:lumMod val="75000"/>
+                    <a:lumOff val="25000"/>
+                  </a:schemeClr>
+                </a:solidFill>
+                <a:latin typeface="微软雅黑" pitchFamily="34" charset="-122"/>
+                <a:ea typeface="微软雅黑" pitchFamily="34" charset="-122"/>
+              </a:rPr>
+              <a:t>b.</a:t>
+            </a:r>
+            <a:r>
+              <a:rPr lang="zh-CN" altLang="en-US" sz="2400" dirty="0" smtClean="0">
+                <a:solidFill>
+                  <a:schemeClr val="tx1">
+                    <a:lumMod val="75000"/>
+                    <a:lumOff val="25000"/>
+                  </a:schemeClr>
+                </a:solidFill>
+                <a:latin typeface="微软雅黑" pitchFamily="34" charset="-122"/>
+                <a:ea typeface="微软雅黑" pitchFamily="34" charset="-122"/>
+              </a:rPr>
+              <a:t>点击</a:t>
+            </a:r>
+            <a:r>
+              <a:rPr lang="en-US" altLang="zh-CN" sz="2400" dirty="0" smtClean="0">
+                <a:solidFill>
+                  <a:schemeClr val="tx1">
+                    <a:lumMod val="75000"/>
+                    <a:lumOff val="25000"/>
+                  </a:schemeClr>
+                </a:solidFill>
+                <a:latin typeface="微软雅黑" pitchFamily="34" charset="-122"/>
+                <a:ea typeface="微软雅黑" pitchFamily="34" charset="-122"/>
+              </a:rPr>
+              <a:t>SVG</a:t>
+            </a:r>
+            <a:r>
+              <a:rPr lang="zh-CN" altLang="en-US" sz="2400" dirty="0" smtClean="0">
+                <a:solidFill>
+                  <a:schemeClr val="tx1">
+                    <a:lumMod val="75000"/>
+                    <a:lumOff val="25000"/>
+                  </a:schemeClr>
+                </a:solidFill>
+                <a:latin typeface="微软雅黑" pitchFamily="34" charset="-122"/>
+                <a:ea typeface="微软雅黑" pitchFamily="34" charset="-122"/>
+              </a:rPr>
+              <a:t>元素，启动切换路径的动画</a:t>
+            </a:r>
+            <a:endParaRPr lang="en-US" altLang="zh-CN" sz="2400" dirty="0" smtClean="0">
+              <a:solidFill>
+                <a:schemeClr val="tx1">
+                  <a:lumMod val="75000"/>
+                  <a:lumOff val="25000"/>
+                </a:schemeClr>
+              </a:solidFill>
+              <a:latin typeface="微软雅黑" pitchFamily="34" charset="-122"/>
+              <a:ea typeface="微软雅黑" pitchFamily="34" charset="-122"/>
+            </a:endParaRPr>
+          </a:p>
+          <a:p>
+            <a:pPr>
+              <a:lnSpc>
+                <a:spcPct val="150000"/>
+              </a:lnSpc>
+            </a:pPr>
+            <a:r>
+              <a:rPr lang="en-US" altLang="zh-CN" sz="2800" dirty="0" smtClean="0">
+                <a:solidFill>
+                  <a:schemeClr val="tx1">
+                    <a:lumMod val="75000"/>
+                    <a:lumOff val="25000"/>
+                  </a:schemeClr>
+                </a:solidFill>
+                <a:latin typeface="微软雅黑" pitchFamily="34" charset="-122"/>
+                <a:ea typeface="微软雅黑" pitchFamily="34" charset="-122"/>
+              </a:rPr>
+              <a:t>c.</a:t>
+            </a:r>
+            <a:r>
+              <a:rPr lang="zh-CN" altLang="en-US" sz="2800" dirty="0" smtClean="0">
+                <a:solidFill>
+                  <a:schemeClr val="tx1">
+                    <a:lumMod val="75000"/>
+                    <a:lumOff val="25000"/>
+                  </a:schemeClr>
+                </a:solidFill>
+                <a:latin typeface="微软雅黑" pitchFamily="34" charset="-122"/>
+                <a:ea typeface="微软雅黑" pitchFamily="34" charset="-122"/>
+              </a:rPr>
+              <a:t>动画结束后，设置下一组变换的</a:t>
+            </a:r>
+            <a:r>
+              <a:rPr lang="zh-CN" altLang="en-US" sz="2800" dirty="0">
+                <a:solidFill>
+                  <a:schemeClr val="tx1">
+                    <a:lumMod val="75000"/>
+                    <a:lumOff val="25000"/>
+                  </a:schemeClr>
+                </a:solidFill>
+                <a:latin typeface="微软雅黑" pitchFamily="34" charset="-122"/>
+                <a:ea typeface="微软雅黑" pitchFamily="34" charset="-122"/>
+              </a:rPr>
+              <a:t>路径</a:t>
+            </a:r>
+            <a:r>
+              <a:rPr lang="zh-CN" altLang="en-US" sz="2800" dirty="0" smtClean="0">
+                <a:solidFill>
+                  <a:schemeClr val="tx1">
+                    <a:lumMod val="75000"/>
+                    <a:lumOff val="25000"/>
+                  </a:schemeClr>
+                </a:solidFill>
+                <a:latin typeface="微软雅黑" pitchFamily="34" charset="-122"/>
+                <a:ea typeface="微软雅黑" pitchFamily="34" charset="-122"/>
+              </a:rPr>
+              <a:t>信息</a:t>
+            </a:r>
+            <a:endParaRPr lang="en-US" altLang="zh-CN" sz="2800" dirty="0" smtClean="0">
+              <a:solidFill>
+                <a:schemeClr val="tx1">
+                  <a:lumMod val="75000"/>
+                  <a:lumOff val="25000"/>
+                </a:schemeClr>
+              </a:solidFill>
+              <a:latin typeface="微软雅黑" pitchFamily="34" charset="-122"/>
+              <a:ea typeface="微软雅黑" pitchFamily="34" charset="-122"/>
+            </a:endParaRPr>
+          </a:p>
+          <a:p>
+            <a:pPr>
+              <a:lnSpc>
+                <a:spcPct val="150000"/>
+              </a:lnSpc>
+            </a:pPr>
+            <a:endParaRPr lang="en-US" altLang="zh-CN" sz="2800" dirty="0">
+              <a:solidFill>
+                <a:schemeClr val="tx1">
+                  <a:lumMod val="75000"/>
+                  <a:lumOff val="25000"/>
+                </a:schemeClr>
+              </a:solidFill>
+              <a:latin typeface="微软雅黑" pitchFamily="34" charset="-122"/>
+              <a:ea typeface="微软雅黑" pitchFamily="34" charset="-122"/>
+            </a:endParaRPr>
+          </a:p>
+          <a:p>
+            <a:pPr>
+              <a:lnSpc>
+                <a:spcPct val="150000"/>
+              </a:lnSpc>
+            </a:pPr>
+            <a:r>
+              <a:rPr lang="zh-CN" altLang="en-US" sz="2800" dirty="0" smtClean="0">
+                <a:solidFill>
+                  <a:schemeClr val="tx1">
+                    <a:lumMod val="75000"/>
+                    <a:lumOff val="25000"/>
+                  </a:schemeClr>
+                </a:solidFill>
+                <a:latin typeface="微软雅黑" pitchFamily="34" charset="-122"/>
+                <a:ea typeface="微软雅黑" pitchFamily="34" charset="-122"/>
+              </a:rPr>
+              <a:t>这部分并非核心代码，也并不复杂，这里不再赘述，请大家参考源代码</a:t>
+            </a:r>
+            <a:r>
+              <a:rPr lang="en-US" altLang="zh-CN" sz="2800" dirty="0" smtClean="0">
+                <a:solidFill>
+                  <a:schemeClr val="tx1">
+                    <a:lumMod val="75000"/>
+                    <a:lumOff val="25000"/>
+                  </a:schemeClr>
+                </a:solidFill>
+                <a:latin typeface="微软雅黑" pitchFamily="34" charset="-122"/>
+                <a:ea typeface="微软雅黑" pitchFamily="34" charset="-122"/>
+              </a:rPr>
+              <a:t>.</a:t>
+            </a:r>
+            <a:endParaRPr lang="en-US" altLang="zh-CN" sz="2800" dirty="0" smtClean="0">
+              <a:solidFill>
+                <a:schemeClr val="tx1">
+                  <a:lumMod val="75000"/>
+                  <a:lumOff val="25000"/>
+                </a:schemeClr>
+              </a:solidFill>
+              <a:latin typeface="微软雅黑" pitchFamily="34" charset="-122"/>
+              <a:ea typeface="微软雅黑" pitchFamily="34" charset="-122"/>
+            </a:endParaRPr>
+          </a:p>
+        </p:txBody>
+      </p:sp>
+    </p:spTree>
+    <p:extLst>
+      <p:ext uri="{BB962C8B-B14F-4D97-AF65-F5344CB8AC3E}">
+        <p14:creationId xmlns:p14="http://schemas.microsoft.com/office/powerpoint/2010/main" val="3915268423"/>
+      </p:ext>
+    </p:extLst>
+  </p:cSld>
+  <p:clrMapOvr>
+    <a:masterClrMapping/>
+  </p:clrMapOvr>
+  <p:timing>
+    <p:tnLst>
+      <p:par>
+        <p:cTn id="1" dur="indefinite" restart="never" nodeType="tmRoot"/>
+      </p:par>
+    </p:tnLst>
+  </p:timing>
+</p:sld>
+</file>
+
+<file path=ppt/slides/slide27.xml><?xml version="1.0" encoding="utf-8"?>
+<p:sld xmlns:a="http://schemas.openxmlformats.org/drawingml/2006/main" xmlns:r="http://schemas.openxmlformats.org/officeDocument/2006/relationships" xmlns:p="http://schemas.openxmlformats.org/presentationml/2006/main">
+  <p:cSld>
+    <p:spTree>
+      <p:nvGrpSpPr>
+        <p:cNvPr id="1" name=""/>
+        <p:cNvGrpSpPr/>
+        <p:nvPr/>
+      </p:nvGrpSpPr>
+      <p:grpSpPr>
+        <a:xfrm>
+          <a:off x="0" y="0"/>
+          <a:ext cx="0" cy="0"/>
+          <a:chOff x="0" y="0"/>
+          <a:chExt cx="0" cy="0"/>
+        </a:xfrm>
+      </p:grpSpPr>
+      <p:sp>
+        <p:nvSpPr>
+          <p:cNvPr id="4" name="TextBox 3"/>
+          <p:cNvSpPr txBox="1"/>
+          <p:nvPr/>
+        </p:nvSpPr>
+        <p:spPr>
+          <a:xfrm>
+            <a:off x="467544" y="476672"/>
+            <a:ext cx="7776864" cy="523220"/>
+          </a:xfrm>
+          <a:prstGeom prst="rect">
+            <a:avLst/>
+          </a:prstGeom>
+          <a:noFill/>
+        </p:spPr>
+        <p:txBody>
+          <a:bodyPr wrap="square" rtlCol="0">
+            <a:spAutoFit/>
+          </a:bodyPr>
+          <a:lstStyle/>
+          <a:p>
+            <a:r>
+              <a:rPr lang="en-US" altLang="zh-CN" sz="2800" b="1" dirty="0">
+                <a:solidFill>
+                  <a:schemeClr val="tx1">
+                    <a:lumMod val="75000"/>
+                    <a:lumOff val="25000"/>
+                  </a:schemeClr>
+                </a:solidFill>
+                <a:latin typeface="微软雅黑" pitchFamily="34" charset="-122"/>
+                <a:ea typeface="微软雅黑" pitchFamily="34" charset="-122"/>
+              </a:rPr>
+              <a:t>7</a:t>
+            </a:r>
+            <a:r>
+              <a:rPr lang="en-US" altLang="zh-CN" sz="2800" b="1" dirty="0" smtClean="0">
+                <a:solidFill>
+                  <a:schemeClr val="tx1">
+                    <a:lumMod val="75000"/>
+                    <a:lumOff val="25000"/>
+                  </a:schemeClr>
+                </a:solidFill>
+                <a:latin typeface="微软雅黑" pitchFamily="34" charset="-122"/>
+                <a:ea typeface="微软雅黑" pitchFamily="34" charset="-122"/>
+              </a:rPr>
+              <a:t>.</a:t>
+            </a:r>
+            <a:r>
+              <a:rPr lang="zh-CN" altLang="en-US" sz="2800" b="1" dirty="0" smtClean="0">
+                <a:solidFill>
+                  <a:schemeClr val="tx1">
+                    <a:lumMod val="75000"/>
+                    <a:lumOff val="25000"/>
+                  </a:schemeClr>
+                </a:solidFill>
+                <a:latin typeface="微软雅黑" pitchFamily="34" charset="-122"/>
+                <a:ea typeface="微软雅黑" pitchFamily="34" charset="-122"/>
+              </a:rPr>
+              <a:t>更多思考</a:t>
+            </a:r>
+            <a:endParaRPr lang="zh-CN" altLang="en-US" sz="2800" b="1" dirty="0">
+              <a:solidFill>
+                <a:schemeClr val="tx1">
+                  <a:lumMod val="75000"/>
+                  <a:lumOff val="25000"/>
+                </a:schemeClr>
+              </a:solidFill>
+              <a:latin typeface="微软雅黑" pitchFamily="34" charset="-122"/>
+              <a:ea typeface="微软雅黑" pitchFamily="34" charset="-122"/>
+            </a:endParaRPr>
+          </a:p>
+        </p:txBody>
+      </p:sp>
+      <p:sp>
+        <p:nvSpPr>
+          <p:cNvPr id="9" name="TextBox 8"/>
+          <p:cNvSpPr txBox="1"/>
+          <p:nvPr/>
+        </p:nvSpPr>
+        <p:spPr>
+          <a:xfrm>
+            <a:off x="611560" y="3628181"/>
+            <a:ext cx="7776864" cy="1384995"/>
+          </a:xfrm>
+          <a:prstGeom prst="rect">
+            <a:avLst/>
+          </a:prstGeom>
+          <a:noFill/>
+        </p:spPr>
+        <p:txBody>
+          <a:bodyPr wrap="square" rtlCol="0">
+            <a:spAutoFit/>
+          </a:bodyPr>
+          <a:lstStyle/>
+          <a:p>
+            <a:r>
+              <a:rPr lang="en-US" altLang="zh-CN" sz="2800" b="1" dirty="0" smtClean="0">
+                <a:solidFill>
+                  <a:schemeClr val="tx1">
+                    <a:lumMod val="75000"/>
+                    <a:lumOff val="25000"/>
+                  </a:schemeClr>
+                </a:solidFill>
+                <a:latin typeface="微软雅黑" pitchFamily="34" charset="-122"/>
+                <a:ea typeface="微软雅黑" pitchFamily="34" charset="-122"/>
+              </a:rPr>
+              <a:t>	</a:t>
+            </a:r>
+            <a:r>
+              <a:rPr lang="zh-CN" altLang="en-US" sz="2800" b="1" dirty="0" smtClean="0">
+                <a:solidFill>
+                  <a:schemeClr val="tx1">
+                    <a:lumMod val="75000"/>
+                    <a:lumOff val="25000"/>
+                  </a:schemeClr>
+                </a:solidFill>
+                <a:latin typeface="微软雅黑" pitchFamily="34" charset="-122"/>
+                <a:ea typeface="微软雅黑" pitchFamily="34" charset="-122"/>
+              </a:rPr>
+              <a:t>本期内容就讲到这里，谢谢大家！</a:t>
+            </a:r>
+            <a:endParaRPr lang="en-US" altLang="zh-CN" sz="2800" b="1" dirty="0" smtClean="0">
+              <a:solidFill>
+                <a:schemeClr val="tx1">
+                  <a:lumMod val="75000"/>
+                  <a:lumOff val="25000"/>
+                </a:schemeClr>
+              </a:solidFill>
+              <a:latin typeface="微软雅黑" pitchFamily="34" charset="-122"/>
+              <a:ea typeface="微软雅黑" pitchFamily="34" charset="-122"/>
+            </a:endParaRPr>
+          </a:p>
+          <a:p>
+            <a:endParaRPr lang="en-US" altLang="zh-CN" sz="2800" b="1" dirty="0" smtClean="0">
+              <a:solidFill>
+                <a:schemeClr val="tx1">
+                  <a:lumMod val="75000"/>
+                  <a:lumOff val="25000"/>
+                </a:schemeClr>
+              </a:solidFill>
+              <a:latin typeface="微软雅黑" pitchFamily="34" charset="-122"/>
+              <a:ea typeface="微软雅黑" pitchFamily="34" charset="-122"/>
+            </a:endParaRPr>
+          </a:p>
+          <a:p>
+            <a:r>
+              <a:rPr lang="en-US" altLang="zh-CN" sz="2800" b="1" dirty="0">
+                <a:solidFill>
+                  <a:schemeClr val="tx1">
+                    <a:lumMod val="75000"/>
+                    <a:lumOff val="25000"/>
+                  </a:schemeClr>
+                </a:solidFill>
+                <a:latin typeface="微软雅黑" pitchFamily="34" charset="-122"/>
+                <a:ea typeface="微软雅黑" pitchFamily="34" charset="-122"/>
+              </a:rPr>
+              <a:t>	</a:t>
+            </a:r>
+            <a:r>
+              <a:rPr lang="en-US" altLang="zh-CN" sz="2800" b="1" dirty="0" smtClean="0">
+                <a:solidFill>
+                  <a:schemeClr val="tx1">
+                    <a:lumMod val="75000"/>
+                    <a:lumOff val="25000"/>
+                  </a:schemeClr>
+                </a:solidFill>
+                <a:latin typeface="微软雅黑" pitchFamily="34" charset="-122"/>
+                <a:ea typeface="微软雅黑" pitchFamily="34" charset="-122"/>
+              </a:rPr>
+              <a:t>	</a:t>
+            </a:r>
+            <a:endParaRPr lang="zh-CN" altLang="en-US" sz="2800" b="1" dirty="0">
+              <a:solidFill>
+                <a:schemeClr val="tx1">
+                  <a:lumMod val="75000"/>
+                  <a:lumOff val="25000"/>
+                </a:schemeClr>
+              </a:solidFill>
+              <a:latin typeface="微软雅黑" pitchFamily="34" charset="-122"/>
+              <a:ea typeface="微软雅黑" pitchFamily="34" charset="-122"/>
+            </a:endParaRPr>
+          </a:p>
+        </p:txBody>
+      </p:sp>
+      <p:sp>
+        <p:nvSpPr>
+          <p:cNvPr id="5" name="TextBox 4"/>
+          <p:cNvSpPr txBox="1"/>
+          <p:nvPr/>
+        </p:nvSpPr>
+        <p:spPr>
+          <a:xfrm>
+            <a:off x="467544" y="1268760"/>
+            <a:ext cx="7632848" cy="1135054"/>
+          </a:xfrm>
+          <a:prstGeom prst="rect">
+            <a:avLst/>
+          </a:prstGeom>
+          <a:noFill/>
+        </p:spPr>
+        <p:txBody>
+          <a:bodyPr wrap="square" rtlCol="0">
+            <a:spAutoFit/>
+          </a:bodyPr>
+          <a:lstStyle/>
+          <a:p>
+            <a:pPr marL="342900" indent="-342900">
+              <a:lnSpc>
+                <a:spcPct val="150000"/>
+              </a:lnSpc>
+              <a:buFont typeface="Arial" pitchFamily="34" charset="0"/>
+              <a:buChar char="•"/>
+            </a:pPr>
+            <a:r>
+              <a:rPr lang="zh-CN" altLang="en-US" sz="2400" dirty="0" smtClean="0">
+                <a:solidFill>
+                  <a:schemeClr val="tx1">
+                    <a:lumMod val="75000"/>
+                    <a:lumOff val="25000"/>
+                  </a:schemeClr>
+                </a:solidFill>
+                <a:latin typeface="微软雅黑" pitchFamily="34" charset="-122"/>
+                <a:ea typeface="微软雅黑" pitchFamily="34" charset="-122"/>
+              </a:rPr>
+              <a:t>如何通过</a:t>
+            </a:r>
+            <a:r>
+              <a:rPr lang="en-US" altLang="zh-CN" sz="2400" dirty="0" smtClean="0">
+                <a:solidFill>
+                  <a:schemeClr val="tx1">
+                    <a:lumMod val="75000"/>
+                    <a:lumOff val="25000"/>
+                  </a:schemeClr>
+                </a:solidFill>
+                <a:latin typeface="微软雅黑" pitchFamily="34" charset="-122"/>
+                <a:ea typeface="微软雅黑" pitchFamily="34" charset="-122"/>
+              </a:rPr>
+              <a:t>JS</a:t>
+            </a:r>
+            <a:r>
+              <a:rPr lang="zh-CN" altLang="en-US" sz="2400" dirty="0" smtClean="0">
+                <a:solidFill>
+                  <a:schemeClr val="tx1">
+                    <a:lumMod val="75000"/>
+                    <a:lumOff val="25000"/>
+                  </a:schemeClr>
+                </a:solidFill>
+                <a:latin typeface="微软雅黑" pitchFamily="34" charset="-122"/>
+                <a:ea typeface="微软雅黑" pitchFamily="34" charset="-122"/>
+              </a:rPr>
+              <a:t>动画插值实现变形</a:t>
+            </a:r>
+            <a:endParaRPr lang="en-US" altLang="zh-CN" sz="2400" dirty="0" smtClean="0">
+              <a:solidFill>
+                <a:schemeClr val="tx1">
+                  <a:lumMod val="75000"/>
+                  <a:lumOff val="25000"/>
+                </a:schemeClr>
+              </a:solidFill>
+              <a:latin typeface="微软雅黑" pitchFamily="34" charset="-122"/>
+              <a:ea typeface="微软雅黑" pitchFamily="34" charset="-122"/>
+            </a:endParaRPr>
+          </a:p>
+          <a:p>
+            <a:pPr marL="342900" indent="-342900">
+              <a:lnSpc>
+                <a:spcPct val="150000"/>
+              </a:lnSpc>
+              <a:buFont typeface="Arial" pitchFamily="34" charset="0"/>
+              <a:buChar char="•"/>
+            </a:pPr>
+            <a:r>
+              <a:rPr lang="zh-CN" altLang="en-US" sz="2400" dirty="0" smtClean="0">
+                <a:solidFill>
+                  <a:schemeClr val="tx1">
+                    <a:lumMod val="75000"/>
+                    <a:lumOff val="25000"/>
+                  </a:schemeClr>
+                </a:solidFill>
+                <a:latin typeface="微软雅黑" pitchFamily="34" charset="-122"/>
+                <a:ea typeface="微软雅黑" pitchFamily="34" charset="-122"/>
+              </a:rPr>
+              <a:t>如果不增加路径数目，如何变形呢？</a:t>
+            </a:r>
+            <a:endParaRPr lang="en-US" altLang="zh-CN" sz="2400" dirty="0" smtClean="0">
+              <a:solidFill>
+                <a:schemeClr val="tx1">
+                  <a:lumMod val="75000"/>
+                  <a:lumOff val="25000"/>
+                </a:schemeClr>
+              </a:solidFill>
+              <a:latin typeface="微软雅黑" pitchFamily="34" charset="-122"/>
+              <a:ea typeface="微软雅黑" pitchFamily="34" charset="-122"/>
+            </a:endParaRPr>
+          </a:p>
+        </p:txBody>
+      </p:sp>
+    </p:spTree>
+    <p:extLst>
+      <p:ext uri="{BB962C8B-B14F-4D97-AF65-F5344CB8AC3E}">
+        <p14:creationId xmlns:p14="http://schemas.microsoft.com/office/powerpoint/2010/main" val="2328121375"/>
+      </p:ext>
+    </p:extLst>
+  </p:cSld>
+  <p:clrMapOvr>
+    <a:masterClrMapping/>
+  </p:clrMapOvr>
+</p:sld>
+</file>
+
 <file path=ppt/slides/slide3.xml><?xml version="1.0" encoding="utf-8"?>
 <p:sld xmlns:a="http://schemas.openxmlformats.org/drawingml/2006/main" xmlns:r="http://schemas.openxmlformats.org/officeDocument/2006/relationships" xmlns:p="http://schemas.openxmlformats.org/presentationml/2006/main">
   <p:cSld>
@@ -6308,7 +12710,20 @@
                 <a:latin typeface="微软雅黑" pitchFamily="34" charset="-122"/>
                 <a:ea typeface="微软雅黑" pitchFamily="34" charset="-122"/>
               </a:rPr>
-              <a:t>文档</a:t>
+              <a:t>文档，然后变形转换</a:t>
+            </a:r>
+            <a:r>
+              <a:rPr lang="en-US" altLang="zh-CN" sz="2400" dirty="0" smtClean="0">
+                <a:solidFill>
+                  <a:schemeClr val="tx1">
+                    <a:lumMod val="75000"/>
+                    <a:lumOff val="25000"/>
+                  </a:schemeClr>
+                </a:solidFill>
+                <a:latin typeface="微软雅黑" pitchFamily="34" charset="-122"/>
+                <a:ea typeface="微软雅黑" pitchFamily="34" charset="-122"/>
+              </a:rPr>
+              <a:t>,</a:t>
             </a:r>
             <a:r>
               <a:rPr lang="zh-CN" altLang="en-US" sz="2400" dirty="0" smtClean="0">
@@ -6321,20 +12736,7 @@
                 <a:latin typeface="微软雅黑" pitchFamily="34" charset="-122"/>
                 <a:ea typeface="微软雅黑" pitchFamily="34" charset="-122"/>
               </a:rPr>
-              <a:t>，然后变形转换</a:t>
-            </a:r>
-            <a:r>
-              <a:rPr lang="en-US" altLang="zh-CN" sz="2400" dirty="0" smtClean="0">
-                <a:solidFill>
-                  <a:schemeClr val="tx1">
-                    <a:lumMod val="75000"/>
-                    <a:lumOff val="25000"/>
-                  </a:schemeClr>
-                </a:solidFill>
-                <a:latin typeface="微软雅黑" pitchFamily="34" charset="-122"/>
-                <a:ea typeface="微软雅黑" pitchFamily="34" charset="-122"/>
-              </a:rPr>
-              <a:t>,</a:t>
+              <a:t>本质</a:t>
             </a:r>
             <a:r>
               <a:rPr lang="zh-CN" altLang="en-US" sz="2400" dirty="0" smtClean="0">
@@ -6347,7 +12749,7 @@
                 <a:latin typeface="微软雅黑" pitchFamily="34" charset="-122"/>
                 <a:ea typeface="微软雅黑" pitchFamily="34" charset="-122"/>
               </a:rPr>
-              <a:t>本质上就成了</a:t>
+              <a:t>上就是</a:t>
             </a:r>
             <a:r>
               <a:rPr lang="zh-CN" altLang="en-US" sz="2400" b="1" dirty="0" smtClean="0">
@@ -6360,7 +12762,20 @@
                 <a:latin typeface="微软雅黑" pitchFamily="34" charset="-122"/>
                 <a:ea typeface="微软雅黑" pitchFamily="34" charset="-122"/>
               </a:rPr>
-              <a:t>路径变换</a:t>
+              <a:t>路径</a:t>
+            </a:r>
+            <a:r>
+              <a:rPr lang="zh-CN" altLang="en-US" sz="2400" b="1" dirty="0" smtClean="0">
+                <a:solidFill>
+                  <a:schemeClr val="tx1">
+                    <a:lumMod val="75000"/>
+                    <a:lumOff val="25000"/>
+                  </a:schemeClr>
+                </a:solidFill>
+                <a:latin typeface="微软雅黑" pitchFamily="34" charset="-122"/>
+                <a:ea typeface="微软雅黑" pitchFamily="34" charset="-122"/>
+              </a:rPr>
+              <a:t>变换</a:t>
             </a:r>
             <a:endParaRPr lang="en-US" altLang="zh-CN" sz="2400" b="1" dirty="0" smtClean="0">
               <a:solidFill>
@@ -6444,7 +12859,7 @@
                 <a:latin typeface="微软雅黑" pitchFamily="34" charset="-122"/>
                 <a:ea typeface="微软雅黑" pitchFamily="34" charset="-122"/>
               </a:rPr>
-              <a:t>同时路径</a:t>
+              <a:t>同时</a:t>
             </a:r>
             <a:r>
               <a:rPr lang="zh-CN" altLang="en-US" sz="2400" b="1" dirty="0" smtClean="0">
@@ -6457,7 +12872,20 @@
                 <a:latin typeface="微软雅黑" pitchFamily="34" charset="-122"/>
                 <a:ea typeface="微软雅黑" pitchFamily="34" charset="-122"/>
               </a:rPr>
-              <a:t>指令和路径的数目要相同</a:t>
+              <a:t>指令</a:t>
+            </a:r>
+            <a:r>
+              <a:rPr lang="zh-CN" altLang="en-US" sz="2400" b="1" dirty="0" smtClean="0">
+                <a:solidFill>
+                  <a:schemeClr val="tx1">
+                    <a:lumMod val="75000"/>
+                    <a:lumOff val="25000"/>
+                  </a:schemeClr>
+                </a:solidFill>
+                <a:latin typeface="微软雅黑" pitchFamily="34" charset="-122"/>
+                <a:ea typeface="微软雅黑" pitchFamily="34" charset="-122"/>
+              </a:rPr>
+              <a:t>和路径的数目要相同</a:t>
             </a:r>
             <a:r>
               <a:rPr lang="zh-CN" altLang="en-US" sz="2400" dirty="0" smtClean="0">
@@ -6470,7 +12898,33 @@
                 <a:latin typeface="微软雅黑" pitchFamily="34" charset="-122"/>
                 <a:ea typeface="微软雅黑" pitchFamily="34" charset="-122"/>
               </a:rPr>
-              <a:t>，找到路径最多的字母，将所有字母加到相同的最大数目</a:t>
+              <a:t>，找到路径最多的字母</a:t>
+            </a:r>
+            <a:r>
+              <a:rPr lang="zh-CN" altLang="en-US" sz="2400" dirty="0" smtClean="0">
+                <a:solidFill>
+                  <a:schemeClr val="tx1">
+                    <a:lumMod val="75000"/>
+                    <a:lumOff val="25000"/>
+                  </a:schemeClr>
+                </a:solidFill>
+                <a:latin typeface="微软雅黑" pitchFamily="34" charset="-122"/>
+                <a:ea typeface="微软雅黑" pitchFamily="34" charset="-122"/>
+              </a:rPr>
+              <a:t>，所有字母路径增加到最大</a:t>
+            </a:r>
+            <a:r>
+              <a:rPr lang="zh-CN" altLang="en-US" sz="2400" dirty="0" smtClean="0">
+                <a:solidFill>
+                  <a:schemeClr val="tx1">
+                    <a:lumMod val="75000"/>
+                    <a:lumOff val="25000"/>
+                  </a:schemeClr>
+                </a:solidFill>
+                <a:latin typeface="微软雅黑" pitchFamily="34" charset="-122"/>
+                <a:ea typeface="微软雅黑" pitchFamily="34" charset="-122"/>
+              </a:rPr>
+              <a:t>数目</a:t>
             </a:r>
             <a:r>
               <a:rPr lang="en-US" altLang="zh-CN" sz="2400" dirty="0" smtClean="0">
@@ -6554,7 +13008,33 @@
                 <a:latin typeface="微软雅黑" pitchFamily="34" charset="-122"/>
                 <a:ea typeface="微软雅黑" pitchFamily="34" charset="-122"/>
               </a:rPr>
-              <a:t>变形动画</a:t>
+              <a:t>变形动画用</a:t>
+            </a:r>
+            <a:r>
+              <a:rPr lang="en-US" altLang="zh-CN" sz="2400" b="1" dirty="0" smtClean="0">
+                <a:solidFill>
+                  <a:schemeClr val="tx1">
+                    <a:lumMod val="75000"/>
+                    <a:lumOff val="25000"/>
+                  </a:schemeClr>
+                </a:solidFill>
+                <a:latin typeface="微软雅黑" pitchFamily="34" charset="-122"/>
+                <a:ea typeface="微软雅黑" pitchFamily="34" charset="-122"/>
+              </a:rPr>
+              <a:t>SMIL</a:t>
+            </a:r>
+            <a:r>
+              <a:rPr lang="zh-CN" altLang="en-US" sz="2400" b="1" dirty="0" smtClean="0">
+                <a:solidFill>
+                  <a:schemeClr val="tx1">
+                    <a:lumMod val="75000"/>
+                    <a:lumOff val="25000"/>
+                  </a:schemeClr>
+                </a:solidFill>
+                <a:latin typeface="微软雅黑" pitchFamily="34" charset="-122"/>
+                <a:ea typeface="微软雅黑" pitchFamily="34" charset="-122"/>
+              </a:rPr>
+              <a:t>动画</a:t>
             </a:r>
             <a:r>
               <a:rPr lang="zh-CN" altLang="en-US" sz="2400" dirty="0" smtClean="0">
@@ -6567,7 +13047,7 @@
                 <a:latin typeface="微软雅黑" pitchFamily="34" charset="-122"/>
                 <a:ea typeface="微软雅黑" pitchFamily="34" charset="-122"/>
               </a:rPr>
-              <a:t>用</a:t>
+              <a:t>，也可以用</a:t>
             </a:r>
             <a:r>
               <a:rPr lang="en-US" altLang="zh-CN" sz="2400" b="1" dirty="0" smtClean="0">
@@ -6580,22 +13060,48 @@
                 <a:latin typeface="微软雅黑" pitchFamily="34" charset="-122"/>
                 <a:ea typeface="微软雅黑" pitchFamily="34" charset="-122"/>
               </a:rPr>
+              <a:t>JS</a:t>
+            </a:r>
+            <a:r>
+              <a:rPr lang="zh-CN" altLang="en-US" sz="2400" b="1" dirty="0" smtClean="0">
+                <a:solidFill>
+                  <a:schemeClr val="tx1">
+                    <a:lumMod val="75000"/>
+                    <a:lumOff val="25000"/>
+                  </a:schemeClr>
+                </a:solidFill>
+                <a:latin typeface="微软雅黑" pitchFamily="34" charset="-122"/>
+                <a:ea typeface="微软雅黑" pitchFamily="34" charset="-122"/>
+              </a:rPr>
+              <a:t>进行动画插值</a:t>
+            </a:r>
+            <a:r>
+              <a:rPr lang="zh-CN" altLang="en-US" sz="2400" dirty="0" smtClean="0">
+                <a:solidFill>
+                  <a:schemeClr val="tx1">
+                    <a:lumMod val="75000"/>
+                    <a:lumOff val="25000"/>
+                  </a:schemeClr>
+                </a:solidFill>
+                <a:latin typeface="微软雅黑" pitchFamily="34" charset="-122"/>
+                <a:ea typeface="微软雅黑" pitchFamily="34" charset="-122"/>
+              </a:rPr>
+              <a:t>，这里我们为了降低难度，使用</a:t>
+            </a:r>
+            <a:r>
+              <a:rPr lang="en-US" altLang="zh-CN" sz="2400" dirty="0" smtClean="0">
+                <a:solidFill>
+                  <a:schemeClr val="tx1">
+                    <a:lumMod val="75000"/>
+                    <a:lumOff val="25000"/>
+                  </a:schemeClr>
+                </a:solidFill>
+                <a:latin typeface="微软雅黑" pitchFamily="34" charset="-122"/>
+                <a:ea typeface="微软雅黑" pitchFamily="34" charset="-122"/>
+              </a:rPr>
               <a:t>SMIL</a:t>
             </a:r>
             <a:r>
-              <a:rPr lang="zh-CN" altLang="en-US" sz="2400" b="1" dirty="0" smtClean="0">
-                <a:solidFill>
-                  <a:schemeClr val="tx1">
-                    <a:lumMod val="75000"/>
-                    <a:lumOff val="25000"/>
-                  </a:schemeClr>
-                </a:solidFill>
-                <a:latin typeface="微软雅黑" pitchFamily="34" charset="-122"/>
-                <a:ea typeface="微软雅黑" pitchFamily="34" charset="-122"/>
-              </a:rPr>
-              <a:t>动画</a:t>
-            </a:r>
-            <a:r>
               <a:rPr lang="zh-CN" altLang="en-US" sz="2400" dirty="0" smtClean="0">
                 <a:solidFill>
                   <a:schemeClr val="tx1">
@@ -6606,33 +13112,20 @@
                 <a:latin typeface="微软雅黑" pitchFamily="34" charset="-122"/>
                 <a:ea typeface="微软雅黑" pitchFamily="34" charset="-122"/>
               </a:rPr>
-              <a:t>，也可以用</a:t>
-            </a:r>
-            <a:r>
-              <a:rPr lang="en-US" altLang="zh-CN" sz="2400" b="1" dirty="0" smtClean="0">
-                <a:solidFill>
-                  <a:schemeClr val="tx1">
-                    <a:lumMod val="75000"/>
-                    <a:lumOff val="25000"/>
-                  </a:schemeClr>
-                </a:solidFill>
-                <a:latin typeface="微软雅黑" pitchFamily="34" charset="-122"/>
-                <a:ea typeface="微软雅黑" pitchFamily="34" charset="-122"/>
-              </a:rPr>
-              <a:t>JS</a:t>
-            </a:r>
-            <a:r>
-              <a:rPr lang="zh-CN" altLang="en-US" sz="2400" b="1" dirty="0" smtClean="0">
-                <a:solidFill>
-                  <a:schemeClr val="tx1">
-                    <a:lumMod val="75000"/>
-                    <a:lumOff val="25000"/>
-                  </a:schemeClr>
-                </a:solidFill>
-                <a:latin typeface="微软雅黑" pitchFamily="34" charset="-122"/>
-                <a:ea typeface="微软雅黑" pitchFamily="34" charset="-122"/>
-              </a:rPr>
-              <a:t>进行动画插值</a:t>
+              <a:t>动画，缺点是</a:t>
+            </a:r>
+            <a:r>
+              <a:rPr lang="en-US" altLang="zh-CN" sz="2400" dirty="0" smtClean="0">
+                <a:solidFill>
+                  <a:schemeClr val="tx1">
+                    <a:lumMod val="75000"/>
+                    <a:lumOff val="25000"/>
+                  </a:schemeClr>
+                </a:solidFill>
+                <a:latin typeface="微软雅黑" pitchFamily="34" charset="-122"/>
+                <a:ea typeface="微软雅黑" pitchFamily="34" charset="-122"/>
+              </a:rPr>
+              <a:t>EDGE</a:t>
             </a:r>
             <a:r>
               <a:rPr lang="zh-CN" altLang="en-US" sz="2400" dirty="0" smtClean="0">
@@ -6645,72 +13138,7 @@
                 <a:latin typeface="微软雅黑" pitchFamily="34" charset="-122"/>
                 <a:ea typeface="微软雅黑" pitchFamily="34" charset="-122"/>
               </a:rPr>
-              <a:t>，这里我们为了降低难度，使用</a:t>
-            </a:r>
-            <a:r>
-              <a:rPr lang="en-US" altLang="zh-CN" sz="2400" dirty="0" smtClean="0">
-                <a:solidFill>
-                  <a:schemeClr val="tx1">
-                    <a:lumMod val="75000"/>
-                    <a:lumOff val="25000"/>
-                  </a:schemeClr>
-                </a:solidFill>
-                <a:latin typeface="微软雅黑" pitchFamily="34" charset="-122"/>
-                <a:ea typeface="微软雅黑" pitchFamily="34" charset="-122"/>
-              </a:rPr>
-              <a:t>SMIL</a:t>
-            </a:r>
-            <a:r>
-              <a:rPr lang="zh-CN" altLang="en-US" sz="2400" dirty="0" smtClean="0">
-                <a:solidFill>
-                  <a:schemeClr val="tx1">
-                    <a:lumMod val="75000"/>
-                    <a:lumOff val="25000"/>
-                  </a:schemeClr>
-                </a:solidFill>
-                <a:latin typeface="微软雅黑" pitchFamily="34" charset="-122"/>
-                <a:ea typeface="微软雅黑" pitchFamily="34" charset="-122"/>
-              </a:rPr>
-              <a:t>动画，缺点是</a:t>
-            </a:r>
-            <a:r>
-              <a:rPr lang="en-US" altLang="zh-CN" sz="2400" dirty="0" smtClean="0">
-                <a:solidFill>
-                  <a:schemeClr val="tx1">
-                    <a:lumMod val="75000"/>
-                    <a:lumOff val="25000"/>
-                  </a:schemeClr>
-                </a:solidFill>
-                <a:latin typeface="微软雅黑" pitchFamily="34" charset="-122"/>
-                <a:ea typeface="微软雅黑" pitchFamily="34" charset="-122"/>
-              </a:rPr>
-              <a:t>EDGE</a:t>
-            </a:r>
-            <a:r>
-              <a:rPr lang="zh-CN" altLang="en-US" sz="2400" dirty="0" smtClean="0">
-                <a:solidFill>
-                  <a:schemeClr val="tx1">
-                    <a:lumMod val="75000"/>
-                    <a:lumOff val="25000"/>
-                  </a:schemeClr>
-                </a:solidFill>
-                <a:latin typeface="微软雅黑" pitchFamily="34" charset="-122"/>
-                <a:ea typeface="微软雅黑" pitchFamily="34" charset="-122"/>
-              </a:rPr>
-              <a:t>浏览器并不支持，如果想要更好的兼容性，</a:t>
-            </a:r>
-            <a:r>
-              <a:rPr lang="zh-CN" altLang="en-US" sz="2400" dirty="0" smtClean="0">
-                <a:solidFill>
-                  <a:schemeClr val="tx1">
-                    <a:lumMod val="75000"/>
-                    <a:lumOff val="25000"/>
-                  </a:schemeClr>
-                </a:solidFill>
-                <a:latin typeface="微软雅黑" pitchFamily="34" charset="-122"/>
-                <a:ea typeface="微软雅黑" pitchFamily="34" charset="-122"/>
-              </a:rPr>
-              <a:t>需用</a:t>
+              <a:t>浏览器并不支持，如果想要更好的兼容性，需用</a:t>
             </a:r>
             <a:r>
               <a:rPr lang="en-US" altLang="zh-CN" sz="2400" dirty="0" smtClean="0">
@@ -6912,20 +13340,7 @@
                 <a:latin typeface="微软雅黑" pitchFamily="34" charset="-122"/>
                 <a:ea typeface="微软雅黑" pitchFamily="34" charset="-122"/>
               </a:rPr>
-              <a:t> </a:t>
-            </a:r>
-            <a:r>
-              <a:rPr lang="zh-CN" altLang="en-US" sz="2800" b="1" dirty="0" smtClean="0">
-                <a:solidFill>
-                  <a:schemeClr val="tx1">
-                    <a:lumMod val="75000"/>
-                    <a:lumOff val="25000"/>
-                  </a:schemeClr>
-                </a:solidFill>
-                <a:latin typeface="微软雅黑" pitchFamily="34" charset="-122"/>
-                <a:ea typeface="微软雅黑" pitchFamily="34" charset="-122"/>
-              </a:rPr>
-              <a:t>制作字母数字路径</a:t>
+              <a:t> 制作字母数字路径</a:t>
             </a:r>
             <a:endParaRPr lang="zh-CN" altLang="en-US" sz="2800" b="1" dirty="0">
               <a:solidFill>
@@ -6949,7 +13364,7 @@
         <p:spPr>
           <a:xfrm>
             <a:off x="684000" y="836712"/>
-            <a:ext cx="7776000" cy="1754326"/>
+            <a:ext cx="7776000" cy="1200329"/>
           </a:xfrm>
           <a:prstGeom prst="rect">
             <a:avLst/>
@@ -7099,7 +13514,20 @@
                 <a:latin typeface="微软雅黑" pitchFamily="34" charset="-122"/>
                 <a:ea typeface="微软雅黑" pitchFamily="34" charset="-122"/>
               </a:rPr>
-              <a:t>个基本数字的路径文件</a:t>
+              <a:t>个数字</a:t>
+            </a:r>
+            <a:r>
+              <a:rPr lang="zh-CN" altLang="en-US" sz="2400" dirty="0" smtClean="0">
+                <a:solidFill>
+                  <a:schemeClr val="tx1">
+                    <a:lumMod val="75000"/>
+                    <a:lumOff val="25000"/>
+                  </a:schemeClr>
+                </a:solidFill>
+                <a:latin typeface="微软雅黑" pitchFamily="34" charset="-122"/>
+                <a:ea typeface="微软雅黑" pitchFamily="34" charset="-122"/>
+              </a:rPr>
+              <a:t>的路径文件</a:t>
             </a:r>
             <a:r>
               <a:rPr lang="en-US" altLang="zh-CN" sz="2400" dirty="0" smtClean="0">
@@ -7135,7 +13563,7 @@
         </p:nvGrpSpPr>
         <p:grpSpPr>
           <a:xfrm>
-            <a:off x="1007202" y="4073433"/>
+            <a:off x="1412354" y="2992473"/>
             <a:ext cx="2376263" cy="1371791"/>
             <a:chOff x="1401701" y="3429000"/>
             <a:chExt cx="2376263" cy="1371791"/>
@@ -7296,6 +13724,36 @@
           </p:txBody>
         </p:sp>
       </p:grpSp>
+      <p:pic>
+        <p:nvPicPr>
+          <p:cNvPr id="2" name="图片 1" descr="屏幕剪辑"/>
+          <p:cNvPicPr>
+            <a:picLocks noChangeAspect="1"/>
+          </p:cNvPicPr>
+          <p:nvPr/>
+        </p:nvPicPr>
+        <p:blipFill>
+          <a:blip r:embed="rId3">
+            <a:extLst>
+              <a:ext uri="{28A0092B-C50C-407E-A947-70E740481C1C}">
+                <a14:useLocalDpi xmlns:a14="http://schemas.microsoft.com/office/drawing/2010/main" val="0"/>
+              </a:ext>
+            </a:extLst>
+          </a:blip>
+          <a:stretch>
+            <a:fillRect/>
+          </a:stretch>
+        </p:blipFill>
+        <p:spPr>
+          <a:xfrm>
+            <a:off x="4383710" y="2348039"/>
+            <a:ext cx="2429214" cy="2295845"/>
+          </a:xfrm>
+          <a:prstGeom prst="rect">
+            <a:avLst/>
+          </a:prstGeom>
+        </p:spPr>
+      </p:pic>
       <p:sp>
         <p:nvSpPr>
           <p:cNvPr id="10" name="圆角矩形标注 9"/>
@@ -7304,7 +13762,7 @@
         </p:nvSpPr>
         <p:spPr>
           <a:xfrm>
-            <a:off x="6407772" y="3669492"/>
+            <a:off x="5619628" y="2285096"/>
             <a:ext cx="1368152" cy="576064"/>
           </a:xfrm>
           <a:prstGeom prst="wedgeRoundRectCallout">
@@ -7417,12 +13875,119 @@
         </p:blipFill>
         <p:spPr>
           <a:xfrm>
-            <a:off x="1187624" y="476672"/>
+            <a:off x="1115616" y="404664"/>
             <a:ext cx="1304657" cy="1554615"/>
           </a:xfrm>
           <a:prstGeom prst="rect">
             <a:avLst/>
           </a:prstGeom>
+        </p:spPr>
+      </p:pic>
+      <p:pic>
+        <p:nvPicPr>
+          <p:cNvPr id="1026" name="Picture 2"/>
+          <p:cNvPicPr>
+            <a:picLocks noChangeAspect="1" noChangeArrowheads="1"/>
+          </p:cNvPicPr>
+          <p:nvPr/>
+        </p:nvPicPr>
+        <p:blipFill rotWithShape="1">
+          <a:blip r:embed="rId3">
+            <a:extLst>
+              <a:ext uri="{28A0092B-C50C-407E-A947-70E740481C1C}">
+                <a14:useLocalDpi xmlns:a14="http://schemas.microsoft.com/office/drawing/2010/main" val="0"/>
+              </a:ext>
+            </a:extLst>
+          </a:blip>
+          <a:srcRect l="4159" t="25568" r="66970" b="22423"/>
+          <a:stretch/>
+        </p:blipFill>
+        <p:spPr bwMode="auto">
+          <a:xfrm>
+            <a:off x="2123728" y="620688"/>
+            <a:ext cx="3700464" cy="3749698"/>
+          </a:xfrm>
+          <a:prstGeom prst="rect">
+            <a:avLst/>
+          </a:prstGeom>
+          <a:ln>
+            <a:noFill/>
+          </a:ln>
+          <a:effectLst>
+            <a:outerShdw blurRad="292100" dist="139700" dir="2700000" algn="tl" rotWithShape="0">
+              <a:srgbClr val="333333">
+                <a:alpha val="65000"/>
+              </a:srgbClr>
+            </a:outerShdw>
+          </a:effectLst>
+          <a:extLst>
+            <a:ext uri="{909E8E84-426E-40DD-AFC4-6F175D3DCCD1}">
+              <a14:hiddenFill xmlns:a14="http://schemas.microsoft.com/office/drawing/2010/main">
+                <a:solidFill>
+                  <a:schemeClr val="accent1"/>
+                </a:solidFill>
+              </a14:hiddenFill>
+            </a:ext>
+            <a:ext uri="{91240B29-F687-4F45-9708-019B960494DF}">
+              <a14:hiddenLine xmlns:a14="http://schemas.microsoft.com/office/drawing/2010/main" w="9525">
+                <a:solidFill>
+                  <a:schemeClr val="tx1"/>
+                </a:solidFill>
+                <a:miter lim="800000"/>
+                <a:headEnd/>
+                <a:tailEnd/>
+              </a14:hiddenLine>
+            </a:ext>
+            <a:ext uri="{AF507438-7753-43E0-B8FC-AC1667EBCBE1}">
+              <a14:hiddenEffects xmlns:a14="http://schemas.microsoft.com/office/drawing/2010/main">
+                <a:effectLst>
+                  <a:outerShdw dist="35921" dir="2700000" algn="ctr" rotWithShape="0">
+                    <a:schemeClr val="bg2"/>
+                  </a:outerShdw>
+                </a:effectLst>
+              </a14:hiddenEffects>
+            </a:ext>
+          </a:extLst>
+        </p:spPr>
+      </p:pic>
+      <p:pic>
+        <p:nvPicPr>
+          <p:cNvPr id="4" name="图片 3" descr="屏幕剪辑"/>
+          <p:cNvPicPr>
+            <a:picLocks noChangeAspect="1"/>
+          </p:cNvPicPr>
+          <p:nvPr/>
+        </p:nvPicPr>
+        <p:blipFill>
+          <a:blip r:embed="rId4">
+            <a:extLst>
+              <a:ext uri="{28A0092B-C50C-407E-A947-70E740481C1C}">
+                <a14:useLocalDpi xmlns:a14="http://schemas.microsoft.com/office/drawing/2010/main" val="0"/>
+              </a:ext>
+            </a:extLst>
+          </a:blip>
+          <a:stretch>
+            <a:fillRect/>
+          </a:stretch>
+        </p:blipFill>
+        <p:spPr>
+          <a:xfrm>
+            <a:off x="5926386" y="620688"/>
+            <a:ext cx="2362530" cy="2324424"/>
+          </a:xfrm>
+          <a:prstGeom prst="rect">
+            <a:avLst/>
+          </a:prstGeom>
+          <a:ln>
+            <a:noFill/>
+          </a:ln>
+          <a:effectLst>
+            <a:outerShdw blurRad="292100" dist="139700" dir="2700000" algn="tl" rotWithShape="0">
+              <a:srgbClr val="333333">
+                <a:alpha val="65000"/>
+              </a:srgbClr>
+            </a:outerShdw>
+          </a:effectLst>
         </p:spPr>
       </p:pic>
       <p:sp>
@@ -7433,13 +13998,13 @@
         </p:nvSpPr>
         <p:spPr>
           <a:xfrm>
-            <a:off x="6536225" y="3899179"/>
+            <a:off x="6159234" y="476672"/>
             <a:ext cx="1368152" cy="576064"/>
           </a:xfrm>
           <a:prstGeom prst="wedgeRoundRectCallout">
             <a:avLst>
-              <a:gd name="adj1" fmla="val -35500"/>
-              <a:gd name="adj2" fmla="val 86118"/>
+              <a:gd name="adj1" fmla="val 6396"/>
+              <a:gd name="adj2" fmla="val 90856"/>
               <a:gd name="adj3" fmla="val 16667"/>
             </a:avLst>
           </a:prstGeom>
@@ -7490,6 +14055,160 @@
               <a:latin typeface="微软雅黑" pitchFamily="34" charset="-122"/>
               <a:ea typeface="微软雅黑" pitchFamily="34" charset="-122"/>
             </a:endParaRPr>
+          </a:p>
+        </p:txBody>
+      </p:sp>
+      <p:pic>
+        <p:nvPicPr>
+          <p:cNvPr id="5" name="图片 4" descr="屏幕剪辑"/>
+          <p:cNvPicPr>
+            <a:picLocks noChangeAspect="1"/>
+          </p:cNvPicPr>
+          <p:nvPr/>
+        </p:nvPicPr>
+        <p:blipFill>
+          <a:blip r:embed="rId5">
+            <a:extLst>
+              <a:ext uri="{28A0092B-C50C-407E-A947-70E740481C1C}">
+                <a14:useLocalDpi xmlns:a14="http://schemas.microsoft.com/office/drawing/2010/main" val="0"/>
+              </a:ext>
+            </a:extLst>
+          </a:blip>
+          <a:stretch>
+            <a:fillRect/>
+          </a:stretch>
+        </p:blipFill>
+        <p:spPr>
+          <a:xfrm>
+            <a:off x="1739737" y="4725144"/>
+            <a:ext cx="2391109" cy="1400370"/>
+          </a:xfrm>
+          <a:prstGeom prst="rect">
+            <a:avLst/>
+          </a:prstGeom>
+          <a:ln>
+            <a:noFill/>
+          </a:ln>
+          <a:effectLst>
+            <a:outerShdw blurRad="292100" dist="139700" dir="2700000" algn="tl" rotWithShape="0">
+              <a:srgbClr val="333333">
+                <a:alpha val="65000"/>
+              </a:srgbClr>
+            </a:outerShdw>
+          </a:effectLst>
+        </p:spPr>
+      </p:pic>
+      <p:sp>
+        <p:nvSpPr>
+          <p:cNvPr id="7" name="圆角矩形标注 6"/>
+          <p:cNvSpPr/>
+          <p:nvPr/>
+        </p:nvSpPr>
+        <p:spPr>
+          <a:xfrm>
+            <a:off x="4558233" y="4849264"/>
+            <a:ext cx="2101999" cy="1028007"/>
+          </a:xfrm>
+          <a:prstGeom prst="wedgeRoundRectCallout">
+            <a:avLst>
+              <a:gd name="adj1" fmla="val -68419"/>
+              <a:gd name="adj2" fmla="val 19782"/>
+              <a:gd name="adj3" fmla="val 16667"/>
+            </a:avLst>
+          </a:prstGeom>
+        </p:spPr>
+        <p:style>
+          <a:lnRef idx="2">
+            <a:schemeClr val="accent5"/>
+          </a:lnRef>
+          <a:fillRef idx="1">
+            <a:schemeClr val="lt1"/>
+          </a:fillRef>
+          <a:effectRef idx="0">
+            <a:schemeClr val="accent5"/>
+          </a:effectRef>
+          <a:fontRef idx="minor">
+            <a:schemeClr val="dk1"/>
+          </a:fontRef>
+        </p:style>
+        <p:txBody>
+          <a:bodyPr rtlCol="0" anchor="ctr"/>
+          <a:lstStyle/>
+          <a:p>
+            <a:pPr>
+              <a:lnSpc>
+                <a:spcPct val="150000"/>
+              </a:lnSpc>
+            </a:pPr>
+            <a:r>
+              <a:rPr lang="zh-CN" altLang="en-US" sz="2000" dirty="0" smtClean="0">
+                <a:solidFill>
+                  <a:schemeClr val="tx1">
+                    <a:lumMod val="75000"/>
+                    <a:lumOff val="25000"/>
+                  </a:schemeClr>
+                </a:solidFill>
+                <a:latin typeface="微软雅黑" pitchFamily="34" charset="-122"/>
+                <a:ea typeface="微软雅黑" pitchFamily="34" charset="-122"/>
+              </a:rPr>
+              <a:t>所有字母数字轮廓中心对齐</a:t>
+            </a:r>
+            <a:endParaRPr lang="en-US" altLang="zh-CN" sz="2000" dirty="0">
+              <a:solidFill>
+                <a:schemeClr val="tx1">
+                  <a:lumMod val="75000"/>
+                  <a:lumOff val="25000"/>
+                </a:schemeClr>
+              </a:solidFill>
+              <a:latin typeface="微软雅黑" pitchFamily="34" charset="-122"/>
+              <a:ea typeface="微软雅黑" pitchFamily="34" charset="-122"/>
+            </a:endParaRPr>
+          </a:p>
+        </p:txBody>
+      </p:sp>
+      <p:sp>
+        <p:nvSpPr>
+          <p:cNvPr id="8" name="矩形 7"/>
+          <p:cNvSpPr/>
+          <p:nvPr/>
+        </p:nvSpPr>
+        <p:spPr>
+          <a:xfrm>
+            <a:off x="2150905" y="4957276"/>
+            <a:ext cx="1008112" cy="631963"/>
+          </a:xfrm>
+          <a:prstGeom prst="rect">
+            <a:avLst/>
+          </a:prstGeom>
+          <a:noFill/>
+          <a:ln w="38100">
+            <a:solidFill>
+              <a:srgbClr val="FFFF00"/>
+            </a:solidFill>
+          </a:ln>
+        </p:spPr>
+        <p:style>
+          <a:lnRef idx="2">
+            <a:schemeClr val="accent1">
+              <a:shade val="50000"/>
+            </a:schemeClr>
+          </a:lnRef>
+          <a:fillRef idx="1">
+            <a:schemeClr val="accent1"/>
+          </a:fillRef>
+          <a:effectRef idx="0">
+            <a:schemeClr val="accent1"/>
+          </a:effectRef>
+          <a:fontRef idx="minor">
+            <a:schemeClr val="lt1"/>
+          </a:fontRef>
+        </p:style>
+        <p:txBody>
+          <a:bodyPr rtlCol="0" anchor="ctr"/>
+          <a:lstStyle/>
+          <a:p>
+            <a:pPr algn="ctr"/>
+            <a:endParaRPr lang="zh-CN" altLang="en-US"/>
           </a:p>
         </p:txBody>
       </p:sp>
@@ -7589,16 +14308,6 @@
               </a:rPr>
               <a:t>HTML</a:t>
             </a:r>
-            <a:endParaRPr lang="en-US" altLang="zh-CN" sz="2400" b="1" dirty="0" smtClean="0">
-              <a:solidFill>
-                <a:schemeClr val="tx1">
-                  <a:lumMod val="75000"/>
-                  <a:lumOff val="25000"/>
-                </a:schemeClr>
-              </a:solidFill>
-              <a:latin typeface="微软雅黑" pitchFamily="34" charset="-122"/>
-              <a:ea typeface="微软雅黑" pitchFamily="34" charset="-122"/>
-            </a:endParaRPr>
           </a:p>
           <a:p>
             <a:pPr>
@@ -7643,7 +14352,33 @@
                 <a:latin typeface="微软雅黑" pitchFamily="34" charset="-122"/>
                 <a:ea typeface="微软雅黑" pitchFamily="34" charset="-122"/>
               </a:rPr>
-              <a:t>文档，并且分别设置自定义属性</a:t>
+              <a:t>文档，</a:t>
+            </a:r>
+            <a:r>
+              <a:rPr lang="zh-CN" altLang="en-US" sz="2400" dirty="0" smtClean="0">
+                <a:solidFill>
+                  <a:schemeClr val="tx1">
+                    <a:lumMod val="75000"/>
+                    <a:lumOff val="25000"/>
+                  </a:schemeClr>
+                </a:solidFill>
+                <a:latin typeface="微软雅黑" pitchFamily="34" charset="-122"/>
+                <a:ea typeface="微软雅黑" pitchFamily="34" charset="-122"/>
+              </a:rPr>
+              <a:t>并分别</a:t>
+            </a:r>
+            <a:r>
+              <a:rPr lang="zh-CN" altLang="en-US" sz="2400" dirty="0" smtClean="0">
+                <a:solidFill>
+                  <a:schemeClr val="tx1">
+                    <a:lumMod val="75000"/>
+                    <a:lumOff val="25000"/>
+                  </a:schemeClr>
+                </a:solidFill>
+                <a:latin typeface="微软雅黑" pitchFamily="34" charset="-122"/>
+                <a:ea typeface="微软雅黑" pitchFamily="34" charset="-122"/>
+              </a:rPr>
+              <a:t>设置自定义属性</a:t>
             </a:r>
             <a:r>
               <a:rPr lang="en-US" altLang="zh-CN" sz="2400" dirty="0" smtClean="0">
@@ -7695,7 +14430,33 @@
                 <a:latin typeface="微软雅黑" pitchFamily="34" charset="-122"/>
                 <a:ea typeface="微软雅黑" pitchFamily="34" charset="-122"/>
               </a:rPr>
-              <a:t>这里直接使用数字，字母本身，简单明了</a:t>
+              <a:t>这里</a:t>
+            </a:r>
+            <a:r>
+              <a:rPr lang="zh-CN" altLang="en-US" sz="2400" b="1" dirty="0" smtClean="0">
+                <a:solidFill>
+                  <a:schemeClr val="tx1">
+                    <a:lumMod val="75000"/>
+                    <a:lumOff val="25000"/>
+                  </a:schemeClr>
+                </a:solidFill>
+                <a:latin typeface="微软雅黑" pitchFamily="34" charset="-122"/>
+                <a:ea typeface="微软雅黑" pitchFamily="34" charset="-122"/>
+              </a:rPr>
+              <a:t>直接使用数字，字母本身</a:t>
+            </a:r>
+            <a:r>
+              <a:rPr lang="zh-CN" altLang="en-US" sz="2400" dirty="0" smtClean="0">
+                <a:solidFill>
+                  <a:schemeClr val="tx1">
+                    <a:lumMod val="75000"/>
+                    <a:lumOff val="25000"/>
+                  </a:schemeClr>
+                </a:solidFill>
+                <a:latin typeface="微软雅黑" pitchFamily="34" charset="-122"/>
+                <a:ea typeface="微软雅黑" pitchFamily="34" charset="-122"/>
+              </a:rPr>
+              <a:t>，简单明了</a:t>
             </a:r>
             <a:r>
               <a:rPr lang="en-US" altLang="zh-CN" sz="2400" dirty="0" smtClean="0">
@@ -8159,7 +14920,20 @@
                 <a:latin typeface="微软雅黑" pitchFamily="34" charset="-122"/>
                 <a:ea typeface="微软雅黑" pitchFamily="34" charset="-122"/>
               </a:rPr>
-              <a:t>最后我们还要添加一个空路径，以便进行从无到有，从有到无的转换</a:t>
+              <a:t>最后还要</a:t>
+            </a:r>
+            <a:r>
+              <a:rPr lang="zh-CN" altLang="en-US" sz="2400" dirty="0" smtClean="0">
+                <a:solidFill>
+                  <a:schemeClr val="tx1">
+                    <a:lumMod val="75000"/>
+                    <a:lumOff val="25000"/>
+                  </a:schemeClr>
+                </a:solidFill>
+                <a:latin typeface="微软雅黑" pitchFamily="34" charset="-122"/>
+                <a:ea typeface="微软雅黑" pitchFamily="34" charset="-122"/>
+              </a:rPr>
+              <a:t>添加一个空路径，以便进行从无到有，从有到无的转换</a:t>
             </a:r>
             <a:r>
               <a:rPr lang="en-US" altLang="zh-CN" sz="2400" dirty="0" smtClean="0">
@@ -8273,7 +15047,7 @@
         <p:spPr>
           <a:xfrm>
             <a:off x="684000" y="260648"/>
-            <a:ext cx="7776000" cy="3508653"/>
+            <a:ext cx="7776000" cy="2400657"/>
           </a:xfrm>
           <a:prstGeom prst="rect">
             <a:avLst/>
@@ -8529,105 +15303,7 @@
               </a:rPr>
               <a:t>.</a:t>
             </a:r>
-          </a:p>
-          <a:p>
-            <a:pPr>
-              <a:lnSpc>
-                <a:spcPct val="150000"/>
-              </a:lnSpc>
-            </a:pPr>
-            <a:r>
-              <a:rPr lang="zh-CN" altLang="en-US" sz="2400" dirty="0" smtClean="0">
-                <a:solidFill>
-                  <a:schemeClr val="tx1">
-                    <a:lumMod val="75000"/>
-                    <a:lumOff val="25000"/>
-                  </a:schemeClr>
-                </a:solidFill>
-                <a:latin typeface="微软雅黑" pitchFamily="34" charset="-122"/>
-                <a:ea typeface="微软雅黑" pitchFamily="34" charset="-122"/>
-              </a:rPr>
-              <a:t>最后在</a:t>
-            </a:r>
-            <a:r>
-              <a:rPr lang="en-US" altLang="zh-CN" sz="2400" dirty="0" smtClean="0">
-                <a:solidFill>
-                  <a:schemeClr val="tx1">
-                    <a:lumMod val="75000"/>
-                    <a:lumOff val="25000"/>
-                  </a:schemeClr>
-                </a:solidFill>
-                <a:latin typeface="微软雅黑" pitchFamily="34" charset="-122"/>
-                <a:ea typeface="微软雅黑" pitchFamily="34" charset="-122"/>
-              </a:rPr>
-              <a:t>HTML</a:t>
-            </a:r>
-            <a:r>
-              <a:rPr lang="zh-CN" altLang="en-US" sz="2400" dirty="0">
-                <a:solidFill>
-                  <a:schemeClr val="tx1">
-                    <a:lumMod val="75000"/>
-                    <a:lumOff val="25000"/>
-                  </a:schemeClr>
-                </a:solidFill>
-                <a:latin typeface="微软雅黑" pitchFamily="34" charset="-122"/>
-                <a:ea typeface="微软雅黑" pitchFamily="34" charset="-122"/>
-              </a:rPr>
-              <a:t>文档</a:t>
-            </a:r>
-            <a:r>
-              <a:rPr lang="zh-CN" altLang="en-US" sz="2400" dirty="0" smtClean="0">
-                <a:solidFill>
-                  <a:schemeClr val="tx1">
-                    <a:lumMod val="75000"/>
-                    <a:lumOff val="25000"/>
-                  </a:schemeClr>
-                </a:solidFill>
-                <a:latin typeface="微软雅黑" pitchFamily="34" charset="-122"/>
-                <a:ea typeface="微软雅黑" pitchFamily="34" charset="-122"/>
-              </a:rPr>
-              <a:t>中，还需要准备好变换的字符串，这样方便设置，页面加载时用</a:t>
-            </a:r>
-            <a:r>
-              <a:rPr lang="en-US" altLang="zh-CN" sz="2400" dirty="0" smtClean="0">
-                <a:solidFill>
-                  <a:schemeClr val="tx1">
-                    <a:lumMod val="75000"/>
-                    <a:lumOff val="25000"/>
-                  </a:schemeClr>
-                </a:solidFill>
-                <a:latin typeface="微软雅黑" pitchFamily="34" charset="-122"/>
-                <a:ea typeface="微软雅黑" pitchFamily="34" charset="-122"/>
-              </a:rPr>
-              <a:t>JS</a:t>
-            </a:r>
-            <a:r>
-              <a:rPr lang="zh-CN" altLang="en-US" sz="2400" dirty="0" smtClean="0">
-                <a:solidFill>
-                  <a:schemeClr val="tx1">
-                    <a:lumMod val="75000"/>
-                    <a:lumOff val="25000"/>
-                  </a:schemeClr>
-                </a:solidFill>
-                <a:latin typeface="微软雅黑" pitchFamily="34" charset="-122"/>
-                <a:ea typeface="微软雅黑" pitchFamily="34" charset="-122"/>
-              </a:rPr>
-              <a:t>脚本加载即可</a:t>
-            </a:r>
-            <a:r>
-              <a:rPr lang="en-US" altLang="zh-CN" sz="2400" dirty="0" smtClean="0">
-                <a:solidFill>
-                  <a:schemeClr val="tx1">
-                    <a:lumMod val="75000"/>
-                    <a:lumOff val="25000"/>
-                  </a:schemeClr>
-                </a:solidFill>
-                <a:latin typeface="微软雅黑" pitchFamily="34" charset="-122"/>
-                <a:ea typeface="微软雅黑" pitchFamily="34" charset="-122"/>
-              </a:rPr>
-              <a:t>.</a:t>
-            </a:r>
-            <a:endParaRPr lang="en-US" altLang="zh-CN" sz="2400" dirty="0">
+            <a:endParaRPr lang="en-US" altLang="zh-CN" sz="2400" dirty="0" smtClean="0">
               <a:solidFill>
                 <a:schemeClr val="tx1">
                   <a:lumMod val="75000"/>
@@ -8640,36 +15316,6 @@
           </a:p>
         </p:txBody>
       </p:sp>
-      <p:pic>
-        <p:nvPicPr>
-          <p:cNvPr id="9" name="图片 8" descr="屏幕剪辑"/>
-          <p:cNvPicPr>
-            <a:picLocks noChangeAspect="1"/>
-          </p:cNvPicPr>
-          <p:nvPr/>
-        </p:nvPicPr>
-        <p:blipFill>
-          <a:blip r:embed="rId2">
-            <a:extLst>
-              <a:ext uri="{28A0092B-C50C-407E-A947-70E740481C1C}">
-                <a14:useLocalDpi xmlns:a14="http://schemas.microsoft.com/office/drawing/2010/main" val="0"/>
-              </a:ext>
-            </a:extLst>
-          </a:blip>
-          <a:stretch>
-            <a:fillRect/>
-          </a:stretch>
-        </p:blipFill>
-        <p:spPr>
-          <a:xfrm>
-            <a:off x="1619672" y="4221088"/>
-            <a:ext cx="5744377" cy="990738"/>
-          </a:xfrm>
-          <a:prstGeom prst="rect">
-            <a:avLst/>
-          </a:prstGeom>
-        </p:spPr>
-      </p:pic>
     </p:spTree>
     <p:extLst>
       <p:ext uri="{BB962C8B-B14F-4D97-AF65-F5344CB8AC3E}">
@@ -9230,7 +15876,7 @@
   <a:extraClrSchemeLst/>
   <a:extLst>
     <a:ext uri="{05A4C25C-085E-4340-85A3-A5531E510DB2}">
-      <thm15:themeFamily xmlns:thm15="http://schemas.microsoft.com/office/thememl/2012/main" name="Office Theme" id="{62F939B6-93AF-4DB8-9C6B-D6C7DFDC589F}" vid="{4A3C46E8-61CC-4603-A589-7422A47A8E4A}"/>
+      <thm15:themeFamily xmlns:thm15="http://schemas.microsoft.com/office/thememl/2012/main" xmlns="" name="Office Theme" id="{62F939B6-93AF-4DB8-9C6B-D6C7DFDC589F}" vid="{4A3C46E8-61CC-4603-A589-7422A47A8E4A}"/>
     </a:ext>
   </a:extLst>
 </a:theme>
